--- a/0 발표용 파워포인트/0403 1차발표/0403 project05 - 파워포인트 - 기범.pptx
+++ b/0 발표용 파워포인트/0403 1차발표/0403 project05 - 파워포인트 - 기범.pptx
@@ -5,17 +5,18 @@
     <p:sldMasterId id="2147483648" r:id="rId1"/>
   </p:sldMasterIdLst>
   <p:notesMasterIdLst>
-    <p:notesMasterId r:id="rId10"/>
+    <p:notesMasterId r:id="rId11"/>
   </p:notesMasterIdLst>
   <p:sldIdLst>
     <p:sldId id="256" r:id="rId2"/>
     <p:sldId id="257" r:id="rId3"/>
-    <p:sldId id="263" r:id="rId4"/>
-    <p:sldId id="258" r:id="rId5"/>
-    <p:sldId id="259" r:id="rId6"/>
-    <p:sldId id="260" r:id="rId7"/>
-    <p:sldId id="261" r:id="rId8"/>
-    <p:sldId id="262" r:id="rId9"/>
+    <p:sldId id="258" r:id="rId4"/>
+    <p:sldId id="259" r:id="rId5"/>
+    <p:sldId id="260" r:id="rId6"/>
+    <p:sldId id="261" r:id="rId7"/>
+    <p:sldId id="262" r:id="rId8"/>
+    <p:sldId id="263" r:id="rId9"/>
+    <p:sldId id="264" r:id="rId10"/>
   </p:sldIdLst>
   <p:sldSz cx="12192000" cy="6858000"/>
   <p:notesSz cx="6858000" cy="9144000"/>
@@ -485,768 +486,6 @@
 </p:notesMaster>
 </file>
 
-<file path=ppt/notesSlides/notesSlide1.xml><?xml version="1.0" encoding="utf-8"?>
-<p:notes xmlns:a="http://schemas.openxmlformats.org/drawingml/2006/main" xmlns:r="http://schemas.openxmlformats.org/officeDocument/2006/relationships" xmlns:p="http://schemas.openxmlformats.org/presentationml/2006/main" showMasterSp="0" showMasterPhAnim="0">
-  <p:cSld>
-    <p:spTree>
-      <p:nvGrpSpPr>
-        <p:cNvPr id="1" name="Shape 160"/>
-        <p:cNvGrpSpPr/>
-        <p:nvPr/>
-      </p:nvGrpSpPr>
-      <p:grpSpPr>
-        <a:xfrm>
-          <a:off x="0" y="0"/>
-          <a:ext cx="0" cy="0"/>
-          <a:chOff x="0" y="0"/>
-          <a:chExt cx="0" cy="0"/>
-        </a:xfrm>
-      </p:grpSpPr>
-      <p:sp>
-        <p:nvSpPr>
-          <p:cNvPr id="161" name="Google Shape;161;g7c553259d1_0_81:notes"/>
-          <p:cNvSpPr txBox="1">
-            <a:spLocks noGrp="1"/>
-          </p:cNvSpPr>
-          <p:nvPr>
-            <p:ph type="body" idx="1"/>
-          </p:nvPr>
-        </p:nvSpPr>
-        <p:spPr>
-          <a:xfrm>
-            <a:off x="685800" y="4343400"/>
-            <a:ext cx="5486400" cy="4114800"/>
-          </a:xfrm>
-          <a:prstGeom prst="rect">
-            <a:avLst/>
-          </a:prstGeom>
-          <a:noFill/>
-          <a:ln>
-            <a:noFill/>
-          </a:ln>
-        </p:spPr>
-        <p:txBody>
-          <a:bodyPr spcFirstLastPara="1" wrap="square" lIns="91425" tIns="91425" rIns="91425" bIns="91425" anchor="t" anchorCtr="0">
-            <a:noAutofit/>
-          </a:bodyPr>
-          <a:lstStyle/>
-          <a:p>
-            <a:pPr marL="0" lvl="0" indent="0" algn="l" rtl="0">
-              <a:lnSpc>
-                <a:spcPct val="100000"/>
-              </a:lnSpc>
-              <a:spcBef>
-                <a:spcPts val="0"/>
-              </a:spcBef>
-              <a:spcAft>
-                <a:spcPts val="0"/>
-              </a:spcAft>
-              <a:buSzPts val="1100"/>
-              <a:buNone/>
-            </a:pPr>
-            <a:endParaRPr/>
-          </a:p>
-        </p:txBody>
-      </p:sp>
-      <p:sp>
-        <p:nvSpPr>
-          <p:cNvPr id="162" name="Google Shape;162;g7c553259d1_0_81:notes"/>
-          <p:cNvSpPr>
-            <a:spLocks noGrp="1" noRot="1" noChangeAspect="1"/>
-          </p:cNvSpPr>
-          <p:nvPr>
-            <p:ph type="sldImg" idx="2"/>
-          </p:nvPr>
-        </p:nvSpPr>
-        <p:spPr>
-          <a:xfrm>
-            <a:off x="381000" y="685800"/>
-            <a:ext cx="6096000" cy="3429000"/>
-          </a:xfrm>
-          <a:custGeom>
-            <a:avLst/>
-            <a:gdLst/>
-            <a:ahLst/>
-            <a:cxnLst/>
-            <a:rect l="l" t="t" r="r" b="b"/>
-            <a:pathLst>
-              <a:path w="120000" h="120000" extrusionOk="0">
-                <a:moveTo>
-                  <a:pt x="0" y="0"/>
-                </a:moveTo>
-                <a:lnTo>
-                  <a:pt x="120000" y="0"/>
-                </a:lnTo>
-                <a:lnTo>
-                  <a:pt x="120000" y="120000"/>
-                </a:lnTo>
-                <a:lnTo>
-                  <a:pt x="0" y="120000"/>
-                </a:lnTo>
-                <a:close/>
-              </a:path>
-            </a:pathLst>
-          </a:custGeom>
-          <a:noFill/>
-          <a:ln w="9525" cap="flat" cmpd="sng">
-            <a:solidFill>
-              <a:srgbClr val="000000"/>
-            </a:solidFill>
-            <a:prstDash val="solid"/>
-            <a:round/>
-            <a:headEnd type="none" w="sm" len="sm"/>
-            <a:tailEnd type="none" w="sm" len="sm"/>
-          </a:ln>
-        </p:spPr>
-      </p:sp>
-    </p:spTree>
-    <p:extLst>
-      <p:ext uri="{BB962C8B-B14F-4D97-AF65-F5344CB8AC3E}">
-        <p14:creationId xmlns:p14="http://schemas.microsoft.com/office/powerpoint/2010/main" val="2683883925"/>
-      </p:ext>
-    </p:extLst>
-  </p:cSld>
-  <p:clrMapOvr>
-    <a:masterClrMapping/>
-  </p:clrMapOvr>
-</p:notes>
-</file>
-
-<file path=ppt/notesSlides/notesSlide2.xml><?xml version="1.0" encoding="utf-8"?>
-<p:notes xmlns:a="http://schemas.openxmlformats.org/drawingml/2006/main" xmlns:r="http://schemas.openxmlformats.org/officeDocument/2006/relationships" xmlns:p="http://schemas.openxmlformats.org/presentationml/2006/main" showMasterSp="0" showMasterPhAnim="0">
-  <p:cSld>
-    <p:spTree>
-      <p:nvGrpSpPr>
-        <p:cNvPr id="1" name="Shape 160"/>
-        <p:cNvGrpSpPr/>
-        <p:nvPr/>
-      </p:nvGrpSpPr>
-      <p:grpSpPr>
-        <a:xfrm>
-          <a:off x="0" y="0"/>
-          <a:ext cx="0" cy="0"/>
-          <a:chOff x="0" y="0"/>
-          <a:chExt cx="0" cy="0"/>
-        </a:xfrm>
-      </p:grpSpPr>
-      <p:sp>
-        <p:nvSpPr>
-          <p:cNvPr id="161" name="Google Shape;161;g7c553259d1_0_81:notes"/>
-          <p:cNvSpPr txBox="1">
-            <a:spLocks noGrp="1"/>
-          </p:cNvSpPr>
-          <p:nvPr>
-            <p:ph type="body" idx="1"/>
-          </p:nvPr>
-        </p:nvSpPr>
-        <p:spPr>
-          <a:xfrm>
-            <a:off x="685800" y="4343400"/>
-            <a:ext cx="5486400" cy="4114800"/>
-          </a:xfrm>
-          <a:prstGeom prst="rect">
-            <a:avLst/>
-          </a:prstGeom>
-          <a:noFill/>
-          <a:ln>
-            <a:noFill/>
-          </a:ln>
-        </p:spPr>
-        <p:txBody>
-          <a:bodyPr spcFirstLastPara="1" wrap="square" lIns="91425" tIns="91425" rIns="91425" bIns="91425" anchor="t" anchorCtr="0">
-            <a:noAutofit/>
-          </a:bodyPr>
-          <a:lstStyle/>
-          <a:p>
-            <a:pPr marL="0" lvl="0" indent="0" algn="l" rtl="0">
-              <a:lnSpc>
-                <a:spcPct val="100000"/>
-              </a:lnSpc>
-              <a:spcBef>
-                <a:spcPts val="0"/>
-              </a:spcBef>
-              <a:spcAft>
-                <a:spcPts val="0"/>
-              </a:spcAft>
-              <a:buSzPts val="1100"/>
-              <a:buNone/>
-            </a:pPr>
-            <a:endParaRPr/>
-          </a:p>
-        </p:txBody>
-      </p:sp>
-      <p:sp>
-        <p:nvSpPr>
-          <p:cNvPr id="162" name="Google Shape;162;g7c553259d1_0_81:notes"/>
-          <p:cNvSpPr>
-            <a:spLocks noGrp="1" noRot="1" noChangeAspect="1"/>
-          </p:cNvSpPr>
-          <p:nvPr>
-            <p:ph type="sldImg" idx="2"/>
-          </p:nvPr>
-        </p:nvSpPr>
-        <p:spPr>
-          <a:xfrm>
-            <a:off x="381000" y="685800"/>
-            <a:ext cx="6096000" cy="3429000"/>
-          </a:xfrm>
-          <a:custGeom>
-            <a:avLst/>
-            <a:gdLst/>
-            <a:ahLst/>
-            <a:cxnLst/>
-            <a:rect l="l" t="t" r="r" b="b"/>
-            <a:pathLst>
-              <a:path w="120000" h="120000" extrusionOk="0">
-                <a:moveTo>
-                  <a:pt x="0" y="0"/>
-                </a:moveTo>
-                <a:lnTo>
-                  <a:pt x="120000" y="0"/>
-                </a:lnTo>
-                <a:lnTo>
-                  <a:pt x="120000" y="120000"/>
-                </a:lnTo>
-                <a:lnTo>
-                  <a:pt x="0" y="120000"/>
-                </a:lnTo>
-                <a:close/>
-              </a:path>
-            </a:pathLst>
-          </a:custGeom>
-          <a:noFill/>
-          <a:ln w="9525" cap="flat" cmpd="sng">
-            <a:solidFill>
-              <a:srgbClr val="000000"/>
-            </a:solidFill>
-            <a:prstDash val="solid"/>
-            <a:round/>
-            <a:headEnd type="none" w="sm" len="sm"/>
-            <a:tailEnd type="none" w="sm" len="sm"/>
-          </a:ln>
-        </p:spPr>
-      </p:sp>
-    </p:spTree>
-    <p:extLst>
-      <p:ext uri="{BB962C8B-B14F-4D97-AF65-F5344CB8AC3E}">
-        <p14:creationId xmlns:p14="http://schemas.microsoft.com/office/powerpoint/2010/main" val="1649421348"/>
-      </p:ext>
-    </p:extLst>
-  </p:cSld>
-  <p:clrMapOvr>
-    <a:masterClrMapping/>
-  </p:clrMapOvr>
-</p:notes>
-</file>
-
-<file path=ppt/notesSlides/notesSlide3.xml><?xml version="1.0" encoding="utf-8"?>
-<p:notes xmlns:a="http://schemas.openxmlformats.org/drawingml/2006/main" xmlns:r="http://schemas.openxmlformats.org/officeDocument/2006/relationships" xmlns:p="http://schemas.openxmlformats.org/presentationml/2006/main" showMasterSp="0" showMasterPhAnim="0">
-  <p:cSld>
-    <p:spTree>
-      <p:nvGrpSpPr>
-        <p:cNvPr id="1" name="Shape 160"/>
-        <p:cNvGrpSpPr/>
-        <p:nvPr/>
-      </p:nvGrpSpPr>
-      <p:grpSpPr>
-        <a:xfrm>
-          <a:off x="0" y="0"/>
-          <a:ext cx="0" cy="0"/>
-          <a:chOff x="0" y="0"/>
-          <a:chExt cx="0" cy="0"/>
-        </a:xfrm>
-      </p:grpSpPr>
-      <p:sp>
-        <p:nvSpPr>
-          <p:cNvPr id="161" name="Google Shape;161;g7c553259d1_0_81:notes"/>
-          <p:cNvSpPr txBox="1">
-            <a:spLocks noGrp="1"/>
-          </p:cNvSpPr>
-          <p:nvPr>
-            <p:ph type="body" idx="1"/>
-          </p:nvPr>
-        </p:nvSpPr>
-        <p:spPr>
-          <a:xfrm>
-            <a:off x="685800" y="4343400"/>
-            <a:ext cx="5486400" cy="4114800"/>
-          </a:xfrm>
-          <a:prstGeom prst="rect">
-            <a:avLst/>
-          </a:prstGeom>
-          <a:noFill/>
-          <a:ln>
-            <a:noFill/>
-          </a:ln>
-        </p:spPr>
-        <p:txBody>
-          <a:bodyPr spcFirstLastPara="1" wrap="square" lIns="91425" tIns="91425" rIns="91425" bIns="91425" anchor="t" anchorCtr="0">
-            <a:noAutofit/>
-          </a:bodyPr>
-          <a:lstStyle/>
-          <a:p>
-            <a:pPr marL="0" lvl="0" indent="0" algn="l" rtl="0">
-              <a:lnSpc>
-                <a:spcPct val="100000"/>
-              </a:lnSpc>
-              <a:spcBef>
-                <a:spcPts val="0"/>
-              </a:spcBef>
-              <a:spcAft>
-                <a:spcPts val="0"/>
-              </a:spcAft>
-              <a:buSzPts val="1100"/>
-              <a:buNone/>
-            </a:pPr>
-            <a:endParaRPr/>
-          </a:p>
-        </p:txBody>
-      </p:sp>
-      <p:sp>
-        <p:nvSpPr>
-          <p:cNvPr id="162" name="Google Shape;162;g7c553259d1_0_81:notes"/>
-          <p:cNvSpPr>
-            <a:spLocks noGrp="1" noRot="1" noChangeAspect="1"/>
-          </p:cNvSpPr>
-          <p:nvPr>
-            <p:ph type="sldImg" idx="2"/>
-          </p:nvPr>
-        </p:nvSpPr>
-        <p:spPr>
-          <a:xfrm>
-            <a:off x="381000" y="685800"/>
-            <a:ext cx="6096000" cy="3429000"/>
-          </a:xfrm>
-          <a:custGeom>
-            <a:avLst/>
-            <a:gdLst/>
-            <a:ahLst/>
-            <a:cxnLst/>
-            <a:rect l="l" t="t" r="r" b="b"/>
-            <a:pathLst>
-              <a:path w="120000" h="120000" extrusionOk="0">
-                <a:moveTo>
-                  <a:pt x="0" y="0"/>
-                </a:moveTo>
-                <a:lnTo>
-                  <a:pt x="120000" y="0"/>
-                </a:lnTo>
-                <a:lnTo>
-                  <a:pt x="120000" y="120000"/>
-                </a:lnTo>
-                <a:lnTo>
-                  <a:pt x="0" y="120000"/>
-                </a:lnTo>
-                <a:close/>
-              </a:path>
-            </a:pathLst>
-          </a:custGeom>
-          <a:noFill/>
-          <a:ln w="9525" cap="flat" cmpd="sng">
-            <a:solidFill>
-              <a:srgbClr val="000000"/>
-            </a:solidFill>
-            <a:prstDash val="solid"/>
-            <a:round/>
-            <a:headEnd type="none" w="sm" len="sm"/>
-            <a:tailEnd type="none" w="sm" len="sm"/>
-          </a:ln>
-        </p:spPr>
-      </p:sp>
-    </p:spTree>
-    <p:extLst>
-      <p:ext uri="{BB962C8B-B14F-4D97-AF65-F5344CB8AC3E}">
-        <p14:creationId xmlns:p14="http://schemas.microsoft.com/office/powerpoint/2010/main" val="619234948"/>
-      </p:ext>
-    </p:extLst>
-  </p:cSld>
-  <p:clrMapOvr>
-    <a:masterClrMapping/>
-  </p:clrMapOvr>
-</p:notes>
-</file>
-
-<file path=ppt/notesSlides/notesSlide4.xml><?xml version="1.0" encoding="utf-8"?>
-<p:notes xmlns:a="http://schemas.openxmlformats.org/drawingml/2006/main" xmlns:r="http://schemas.openxmlformats.org/officeDocument/2006/relationships" xmlns:p="http://schemas.openxmlformats.org/presentationml/2006/main" showMasterSp="0" showMasterPhAnim="0">
-  <p:cSld>
-    <p:spTree>
-      <p:nvGrpSpPr>
-        <p:cNvPr id="1" name="Shape 160"/>
-        <p:cNvGrpSpPr/>
-        <p:nvPr/>
-      </p:nvGrpSpPr>
-      <p:grpSpPr>
-        <a:xfrm>
-          <a:off x="0" y="0"/>
-          <a:ext cx="0" cy="0"/>
-          <a:chOff x="0" y="0"/>
-          <a:chExt cx="0" cy="0"/>
-        </a:xfrm>
-      </p:grpSpPr>
-      <p:sp>
-        <p:nvSpPr>
-          <p:cNvPr id="161" name="Google Shape;161;g7c553259d1_0_81:notes"/>
-          <p:cNvSpPr txBox="1">
-            <a:spLocks noGrp="1"/>
-          </p:cNvSpPr>
-          <p:nvPr>
-            <p:ph type="body" idx="1"/>
-          </p:nvPr>
-        </p:nvSpPr>
-        <p:spPr>
-          <a:xfrm>
-            <a:off x="685800" y="4343400"/>
-            <a:ext cx="5486400" cy="4114800"/>
-          </a:xfrm>
-          <a:prstGeom prst="rect">
-            <a:avLst/>
-          </a:prstGeom>
-          <a:noFill/>
-          <a:ln>
-            <a:noFill/>
-          </a:ln>
-        </p:spPr>
-        <p:txBody>
-          <a:bodyPr spcFirstLastPara="1" wrap="square" lIns="91425" tIns="91425" rIns="91425" bIns="91425" anchor="t" anchorCtr="0">
-            <a:noAutofit/>
-          </a:bodyPr>
-          <a:lstStyle/>
-          <a:p>
-            <a:pPr marL="0" lvl="0" indent="0" algn="l" rtl="0">
-              <a:lnSpc>
-                <a:spcPct val="100000"/>
-              </a:lnSpc>
-              <a:spcBef>
-                <a:spcPts val="0"/>
-              </a:spcBef>
-              <a:spcAft>
-                <a:spcPts val="0"/>
-              </a:spcAft>
-              <a:buSzPts val="1100"/>
-              <a:buNone/>
-            </a:pPr>
-            <a:endParaRPr/>
-          </a:p>
-        </p:txBody>
-      </p:sp>
-      <p:sp>
-        <p:nvSpPr>
-          <p:cNvPr id="162" name="Google Shape;162;g7c553259d1_0_81:notes"/>
-          <p:cNvSpPr>
-            <a:spLocks noGrp="1" noRot="1" noChangeAspect="1"/>
-          </p:cNvSpPr>
-          <p:nvPr>
-            <p:ph type="sldImg" idx="2"/>
-          </p:nvPr>
-        </p:nvSpPr>
-        <p:spPr>
-          <a:xfrm>
-            <a:off x="381000" y="685800"/>
-            <a:ext cx="6096000" cy="3429000"/>
-          </a:xfrm>
-          <a:custGeom>
-            <a:avLst/>
-            <a:gdLst/>
-            <a:ahLst/>
-            <a:cxnLst/>
-            <a:rect l="l" t="t" r="r" b="b"/>
-            <a:pathLst>
-              <a:path w="120000" h="120000" extrusionOk="0">
-                <a:moveTo>
-                  <a:pt x="0" y="0"/>
-                </a:moveTo>
-                <a:lnTo>
-                  <a:pt x="120000" y="0"/>
-                </a:lnTo>
-                <a:lnTo>
-                  <a:pt x="120000" y="120000"/>
-                </a:lnTo>
-                <a:lnTo>
-                  <a:pt x="0" y="120000"/>
-                </a:lnTo>
-                <a:close/>
-              </a:path>
-            </a:pathLst>
-          </a:custGeom>
-          <a:noFill/>
-          <a:ln w="9525" cap="flat" cmpd="sng">
-            <a:solidFill>
-              <a:srgbClr val="000000"/>
-            </a:solidFill>
-            <a:prstDash val="solid"/>
-            <a:round/>
-            <a:headEnd type="none" w="sm" len="sm"/>
-            <a:tailEnd type="none" w="sm" len="sm"/>
-          </a:ln>
-        </p:spPr>
-      </p:sp>
-    </p:spTree>
-    <p:extLst>
-      <p:ext uri="{BB962C8B-B14F-4D97-AF65-F5344CB8AC3E}">
-        <p14:creationId xmlns:p14="http://schemas.microsoft.com/office/powerpoint/2010/main" val="1748890740"/>
-      </p:ext>
-    </p:extLst>
-  </p:cSld>
-  <p:clrMapOvr>
-    <a:masterClrMapping/>
-  </p:clrMapOvr>
-</p:notes>
-</file>
-
-<file path=ppt/notesSlides/notesSlide5.xml><?xml version="1.0" encoding="utf-8"?>
-<p:notes xmlns:a="http://schemas.openxmlformats.org/drawingml/2006/main" xmlns:r="http://schemas.openxmlformats.org/officeDocument/2006/relationships" xmlns:p="http://schemas.openxmlformats.org/presentationml/2006/main" showMasterSp="0" showMasterPhAnim="0">
-  <p:cSld>
-    <p:spTree>
-      <p:nvGrpSpPr>
-        <p:cNvPr id="1" name="Shape 160"/>
-        <p:cNvGrpSpPr/>
-        <p:nvPr/>
-      </p:nvGrpSpPr>
-      <p:grpSpPr>
-        <a:xfrm>
-          <a:off x="0" y="0"/>
-          <a:ext cx="0" cy="0"/>
-          <a:chOff x="0" y="0"/>
-          <a:chExt cx="0" cy="0"/>
-        </a:xfrm>
-      </p:grpSpPr>
-      <p:sp>
-        <p:nvSpPr>
-          <p:cNvPr id="161" name="Google Shape;161;g7c553259d1_0_81:notes"/>
-          <p:cNvSpPr txBox="1">
-            <a:spLocks noGrp="1"/>
-          </p:cNvSpPr>
-          <p:nvPr>
-            <p:ph type="body" idx="1"/>
-          </p:nvPr>
-        </p:nvSpPr>
-        <p:spPr>
-          <a:xfrm>
-            <a:off x="685800" y="4343400"/>
-            <a:ext cx="5486400" cy="4114800"/>
-          </a:xfrm>
-          <a:prstGeom prst="rect">
-            <a:avLst/>
-          </a:prstGeom>
-          <a:noFill/>
-          <a:ln>
-            <a:noFill/>
-          </a:ln>
-        </p:spPr>
-        <p:txBody>
-          <a:bodyPr spcFirstLastPara="1" wrap="square" lIns="91425" tIns="91425" rIns="91425" bIns="91425" anchor="t" anchorCtr="0">
-            <a:noAutofit/>
-          </a:bodyPr>
-          <a:lstStyle/>
-          <a:p>
-            <a:pPr marL="0" lvl="0" indent="0" algn="l" rtl="0">
-              <a:lnSpc>
-                <a:spcPct val="100000"/>
-              </a:lnSpc>
-              <a:spcBef>
-                <a:spcPts val="0"/>
-              </a:spcBef>
-              <a:spcAft>
-                <a:spcPts val="0"/>
-              </a:spcAft>
-              <a:buSzPts val="1100"/>
-              <a:buNone/>
-            </a:pPr>
-            <a:endParaRPr/>
-          </a:p>
-        </p:txBody>
-      </p:sp>
-      <p:sp>
-        <p:nvSpPr>
-          <p:cNvPr id="162" name="Google Shape;162;g7c553259d1_0_81:notes"/>
-          <p:cNvSpPr>
-            <a:spLocks noGrp="1" noRot="1" noChangeAspect="1"/>
-          </p:cNvSpPr>
-          <p:nvPr>
-            <p:ph type="sldImg" idx="2"/>
-          </p:nvPr>
-        </p:nvSpPr>
-        <p:spPr>
-          <a:xfrm>
-            <a:off x="381000" y="685800"/>
-            <a:ext cx="6096000" cy="3429000"/>
-          </a:xfrm>
-          <a:custGeom>
-            <a:avLst/>
-            <a:gdLst/>
-            <a:ahLst/>
-            <a:cxnLst/>
-            <a:rect l="l" t="t" r="r" b="b"/>
-            <a:pathLst>
-              <a:path w="120000" h="120000" extrusionOk="0">
-                <a:moveTo>
-                  <a:pt x="0" y="0"/>
-                </a:moveTo>
-                <a:lnTo>
-                  <a:pt x="120000" y="0"/>
-                </a:lnTo>
-                <a:lnTo>
-                  <a:pt x="120000" y="120000"/>
-                </a:lnTo>
-                <a:lnTo>
-                  <a:pt x="0" y="120000"/>
-                </a:lnTo>
-                <a:close/>
-              </a:path>
-            </a:pathLst>
-          </a:custGeom>
-          <a:noFill/>
-          <a:ln w="9525" cap="flat" cmpd="sng">
-            <a:solidFill>
-              <a:srgbClr val="000000"/>
-            </a:solidFill>
-            <a:prstDash val="solid"/>
-            <a:round/>
-            <a:headEnd type="none" w="sm" len="sm"/>
-            <a:tailEnd type="none" w="sm" len="sm"/>
-          </a:ln>
-        </p:spPr>
-      </p:sp>
-    </p:spTree>
-    <p:extLst>
-      <p:ext uri="{BB962C8B-B14F-4D97-AF65-F5344CB8AC3E}">
-        <p14:creationId xmlns:p14="http://schemas.microsoft.com/office/powerpoint/2010/main" val="406064796"/>
-      </p:ext>
-    </p:extLst>
-  </p:cSld>
-  <p:clrMapOvr>
-    <a:masterClrMapping/>
-  </p:clrMapOvr>
-</p:notes>
-</file>
-
-<file path=ppt/notesSlides/notesSlide6.xml><?xml version="1.0" encoding="utf-8"?>
-<p:notes xmlns:a="http://schemas.openxmlformats.org/drawingml/2006/main" xmlns:r="http://schemas.openxmlformats.org/officeDocument/2006/relationships" xmlns:p="http://schemas.openxmlformats.org/presentationml/2006/main" showMasterSp="0" showMasterPhAnim="0">
-  <p:cSld>
-    <p:spTree>
-      <p:nvGrpSpPr>
-        <p:cNvPr id="1" name="Shape 160"/>
-        <p:cNvGrpSpPr/>
-        <p:nvPr/>
-      </p:nvGrpSpPr>
-      <p:grpSpPr>
-        <a:xfrm>
-          <a:off x="0" y="0"/>
-          <a:ext cx="0" cy="0"/>
-          <a:chOff x="0" y="0"/>
-          <a:chExt cx="0" cy="0"/>
-        </a:xfrm>
-      </p:grpSpPr>
-      <p:sp>
-        <p:nvSpPr>
-          <p:cNvPr id="161" name="Google Shape;161;g7c553259d1_0_81:notes"/>
-          <p:cNvSpPr txBox="1">
-            <a:spLocks noGrp="1"/>
-          </p:cNvSpPr>
-          <p:nvPr>
-            <p:ph type="body" idx="1"/>
-          </p:nvPr>
-        </p:nvSpPr>
-        <p:spPr>
-          <a:xfrm>
-            <a:off x="685800" y="4343400"/>
-            <a:ext cx="5486400" cy="4114800"/>
-          </a:xfrm>
-          <a:prstGeom prst="rect">
-            <a:avLst/>
-          </a:prstGeom>
-          <a:noFill/>
-          <a:ln>
-            <a:noFill/>
-          </a:ln>
-        </p:spPr>
-        <p:txBody>
-          <a:bodyPr spcFirstLastPara="1" wrap="square" lIns="91425" tIns="91425" rIns="91425" bIns="91425" anchor="t" anchorCtr="0">
-            <a:noAutofit/>
-          </a:bodyPr>
-          <a:lstStyle/>
-          <a:p>
-            <a:pPr marL="0" lvl="0" indent="0" algn="l" rtl="0">
-              <a:lnSpc>
-                <a:spcPct val="100000"/>
-              </a:lnSpc>
-              <a:spcBef>
-                <a:spcPts val="0"/>
-              </a:spcBef>
-              <a:spcAft>
-                <a:spcPts val="0"/>
-              </a:spcAft>
-              <a:buSzPts val="1100"/>
-              <a:buNone/>
-            </a:pPr>
-            <a:endParaRPr/>
-          </a:p>
-        </p:txBody>
-      </p:sp>
-      <p:sp>
-        <p:nvSpPr>
-          <p:cNvPr id="162" name="Google Shape;162;g7c553259d1_0_81:notes"/>
-          <p:cNvSpPr>
-            <a:spLocks noGrp="1" noRot="1" noChangeAspect="1"/>
-          </p:cNvSpPr>
-          <p:nvPr>
-            <p:ph type="sldImg" idx="2"/>
-          </p:nvPr>
-        </p:nvSpPr>
-        <p:spPr>
-          <a:xfrm>
-            <a:off x="381000" y="685800"/>
-            <a:ext cx="6096000" cy="3429000"/>
-          </a:xfrm>
-          <a:custGeom>
-            <a:avLst/>
-            <a:gdLst/>
-            <a:ahLst/>
-            <a:cxnLst/>
-            <a:rect l="l" t="t" r="r" b="b"/>
-            <a:pathLst>
-              <a:path w="120000" h="120000" extrusionOk="0">
-                <a:moveTo>
-                  <a:pt x="0" y="0"/>
-                </a:moveTo>
-                <a:lnTo>
-                  <a:pt x="120000" y="0"/>
-                </a:lnTo>
-                <a:lnTo>
-                  <a:pt x="120000" y="120000"/>
-                </a:lnTo>
-                <a:lnTo>
-                  <a:pt x="0" y="120000"/>
-                </a:lnTo>
-                <a:close/>
-              </a:path>
-            </a:pathLst>
-          </a:custGeom>
-          <a:noFill/>
-          <a:ln w="9525" cap="flat" cmpd="sng">
-            <a:solidFill>
-              <a:srgbClr val="000000"/>
-            </a:solidFill>
-            <a:prstDash val="solid"/>
-            <a:round/>
-            <a:headEnd type="none" w="sm" len="sm"/>
-            <a:tailEnd type="none" w="sm" len="sm"/>
-          </a:ln>
-        </p:spPr>
-      </p:sp>
-    </p:spTree>
-    <p:extLst>
-      <p:ext uri="{BB962C8B-B14F-4D97-AF65-F5344CB8AC3E}">
-        <p14:creationId xmlns:p14="http://schemas.microsoft.com/office/powerpoint/2010/main" val="341737739"/>
-      </p:ext>
-    </p:extLst>
-  </p:cSld>
-  <p:clrMapOvr>
-    <a:masterClrMapping/>
-  </p:clrMapOvr>
-</p:notes>
-</file>
-
 <file path=ppt/slideLayouts/slideLayout1.xml><?xml version="1.0" encoding="utf-8"?>
 <p:sldLayout xmlns:a="http://schemas.openxmlformats.org/drawingml/2006/main" xmlns:r="http://schemas.openxmlformats.org/officeDocument/2006/relationships" xmlns:p="http://schemas.openxmlformats.org/presentationml/2006/main" type="title" preserve="1">
   <p:cSld name="제목 슬라이드">
@@ -1786,6 +1025,323 @@
     <p:extLst>
       <p:ext uri="{BB962C8B-B14F-4D97-AF65-F5344CB8AC3E}">
         <p14:creationId xmlns:p14="http://schemas.microsoft.com/office/powerpoint/2010/main" val="877425461"/>
+      </p:ext>
+    </p:extLst>
+  </p:cSld>
+  <p:clrMapOvr>
+    <a:masterClrMapping/>
+  </p:clrMapOvr>
+</p:sldLayout>
+</file>
+
+<file path=ppt/slideLayouts/slideLayout12.xml><?xml version="1.0" encoding="utf-8"?>
+<p:sldLayout xmlns:a="http://schemas.openxmlformats.org/drawingml/2006/main" xmlns:r="http://schemas.openxmlformats.org/officeDocument/2006/relationships" xmlns:p="http://schemas.openxmlformats.org/presentationml/2006/main" userDrawn="1">
+  <p:cSld name="사용자 지정 레이아웃">
+    <p:bg>
+      <p:bgPr>
+        <a:solidFill>
+          <a:schemeClr val="bg1"/>
+        </a:solidFill>
+        <a:effectLst/>
+      </p:bgPr>
+    </p:bg>
+    <p:spTree>
+      <p:nvGrpSpPr>
+        <p:cNvPr id="1" name=""/>
+        <p:cNvGrpSpPr/>
+        <p:nvPr/>
+      </p:nvGrpSpPr>
+      <p:grpSpPr>
+        <a:xfrm>
+          <a:off x="0" y="0"/>
+          <a:ext cx="0" cy="0"/>
+          <a:chOff x="0" y="0"/>
+          <a:chExt cx="0" cy="0"/>
+        </a:xfrm>
+      </p:grpSpPr>
+      <p:pic>
+        <p:nvPicPr>
+          <p:cNvPr id="3074" name="Picture 2"/>
+          <p:cNvPicPr>
+            <a:picLocks noChangeAspect="1" noChangeArrowheads="1"/>
+          </p:cNvPicPr>
+          <p:nvPr userDrawn="1"/>
+        </p:nvPicPr>
+        <p:blipFill>
+          <a:blip r:embed="rId2" cstate="print">
+            <a:extLst>
+              <a:ext uri="{28A0092B-C50C-407E-A947-70E740481C1C}">
+                <a14:useLocalDpi xmlns:a14="http://schemas.microsoft.com/office/drawing/2010/main" val="0"/>
+              </a:ext>
+            </a:extLst>
+          </a:blip>
+          <a:stretch>
+            <a:fillRect/>
+          </a:stretch>
+        </p:blipFill>
+        <p:spPr bwMode="auto">
+          <a:xfrm>
+            <a:off x="0" y="0"/>
+            <a:ext cx="12192000" cy="6858000"/>
+          </a:xfrm>
+          <a:prstGeom prst="rect">
+            <a:avLst/>
+          </a:prstGeom>
+          <a:noFill/>
+          <a:extLst>
+            <a:ext uri="{909E8E84-426E-40DD-AFC4-6F175D3DCCD1}">
+              <a14:hiddenFill xmlns:a14="http://schemas.microsoft.com/office/drawing/2010/main">
+                <a:solidFill>
+                  <a:srgbClr val="FFFFFF"/>
+                </a:solidFill>
+              </a14:hiddenFill>
+            </a:ext>
+          </a:extLst>
+        </p:spPr>
+      </p:pic>
+      <p:sp>
+        <p:nvSpPr>
+          <p:cNvPr id="2" name="제목 1"/>
+          <p:cNvSpPr>
+            <a:spLocks noGrp="1"/>
+          </p:cNvSpPr>
+          <p:nvPr>
+            <p:ph type="title" hasCustomPrompt="1"/>
+          </p:nvPr>
+        </p:nvSpPr>
+        <p:spPr>
+          <a:xfrm>
+            <a:off x="962423" y="116632"/>
+            <a:ext cx="9646078" cy="796908"/>
+          </a:xfrm>
+        </p:spPr>
+        <p:txBody>
+          <a:bodyPr vert="horz" lIns="91440" tIns="45720" rIns="91440" bIns="45720" rtlCol="0" anchor="ctr">
+            <a:normAutofit/>
+          </a:bodyPr>
+          <a:lstStyle>
+            <a:lvl1pPr algn="l" defTabSz="914400" rtl="0" eaLnBrk="1" latinLnBrk="1" hangingPunct="1">
+              <a:spcBef>
+                <a:spcPct val="0"/>
+              </a:spcBef>
+              <a:buNone/>
+              <a:defRPr lang="ko-KR" altLang="en-US" sz="2500" b="1" kern="1200" baseline="0" dirty="0">
+                <a:solidFill>
+                  <a:schemeClr val="bg1"/>
+                </a:solidFill>
+                <a:effectLst/>
+                <a:latin typeface="+mj-lt"/>
+                <a:ea typeface="맑은 고딕" pitchFamily="50" charset="-127"/>
+                <a:cs typeface="+mj-cs"/>
+              </a:defRPr>
+            </a:lvl1pPr>
+          </a:lstStyle>
+          <a:p>
+            <a:r>
+              <a:rPr lang="ko-KR" altLang="en-US" dirty="0"/>
+              <a:t>제목 스타일 편집마스터 </a:t>
+            </a:r>
+          </a:p>
+        </p:txBody>
+      </p:sp>
+      <p:sp>
+        <p:nvSpPr>
+          <p:cNvPr id="3" name="날짜 개체 틀 2"/>
+          <p:cNvSpPr>
+            <a:spLocks noGrp="1"/>
+          </p:cNvSpPr>
+          <p:nvPr>
+            <p:ph type="dt" sz="half" idx="10"/>
+          </p:nvPr>
+        </p:nvSpPr>
+        <p:spPr/>
+        <p:txBody>
+          <a:bodyPr/>
+          <a:lstStyle>
+            <a:lvl1pPr>
+              <a:defRPr>
+                <a:latin typeface="+mj-lt"/>
+              </a:defRPr>
+            </a:lvl1pPr>
+          </a:lstStyle>
+          <a:p>
+            <a:fld id="{ED3D6733-6F27-4404-AB51-585418F146E5}" type="datetimeFigureOut">
+              <a:rPr lang="ko-KR" altLang="en-US" smtClean="0"/>
+              <a:pPr/>
+              <a:t>2020-04-02</a:t>
+            </a:fld>
+            <a:endParaRPr lang="ko-KR" altLang="en-US"/>
+          </a:p>
+        </p:txBody>
+      </p:sp>
+      <p:sp>
+        <p:nvSpPr>
+          <p:cNvPr id="4" name="바닥글 개체 틀 3"/>
+          <p:cNvSpPr>
+            <a:spLocks noGrp="1"/>
+          </p:cNvSpPr>
+          <p:nvPr>
+            <p:ph type="ftr" sz="quarter" idx="11"/>
+          </p:nvPr>
+        </p:nvSpPr>
+        <p:spPr/>
+        <p:txBody>
+          <a:bodyPr/>
+          <a:lstStyle>
+            <a:lvl1pPr>
+              <a:defRPr>
+                <a:latin typeface="+mj-lt"/>
+              </a:defRPr>
+            </a:lvl1pPr>
+          </a:lstStyle>
+          <a:p>
+            <a:endParaRPr lang="ko-KR" altLang="en-US"/>
+          </a:p>
+        </p:txBody>
+      </p:sp>
+      <p:sp>
+        <p:nvSpPr>
+          <p:cNvPr id="5" name="슬라이드 번호 개체 틀 4"/>
+          <p:cNvSpPr>
+            <a:spLocks noGrp="1"/>
+          </p:cNvSpPr>
+          <p:nvPr>
+            <p:ph type="sldNum" sz="quarter" idx="12"/>
+          </p:nvPr>
+        </p:nvSpPr>
+        <p:spPr/>
+        <p:txBody>
+          <a:bodyPr/>
+          <a:lstStyle>
+            <a:lvl1pPr>
+              <a:defRPr>
+                <a:latin typeface="+mj-lt"/>
+              </a:defRPr>
+            </a:lvl1pPr>
+          </a:lstStyle>
+          <a:p>
+            <a:fld id="{EE6BC638-39B7-4287-91A7-2A3DDA573295}" type="slidenum">
+              <a:rPr lang="ko-KR" altLang="en-US" smtClean="0"/>
+              <a:pPr/>
+              <a:t>‹#›</a:t>
+            </a:fld>
+            <a:endParaRPr lang="ko-KR" altLang="en-US"/>
+          </a:p>
+        </p:txBody>
+      </p:sp>
+      <p:sp>
+        <p:nvSpPr>
+          <p:cNvPr id="6" name="내용 개체 틀 2"/>
+          <p:cNvSpPr>
+            <a:spLocks noGrp="1"/>
+          </p:cNvSpPr>
+          <p:nvPr>
+            <p:ph idx="1"/>
+          </p:nvPr>
+        </p:nvSpPr>
+        <p:spPr>
+          <a:xfrm>
+            <a:off x="431371" y="1176869"/>
+            <a:ext cx="11346142" cy="4861277"/>
+          </a:xfrm>
+        </p:spPr>
+        <p:txBody>
+          <a:bodyPr>
+            <a:normAutofit/>
+          </a:bodyPr>
+          <a:lstStyle>
+            <a:lvl1pPr algn="l">
+              <a:buNone/>
+              <a:defRPr sz="1600" i="1" baseline="0">
+                <a:solidFill>
+                  <a:srgbClr val="3191A7"/>
+                </a:solidFill>
+                <a:latin typeface="+mj-lt"/>
+                <a:ea typeface="맑은 고딕" pitchFamily="50" charset="-127"/>
+              </a:defRPr>
+            </a:lvl1pPr>
+            <a:lvl2pPr algn="l">
+              <a:buNone/>
+              <a:defRPr sz="1600" i="1" baseline="0">
+                <a:solidFill>
+                  <a:srgbClr val="3191A7"/>
+                </a:solidFill>
+                <a:latin typeface="+mj-lt"/>
+                <a:ea typeface="맑은 고딕" pitchFamily="50" charset="-127"/>
+              </a:defRPr>
+            </a:lvl2pPr>
+            <a:lvl3pPr algn="l">
+              <a:buNone/>
+              <a:defRPr sz="1600" i="1" baseline="0">
+                <a:solidFill>
+                  <a:srgbClr val="3191A7"/>
+                </a:solidFill>
+                <a:latin typeface="+mj-lt"/>
+                <a:ea typeface="맑은 고딕" pitchFamily="50" charset="-127"/>
+              </a:defRPr>
+            </a:lvl3pPr>
+            <a:lvl4pPr algn="l">
+              <a:buNone/>
+              <a:defRPr sz="1600" i="1" baseline="0">
+                <a:solidFill>
+                  <a:srgbClr val="3191A7"/>
+                </a:solidFill>
+                <a:latin typeface="+mj-lt"/>
+                <a:ea typeface="맑은 고딕" pitchFamily="50" charset="-127"/>
+              </a:defRPr>
+            </a:lvl4pPr>
+            <a:lvl5pPr algn="l">
+              <a:buNone/>
+              <a:defRPr sz="1600" i="1" baseline="0">
+                <a:solidFill>
+                  <a:srgbClr val="3191A7"/>
+                </a:solidFill>
+                <a:latin typeface="+mj-lt"/>
+                <a:ea typeface="맑은 고딕" pitchFamily="50" charset="-127"/>
+              </a:defRPr>
+            </a:lvl5pPr>
+          </a:lstStyle>
+          <a:p>
+            <a:pPr lvl="0"/>
+            <a:r>
+              <a:rPr lang="ko-KR" altLang="en-US" dirty="0"/>
+              <a:t>마스터 텍스트 스타일을 편집합니다</a:t>
+            </a:r>
+          </a:p>
+          <a:p>
+            <a:pPr lvl="1"/>
+            <a:r>
+              <a:rPr lang="ko-KR" altLang="en-US" dirty="0"/>
+              <a:t>둘째 수준</a:t>
+            </a:r>
+          </a:p>
+          <a:p>
+            <a:pPr lvl="2"/>
+            <a:r>
+              <a:rPr lang="ko-KR" altLang="en-US" dirty="0"/>
+              <a:t>셋째 수준</a:t>
+            </a:r>
+          </a:p>
+          <a:p>
+            <a:pPr lvl="3"/>
+            <a:r>
+              <a:rPr lang="ko-KR" altLang="en-US" dirty="0"/>
+              <a:t>넷째 수준</a:t>
+            </a:r>
+          </a:p>
+          <a:p>
+            <a:pPr lvl="4"/>
+            <a:r>
+              <a:rPr lang="ko-KR" altLang="en-US" dirty="0"/>
+              <a:t>다섯째 수준</a:t>
+            </a:r>
+          </a:p>
+        </p:txBody>
+      </p:sp>
+    </p:spTree>
+    <p:extLst>
+      <p:ext uri="{BB962C8B-B14F-4D97-AF65-F5344CB8AC3E}">
+        <p14:creationId xmlns:p14="http://schemas.microsoft.com/office/powerpoint/2010/main" val="775425364"/>
       </p:ext>
     </p:extLst>
   </p:cSld>
@@ -3827,6 +3383,7 @@
     <p:sldLayoutId id="2147483657" r:id="rId9"/>
     <p:sldLayoutId id="2147483658" r:id="rId10"/>
     <p:sldLayoutId id="2147483659" r:id="rId11"/>
+    <p:sldLayoutId id="2147483660" r:id="rId12"/>
   </p:sldLayoutIdLst>
   <p:txStyles>
     <p:titleStyle>
@@ -4218,7 +3775,7 @@
   <p:cSld>
     <p:spTree>
       <p:nvGrpSpPr>
-        <p:cNvPr id="1" name="Shape 163"/>
+        <p:cNvPr id="1" name=""/>
         <p:cNvGrpSpPr/>
         <p:nvPr/>
       </p:nvGrpSpPr>
@@ -4232,13 +3789,57 @@
       </p:grpSpPr>
       <p:sp>
         <p:nvSpPr>
-          <p:cNvPr id="164" name="Google Shape;164;g7c553259d1_0_81"/>
+          <p:cNvPr id="2" name="제목 1"/>
+          <p:cNvSpPr>
+            <a:spLocks noGrp="1"/>
+          </p:cNvSpPr>
+          <p:nvPr>
+            <p:ph type="title"/>
+          </p:nvPr>
+        </p:nvSpPr>
+        <p:spPr/>
+        <p:txBody>
+          <a:bodyPr/>
+          <a:lstStyle/>
+          <a:p>
+            <a:pPr lvl="0">
+              <a:lnSpc>
+                <a:spcPct val="100000"/>
+              </a:lnSpc>
+              <a:spcBef>
+                <a:spcPts val="0"/>
+              </a:spcBef>
+              <a:buClr>
+                <a:srgbClr val="000000"/>
+              </a:buClr>
+              <a:buSzPts val="1500"/>
+              <a:defRPr/>
+            </a:pPr>
+            <a:r>
+              <a:rPr lang="ko-KR" altLang="en-US" sz="4400" b="0"/>
+              <a:t>메인페이지</a:t>
+            </a:r>
+            <a:r>
+              <a:rPr lang="ko-KR" altLang="en-US" sz="2800" b="0"/>
+              <a:t> </a:t>
+            </a:r>
+            <a:r>
+              <a:rPr lang="en-US" altLang="ko-KR" sz="2800" b="0"/>
+              <a:t>- HEADER</a:t>
+            </a:r>
+            <a:endParaRPr lang="ko-KR" altLang="en-US" sz="2800" b="0" dirty="0"/>
+          </a:p>
+        </p:txBody>
+      </p:sp>
+      <p:sp>
+        <p:nvSpPr>
+          <p:cNvPr id="5" name="Google Shape;164;g7c553259d1_0_81"/>
           <p:cNvSpPr/>
           <p:nvPr/>
         </p:nvSpPr>
         <p:spPr>
           <a:xfrm>
-            <a:off x="4534420" y="5718862"/>
+            <a:off x="3891869" y="5974235"/>
             <a:ext cx="2789963" cy="292800"/>
           </a:xfrm>
           <a:prstGeom prst="rect">
@@ -4281,240 +3882,15 @@
           </a:p>
         </p:txBody>
       </p:sp>
-      <p:graphicFrame>
-        <p:nvGraphicFramePr>
-          <p:cNvPr id="165" name="Google Shape;165;g7c553259d1_0_81"/>
-          <p:cNvGraphicFramePr/>
-          <p:nvPr>
-            <p:extLst>
-              <p:ext uri="{D42A27DB-BD31-4B8C-83A1-F6EECF244321}">
-                <p14:modId xmlns:p14="http://schemas.microsoft.com/office/powerpoint/2010/main" val="2289026756"/>
-              </p:ext>
-            </p:extLst>
-          </p:nvPr>
-        </p:nvGraphicFramePr>
-        <p:xfrm>
-          <a:off x="1203274" y="196127"/>
-          <a:ext cx="6048672" cy="864096"/>
-        </p:xfrm>
-        <a:graphic>
-          <a:graphicData uri="http://schemas.openxmlformats.org/drawingml/2006/table">
-            <a:tbl>
-              <a:tblPr firstRow="1" bandRow="1">
-                <a:noFill/>
-              </a:tblPr>
-              <a:tblGrid>
-                <a:gridCol w="1152128">
-                  <a:extLst>
-                    <a:ext uri="{9D8B030D-6E8A-4147-A177-3AD203B41FA5}">
-                      <a16:colId xmlns:a16="http://schemas.microsoft.com/office/drawing/2014/main" xmlns="" val="20000"/>
-                    </a:ext>
-                  </a:extLst>
-                </a:gridCol>
-                <a:gridCol w="4896544">
-                  <a:extLst>
-                    <a:ext uri="{9D8B030D-6E8A-4147-A177-3AD203B41FA5}">
-                      <a16:colId xmlns:a16="http://schemas.microsoft.com/office/drawing/2014/main" xmlns="" val="20001"/>
-                    </a:ext>
-                  </a:extLst>
-                </a:gridCol>
-              </a:tblGrid>
-              <a:tr h="864096">
-                <a:tc>
-                  <a:txBody>
-                    <a:bodyPr/>
-                    <a:lstStyle/>
-                    <a:p>
-                      <a:pPr marL="0" marR="0" lvl="0" indent="0" algn="ctr" rtl="0">
-                        <a:lnSpc>
-                          <a:spcPct val="100000"/>
-                        </a:lnSpc>
-                        <a:spcBef>
-                          <a:spcPts val="0"/>
-                        </a:spcBef>
-                        <a:spcAft>
-                          <a:spcPts val="0"/>
-                        </a:spcAft>
-                        <a:buClr>
-                          <a:srgbClr val="000000"/>
-                        </a:buClr>
-                        <a:buSzPts val="1500"/>
-                        <a:buFont typeface="Arial"/>
-                        <a:buNone/>
-                      </a:pPr>
-                      <a:r>
-                        <a:rPr lang="ko-KR" altLang="en-US" sz="1500" b="0" u="none" strike="noStrike" cap="none" dirty="0" err="1" smtClean="0">
-                          <a:solidFill>
-                            <a:schemeClr val="dk1"/>
-                          </a:solidFill>
-                        </a:rPr>
-                        <a:t>화면명</a:t>
-                      </a:r>
-                      <a:endParaRPr sz="1500" b="0" u="none" strike="noStrike" cap="none" dirty="0">
-                        <a:solidFill>
-                          <a:schemeClr val="dk1"/>
-                        </a:solidFill>
-                      </a:endParaRPr>
-                    </a:p>
-                  </a:txBody>
-                  <a:tcPr marL="74304" marR="74304" marT="45725" marB="45725" anchor="ctr">
-                    <a:lnL w="12700" cap="flat" cmpd="sng">
-                      <a:solidFill>
-                        <a:schemeClr val="dk1"/>
-                      </a:solidFill>
-                      <a:prstDash val="solid"/>
-                      <a:round/>
-                      <a:headEnd type="none" w="sm" len="sm"/>
-                      <a:tailEnd type="none" w="sm" len="sm"/>
-                    </a:lnL>
-                    <a:lnR w="12700" cap="flat" cmpd="sng">
-                      <a:solidFill>
-                        <a:schemeClr val="dk1"/>
-                      </a:solidFill>
-                      <a:prstDash val="solid"/>
-                      <a:round/>
-                      <a:headEnd type="none" w="sm" len="sm"/>
-                      <a:tailEnd type="none" w="sm" len="sm"/>
-                    </a:lnR>
-                    <a:lnT w="12700" cap="flat" cmpd="sng">
-                      <a:solidFill>
-                        <a:schemeClr val="dk1"/>
-                      </a:solidFill>
-                      <a:prstDash val="solid"/>
-                      <a:round/>
-                      <a:headEnd type="none" w="sm" len="sm"/>
-                      <a:tailEnd type="none" w="sm" len="sm"/>
-                    </a:lnT>
-                    <a:lnB w="12700" cap="flat" cmpd="sng">
-                      <a:solidFill>
-                        <a:schemeClr val="dk1"/>
-                      </a:solidFill>
-                      <a:prstDash val="solid"/>
-                      <a:round/>
-                      <a:headEnd type="none" w="sm" len="sm"/>
-                      <a:tailEnd type="none" w="sm" len="sm"/>
-                    </a:lnB>
-                    <a:solidFill>
-                      <a:srgbClr val="D8D8D8"/>
-                    </a:solidFill>
-                  </a:tcPr>
-                </a:tc>
-                <a:tc>
-                  <a:txBody>
-                    <a:bodyPr/>
-                    <a:lstStyle/>
-                    <a:p>
-                      <a:pPr marL="0" marR="0" lvl="0" indent="0" algn="ctr" defTabSz="914400" rtl="0" eaLnBrk="1" fontAlgn="auto" latinLnBrk="1" hangingPunct="1">
-                        <a:lnSpc>
-                          <a:spcPct val="100000"/>
-                        </a:lnSpc>
-                        <a:spcBef>
-                          <a:spcPts val="0"/>
-                        </a:spcBef>
-                        <a:spcAft>
-                          <a:spcPts val="0"/>
-                        </a:spcAft>
-                        <a:buClr>
-                          <a:srgbClr val="000000"/>
-                        </a:buClr>
-                        <a:buSzPts val="1500"/>
-                        <a:buFont typeface="Arial"/>
-                        <a:buNone/>
-                        <a:tabLst/>
-                        <a:defRPr/>
-                      </a:pPr>
-                      <a:r>
-                        <a:rPr lang="ko-KR" altLang="en-US" sz="2800" b="0" u="none" strike="noStrike" cap="none" dirty="0" err="1" smtClean="0">
-                          <a:solidFill>
-                            <a:schemeClr val="dk1"/>
-                          </a:solidFill>
-                        </a:rPr>
-                        <a:t>메인페이지</a:t>
-                      </a:r>
-                      <a:r>
-                        <a:rPr lang="ko-KR" altLang="en-US" sz="1500" b="0" u="none" strike="noStrike" cap="none" baseline="0" dirty="0">
-                          <a:solidFill>
-                            <a:schemeClr val="dk1"/>
-                          </a:solidFill>
-                        </a:rPr>
-                        <a:t> </a:t>
-                      </a:r>
-                      <a:r>
-                        <a:rPr lang="en-US" altLang="ko-KR" sz="1500" b="0" u="none" strike="noStrike" cap="none" baseline="0" dirty="0" smtClean="0">
-                          <a:solidFill>
-                            <a:schemeClr val="dk1"/>
-                          </a:solidFill>
-                        </a:rPr>
-                        <a:t>- HEADER</a:t>
-                      </a:r>
-                      <a:endParaRPr lang="ko-KR" altLang="en-US" sz="1500" b="0" u="none" strike="noStrike" cap="none" dirty="0" smtClean="0">
-                        <a:solidFill>
-                          <a:schemeClr val="dk1"/>
-                        </a:solidFill>
-                      </a:endParaRPr>
-                    </a:p>
-                  </a:txBody>
-                  <a:tcPr marL="74304" marR="74304" marT="45725" marB="45725" anchor="ctr">
-                    <a:lnL w="12700" cap="flat" cmpd="sng">
-                      <a:solidFill>
-                        <a:schemeClr val="dk1"/>
-                      </a:solidFill>
-                      <a:prstDash val="solid"/>
-                      <a:round/>
-                      <a:headEnd type="none" w="sm" len="sm"/>
-                      <a:tailEnd type="none" w="sm" len="sm"/>
-                    </a:lnL>
-                    <a:lnR w="12700" cap="flat" cmpd="sng">
-                      <a:solidFill>
-                        <a:schemeClr val="dk1"/>
-                      </a:solidFill>
-                      <a:prstDash val="solid"/>
-                      <a:round/>
-                      <a:headEnd type="none" w="sm" len="sm"/>
-                      <a:tailEnd type="none" w="sm" len="sm"/>
-                    </a:lnR>
-                    <a:lnT w="12700" cap="flat" cmpd="sng">
-                      <a:solidFill>
-                        <a:schemeClr val="dk1"/>
-                      </a:solidFill>
-                      <a:prstDash val="solid"/>
-                      <a:round/>
-                      <a:headEnd type="none" w="sm" len="sm"/>
-                      <a:tailEnd type="none" w="sm" len="sm"/>
-                    </a:lnT>
-                    <a:lnB w="12700" cap="flat" cmpd="sng">
-                      <a:solidFill>
-                        <a:schemeClr val="dk1"/>
-                      </a:solidFill>
-                      <a:prstDash val="solid"/>
-                      <a:round/>
-                      <a:headEnd type="none" w="sm" len="sm"/>
-                      <a:tailEnd type="none" w="sm" len="sm"/>
-                    </a:lnB>
-                    <a:solidFill>
-                      <a:schemeClr val="lt1"/>
-                    </a:solidFill>
-                  </a:tcPr>
-                </a:tc>
-                <a:extLst>
-                  <a:ext uri="{0D108BD9-81ED-4DB2-BD59-A6C34878D82A}">
-                    <a16:rowId xmlns:a16="http://schemas.microsoft.com/office/drawing/2014/main" xmlns="" val="10000"/>
-                  </a:ext>
-                </a:extLst>
-              </a:tr>
-            </a:tbl>
-          </a:graphicData>
-        </a:graphic>
-      </p:graphicFrame>
       <p:sp>
         <p:nvSpPr>
-          <p:cNvPr id="168" name="Google Shape;168;g7c553259d1_0_81"/>
+          <p:cNvPr id="6" name="Google Shape;168;g7c553259d1_0_81"/>
           <p:cNvSpPr/>
           <p:nvPr/>
         </p:nvSpPr>
         <p:spPr>
           <a:xfrm>
-            <a:off x="1203274" y="1187317"/>
+            <a:off x="560723" y="1442690"/>
             <a:ext cx="6526163" cy="5349900"/>
           </a:xfrm>
           <a:prstGeom prst="rect">
@@ -4559,14 +3935,14 @@
       </p:sp>
       <p:graphicFrame>
         <p:nvGraphicFramePr>
-          <p:cNvPr id="169" name="Google Shape;169;g7c553259d1_0_81"/>
+          <p:cNvPr id="7" name="Google Shape;169;g7c553259d1_0_81"/>
           <p:cNvGraphicFramePr/>
           <p:nvPr>
             <p:extLst/>
           </p:nvPr>
         </p:nvGraphicFramePr>
         <p:xfrm>
-          <a:off x="8057120" y="1289960"/>
+          <a:off x="8650244" y="2039603"/>
           <a:ext cx="2869750" cy="4668974"/>
         </p:xfrm>
         <a:graphic>
@@ -5913,13 +5289,13 @@
       </p:graphicFrame>
       <p:sp>
         <p:nvSpPr>
-          <p:cNvPr id="4" name="직사각형 3"/>
+          <p:cNvPr id="8" name="직사각형 7"/>
           <p:cNvSpPr/>
           <p:nvPr/>
         </p:nvSpPr>
         <p:spPr>
           <a:xfrm>
-            <a:off x="1408674" y="1374973"/>
+            <a:off x="766123" y="1630346"/>
             <a:ext cx="6251490" cy="2216724"/>
           </a:xfrm>
           <a:prstGeom prst="rect">
@@ -5959,21 +5335,21 @@
       </p:sp>
       <p:pic>
         <p:nvPicPr>
-          <p:cNvPr id="3" name="그림 2"/>
+          <p:cNvPr id="9" name="그림 8"/>
           <p:cNvPicPr>
             <a:picLocks noChangeAspect="1"/>
           </p:cNvPicPr>
           <p:nvPr/>
         </p:nvPicPr>
         <p:blipFill>
-          <a:blip r:embed="rId3"/>
+          <a:blip r:embed="rId2"/>
           <a:stretch>
             <a:fillRect/>
           </a:stretch>
         </p:blipFill>
         <p:spPr>
           <a:xfrm>
-            <a:off x="1476737" y="1496864"/>
+            <a:off x="834186" y="1752237"/>
             <a:ext cx="6115365" cy="1967739"/>
           </a:xfrm>
           <a:prstGeom prst="rect">
@@ -5983,13 +5359,13 @@
       </p:pic>
       <p:sp>
         <p:nvSpPr>
-          <p:cNvPr id="173" name="Google Shape;173;g7c553259d1_0_81"/>
+          <p:cNvPr id="10" name="Google Shape;173;g7c553259d1_0_81"/>
           <p:cNvSpPr/>
           <p:nvPr/>
         </p:nvSpPr>
         <p:spPr>
           <a:xfrm>
-            <a:off x="1531646" y="1369764"/>
+            <a:off x="889095" y="1625137"/>
             <a:ext cx="245944" cy="324600"/>
           </a:xfrm>
           <a:prstGeom prst="rect">
@@ -6040,20 +5416,16 @@
       </p:sp>
       <p:graphicFrame>
         <p:nvGraphicFramePr>
-          <p:cNvPr id="2" name="표 1"/>
+          <p:cNvPr id="11" name="표 10"/>
           <p:cNvGraphicFramePr>
             <a:graphicFrameLocks noGrp="1"/>
           </p:cNvGraphicFramePr>
           <p:nvPr>
-            <p:extLst>
-              <p:ext uri="{D42A27DB-BD31-4B8C-83A1-F6EECF244321}">
-                <p14:modId xmlns:p14="http://schemas.microsoft.com/office/powerpoint/2010/main" val="245500711"/>
-              </p:ext>
-            </p:extLst>
+            <p:extLst/>
           </p:nvPr>
         </p:nvGraphicFramePr>
         <p:xfrm>
-          <a:off x="8057120" y="308125"/>
+          <a:off x="8650244" y="1305087"/>
           <a:ext cx="2788860" cy="640100"/>
         </p:xfrm>
         <a:graphic>
@@ -6236,7 +5608,7 @@
     </p:spTree>
     <p:extLst>
       <p:ext uri="{BB962C8B-B14F-4D97-AF65-F5344CB8AC3E}">
-        <p14:creationId xmlns:p14="http://schemas.microsoft.com/office/powerpoint/2010/main" val="1337893704"/>
+        <p14:creationId xmlns:p14="http://schemas.microsoft.com/office/powerpoint/2010/main" val="861317988"/>
       </p:ext>
     </p:extLst>
   </p:cSld>
@@ -6270,247 +5642,97 @@
           <a:chExt cx="0" cy="0"/>
         </a:xfrm>
       </p:grpSpPr>
+      <p:sp>
+        <p:nvSpPr>
+          <p:cNvPr id="2" name="제목 1"/>
+          <p:cNvSpPr>
+            <a:spLocks noGrp="1"/>
+          </p:cNvSpPr>
+          <p:nvPr>
+            <p:ph type="title"/>
+          </p:nvPr>
+        </p:nvSpPr>
+        <p:spPr/>
+        <p:txBody>
+          <a:bodyPr/>
+          <a:lstStyle/>
+          <a:p>
+            <a:r>
+              <a:rPr lang="ko-KR" altLang="en-US" sz="4000" b="0"/>
+              <a:t>메인페이지</a:t>
+            </a:r>
+            <a:r>
+              <a:rPr lang="ko-KR" altLang="en-US" sz="2400" b="0"/>
+              <a:t> </a:t>
+            </a:r>
+            <a:r>
+              <a:rPr lang="en-US" altLang="ko-KR" sz="2400" b="0"/>
+              <a:t>- HEADER</a:t>
+            </a:r>
+            <a:endParaRPr lang="ko-KR" altLang="en-US"/>
+          </a:p>
+        </p:txBody>
+      </p:sp>
+      <p:pic>
+        <p:nvPicPr>
+          <p:cNvPr id="4" name="그림 3"/>
+          <p:cNvPicPr>
+            <a:picLocks noChangeAspect="1"/>
+          </p:cNvPicPr>
+          <p:nvPr/>
+        </p:nvPicPr>
+        <p:blipFill>
+          <a:blip r:embed="rId2"/>
+          <a:stretch>
+            <a:fillRect/>
+          </a:stretch>
+        </p:blipFill>
+        <p:spPr>
+          <a:xfrm>
+            <a:off x="90616" y="1447060"/>
+            <a:ext cx="9086335" cy="1963406"/>
+          </a:xfrm>
+          <a:prstGeom prst="rect">
+            <a:avLst/>
+          </a:prstGeom>
+        </p:spPr>
+      </p:pic>
+      <p:pic>
+        <p:nvPicPr>
+          <p:cNvPr id="5" name="그림 4"/>
+          <p:cNvPicPr>
+            <a:picLocks noChangeAspect="1"/>
+          </p:cNvPicPr>
+          <p:nvPr/>
+        </p:nvPicPr>
+        <p:blipFill>
+          <a:blip r:embed="rId3"/>
+          <a:stretch>
+            <a:fillRect/>
+          </a:stretch>
+        </p:blipFill>
+        <p:spPr>
+          <a:xfrm>
+            <a:off x="357703" y="3815353"/>
+            <a:ext cx="7324725" cy="2845317"/>
+          </a:xfrm>
+          <a:prstGeom prst="rect">
+            <a:avLst/>
+          </a:prstGeom>
+        </p:spPr>
+      </p:pic>
       <p:graphicFrame>
         <p:nvGraphicFramePr>
-          <p:cNvPr id="4" name="Google Shape;165;g7c553259d1_0_81"/>
-          <p:cNvGraphicFramePr/>
-          <p:nvPr>
-            <p:extLst>
-              <p:ext uri="{D42A27DB-BD31-4B8C-83A1-F6EECF244321}">
-                <p14:modId xmlns:p14="http://schemas.microsoft.com/office/powerpoint/2010/main" val="1290137201"/>
-              </p:ext>
-            </p:extLst>
-          </p:nvPr>
-        </p:nvGraphicFramePr>
-        <p:xfrm>
-          <a:off x="255923" y="146700"/>
-          <a:ext cx="6048672" cy="864096"/>
-        </p:xfrm>
-        <a:graphic>
-          <a:graphicData uri="http://schemas.openxmlformats.org/drawingml/2006/table">
-            <a:tbl>
-              <a:tblPr firstRow="1" bandRow="1">
-                <a:noFill/>
-              </a:tblPr>
-              <a:tblGrid>
-                <a:gridCol w="1152128">
-                  <a:extLst>
-                    <a:ext uri="{9D8B030D-6E8A-4147-A177-3AD203B41FA5}">
-                      <a16:colId xmlns:a16="http://schemas.microsoft.com/office/drawing/2014/main" xmlns="" val="20000"/>
-                    </a:ext>
-                  </a:extLst>
-                </a:gridCol>
-                <a:gridCol w="4896544">
-                  <a:extLst>
-                    <a:ext uri="{9D8B030D-6E8A-4147-A177-3AD203B41FA5}">
-                      <a16:colId xmlns:a16="http://schemas.microsoft.com/office/drawing/2014/main" xmlns="" val="20001"/>
-                    </a:ext>
-                  </a:extLst>
-                </a:gridCol>
-              </a:tblGrid>
-              <a:tr h="864096">
-                <a:tc>
-                  <a:txBody>
-                    <a:bodyPr/>
-                    <a:lstStyle/>
-                    <a:p>
-                      <a:pPr marL="0" marR="0" lvl="0" indent="0" algn="ctr" rtl="0">
-                        <a:lnSpc>
-                          <a:spcPct val="100000"/>
-                        </a:lnSpc>
-                        <a:spcBef>
-                          <a:spcPts val="0"/>
-                        </a:spcBef>
-                        <a:spcAft>
-                          <a:spcPts val="0"/>
-                        </a:spcAft>
-                        <a:buClr>
-                          <a:srgbClr val="000000"/>
-                        </a:buClr>
-                        <a:buSzPts val="1500"/>
-                        <a:buFont typeface="Arial"/>
-                        <a:buNone/>
-                      </a:pPr>
-                      <a:r>
-                        <a:rPr lang="ko-KR" altLang="en-US" sz="1500" b="0" u="none" strike="noStrike" cap="none" dirty="0" err="1" smtClean="0">
-                          <a:solidFill>
-                            <a:schemeClr val="dk1"/>
-                          </a:solidFill>
-                        </a:rPr>
-                        <a:t>화면명</a:t>
-                      </a:r>
-                      <a:endParaRPr sz="1500" b="0" u="none" strike="noStrike" cap="none" dirty="0">
-                        <a:solidFill>
-                          <a:schemeClr val="dk1"/>
-                        </a:solidFill>
-                      </a:endParaRPr>
-                    </a:p>
-                  </a:txBody>
-                  <a:tcPr marL="74304" marR="74304" marT="45725" marB="45725" anchor="ctr">
-                    <a:lnL w="12700" cap="flat" cmpd="sng">
-                      <a:solidFill>
-                        <a:schemeClr val="dk1"/>
-                      </a:solidFill>
-                      <a:prstDash val="solid"/>
-                      <a:round/>
-                      <a:headEnd type="none" w="sm" len="sm"/>
-                      <a:tailEnd type="none" w="sm" len="sm"/>
-                    </a:lnL>
-                    <a:lnR w="12700" cap="flat" cmpd="sng">
-                      <a:solidFill>
-                        <a:schemeClr val="dk1"/>
-                      </a:solidFill>
-                      <a:prstDash val="solid"/>
-                      <a:round/>
-                      <a:headEnd type="none" w="sm" len="sm"/>
-                      <a:tailEnd type="none" w="sm" len="sm"/>
-                    </a:lnR>
-                    <a:lnT w="12700" cap="flat" cmpd="sng">
-                      <a:solidFill>
-                        <a:schemeClr val="dk1"/>
-                      </a:solidFill>
-                      <a:prstDash val="solid"/>
-                      <a:round/>
-                      <a:headEnd type="none" w="sm" len="sm"/>
-                      <a:tailEnd type="none" w="sm" len="sm"/>
-                    </a:lnT>
-                    <a:lnB w="12700" cap="flat" cmpd="sng">
-                      <a:solidFill>
-                        <a:schemeClr val="dk1"/>
-                      </a:solidFill>
-                      <a:prstDash val="solid"/>
-                      <a:round/>
-                      <a:headEnd type="none" w="sm" len="sm"/>
-                      <a:tailEnd type="none" w="sm" len="sm"/>
-                    </a:lnB>
-                    <a:solidFill>
-                      <a:srgbClr val="D8D8D8"/>
-                    </a:solidFill>
-                  </a:tcPr>
-                </a:tc>
-                <a:tc>
-                  <a:txBody>
-                    <a:bodyPr/>
-                    <a:lstStyle/>
-                    <a:p>
-                      <a:pPr marL="0" marR="0" lvl="0" indent="0" algn="ctr" defTabSz="914400" rtl="0" eaLnBrk="1" fontAlgn="auto" latinLnBrk="1" hangingPunct="1">
-                        <a:lnSpc>
-                          <a:spcPct val="100000"/>
-                        </a:lnSpc>
-                        <a:spcBef>
-                          <a:spcPts val="0"/>
-                        </a:spcBef>
-                        <a:spcAft>
-                          <a:spcPts val="0"/>
-                        </a:spcAft>
-                        <a:buClr>
-                          <a:srgbClr val="000000"/>
-                        </a:buClr>
-                        <a:buSzPts val="1500"/>
-                        <a:buFont typeface="Arial"/>
-                        <a:buNone/>
-                        <a:tabLst/>
-                        <a:defRPr/>
-                      </a:pPr>
-                      <a:r>
-                        <a:rPr lang="ko-KR" altLang="en-US" sz="2800" b="0" u="none" strike="noStrike" cap="none" dirty="0" err="1" smtClean="0">
-                          <a:solidFill>
-                            <a:schemeClr val="dk1"/>
-                          </a:solidFill>
-                        </a:rPr>
-                        <a:t>메인페이지</a:t>
-                      </a:r>
-                      <a:r>
-                        <a:rPr lang="ko-KR" altLang="en-US" sz="1500" b="0" u="none" strike="noStrike" cap="none" baseline="0" dirty="0">
-                          <a:solidFill>
-                            <a:schemeClr val="dk1"/>
-                          </a:solidFill>
-                        </a:rPr>
-                        <a:t> </a:t>
-                      </a:r>
-                      <a:r>
-                        <a:rPr lang="en-US" altLang="ko-KR" sz="1500" b="0" u="none" strike="noStrike" cap="none" baseline="0" dirty="0" smtClean="0">
-                          <a:solidFill>
-                            <a:schemeClr val="dk1"/>
-                          </a:solidFill>
-                        </a:rPr>
-                        <a:t>- HEADER</a:t>
-                      </a:r>
-                      <a:endParaRPr lang="ko-KR" altLang="en-US" sz="1500" b="0" u="none" strike="noStrike" cap="none" dirty="0" smtClean="0">
-                        <a:solidFill>
-                          <a:schemeClr val="dk1"/>
-                        </a:solidFill>
-                      </a:endParaRPr>
-                    </a:p>
-                  </a:txBody>
-                  <a:tcPr marL="74304" marR="74304" marT="45725" marB="45725" anchor="ctr">
-                    <a:lnL w="12700" cap="flat" cmpd="sng">
-                      <a:solidFill>
-                        <a:schemeClr val="dk1"/>
-                      </a:solidFill>
-                      <a:prstDash val="solid"/>
-                      <a:round/>
-                      <a:headEnd type="none" w="sm" len="sm"/>
-                      <a:tailEnd type="none" w="sm" len="sm"/>
-                    </a:lnL>
-                    <a:lnR w="12700" cap="flat" cmpd="sng">
-                      <a:solidFill>
-                        <a:schemeClr val="dk1"/>
-                      </a:solidFill>
-                      <a:prstDash val="solid"/>
-                      <a:round/>
-                      <a:headEnd type="none" w="sm" len="sm"/>
-                      <a:tailEnd type="none" w="sm" len="sm"/>
-                    </a:lnR>
-                    <a:lnT w="12700" cap="flat" cmpd="sng">
-                      <a:solidFill>
-                        <a:schemeClr val="dk1"/>
-                      </a:solidFill>
-                      <a:prstDash val="solid"/>
-                      <a:round/>
-                      <a:headEnd type="none" w="sm" len="sm"/>
-                      <a:tailEnd type="none" w="sm" len="sm"/>
-                    </a:lnT>
-                    <a:lnB w="12700" cap="flat" cmpd="sng">
-                      <a:solidFill>
-                        <a:schemeClr val="dk1"/>
-                      </a:solidFill>
-                      <a:prstDash val="solid"/>
-                      <a:round/>
-                      <a:headEnd type="none" w="sm" len="sm"/>
-                      <a:tailEnd type="none" w="sm" len="sm"/>
-                    </a:lnB>
-                    <a:solidFill>
-                      <a:schemeClr val="lt1"/>
-                    </a:solidFill>
-                  </a:tcPr>
-                </a:tc>
-                <a:extLst>
-                  <a:ext uri="{0D108BD9-81ED-4DB2-BD59-A6C34878D82A}">
-                    <a16:rowId xmlns:a16="http://schemas.microsoft.com/office/drawing/2014/main" xmlns="" val="10000"/>
-                  </a:ext>
-                </a:extLst>
-              </a:tr>
-            </a:tbl>
-          </a:graphicData>
-        </a:graphic>
-      </p:graphicFrame>
-      <p:graphicFrame>
-        <p:nvGraphicFramePr>
-          <p:cNvPr id="5" name="표 4"/>
+          <p:cNvPr id="6" name="표 5"/>
           <p:cNvGraphicFramePr>
             <a:graphicFrameLocks noGrp="1"/>
           </p:cNvGraphicFramePr>
           <p:nvPr>
-            <p:extLst>
-              <p:ext uri="{D42A27DB-BD31-4B8C-83A1-F6EECF244321}">
-                <p14:modId xmlns:p14="http://schemas.microsoft.com/office/powerpoint/2010/main" val="3294460557"/>
-              </p:ext>
-            </p:extLst>
+            <p:extLst/>
           </p:nvPr>
         </p:nvGraphicFramePr>
         <p:xfrm>
-          <a:off x="6796731" y="146700"/>
+          <a:off x="9292795" y="1447060"/>
           <a:ext cx="2788860" cy="640100"/>
         </p:xfrm>
         <a:graphic>
@@ -6690,58 +5912,10 @@
           </a:graphicData>
         </a:graphic>
       </p:graphicFrame>
-      <p:pic>
-        <p:nvPicPr>
-          <p:cNvPr id="7" name="그림 6"/>
-          <p:cNvPicPr>
-            <a:picLocks noChangeAspect="1"/>
-          </p:cNvPicPr>
-          <p:nvPr/>
-        </p:nvPicPr>
-        <p:blipFill>
-          <a:blip r:embed="rId2"/>
-          <a:stretch>
-            <a:fillRect/>
-          </a:stretch>
-        </p:blipFill>
-        <p:spPr>
-          <a:xfrm>
-            <a:off x="98854" y="1125784"/>
-            <a:ext cx="9086335" cy="1963406"/>
-          </a:xfrm>
-          <a:prstGeom prst="rect">
-            <a:avLst/>
-          </a:prstGeom>
-        </p:spPr>
-      </p:pic>
-      <p:pic>
-        <p:nvPicPr>
-          <p:cNvPr id="8" name="그림 7"/>
-          <p:cNvPicPr>
-            <a:picLocks noChangeAspect="1"/>
-          </p:cNvPicPr>
-          <p:nvPr/>
-        </p:nvPicPr>
-        <p:blipFill>
-          <a:blip r:embed="rId3"/>
-          <a:stretch>
-            <a:fillRect/>
-          </a:stretch>
-        </p:blipFill>
-        <p:spPr>
-          <a:xfrm>
-            <a:off x="349465" y="3428174"/>
-            <a:ext cx="7324725" cy="2845317"/>
-          </a:xfrm>
-          <a:prstGeom prst="rect">
-            <a:avLst/>
-          </a:prstGeom>
-        </p:spPr>
-      </p:pic>
     </p:spTree>
     <p:extLst>
       <p:ext uri="{BB962C8B-B14F-4D97-AF65-F5344CB8AC3E}">
-        <p14:creationId xmlns:p14="http://schemas.microsoft.com/office/powerpoint/2010/main" val="1150422209"/>
+        <p14:creationId xmlns:p14="http://schemas.microsoft.com/office/powerpoint/2010/main" val="3233698677"/>
       </p:ext>
     </p:extLst>
   </p:cSld>
@@ -6756,7 +5930,7 @@
   <p:cSld>
     <p:spTree>
       <p:nvGrpSpPr>
-        <p:cNvPr id="1" name="Shape 163"/>
+        <p:cNvPr id="1" name=""/>
         <p:cNvGrpSpPr/>
         <p:nvPr/>
       </p:nvGrpSpPr>
@@ -6770,13 +5944,63 @@
       </p:grpSpPr>
       <p:sp>
         <p:nvSpPr>
-          <p:cNvPr id="164" name="Google Shape;164;g7c553259d1_0_81"/>
+          <p:cNvPr id="2" name="제목 1"/>
+          <p:cNvSpPr>
+            <a:spLocks noGrp="1"/>
+          </p:cNvSpPr>
+          <p:nvPr>
+            <p:ph type="title"/>
+          </p:nvPr>
+        </p:nvSpPr>
+        <p:spPr/>
+        <p:txBody>
+          <a:bodyPr>
+            <a:normAutofit fontScale="90000"/>
+          </a:bodyPr>
+          <a:lstStyle/>
+          <a:p>
+            <a:pPr lvl="0">
+              <a:lnSpc>
+                <a:spcPct val="100000"/>
+              </a:lnSpc>
+              <a:spcBef>
+                <a:spcPts val="0"/>
+              </a:spcBef>
+              <a:buClr>
+                <a:srgbClr val="000000"/>
+              </a:buClr>
+              <a:buSzPts val="1500"/>
+              <a:defRPr/>
+            </a:pPr>
+            <a:r>
+              <a:rPr lang="ko-KR" altLang="en-US" sz="6600" b="0"/>
+              <a:t>메인페이지</a:t>
+            </a:r>
+            <a:r>
+              <a:rPr lang="ko-KR" altLang="en-US" sz="4400" b="0"/>
+              <a:t> </a:t>
+            </a:r>
+            <a:r>
+              <a:rPr lang="en-US" altLang="ko-KR" sz="4400" b="0"/>
+              <a:t>-  </a:t>
+            </a:r>
+            <a:r>
+              <a:rPr lang="ko-KR" altLang="en-US" sz="4400" b="0"/>
+              <a:t>컨텐츠</a:t>
+            </a:r>
+            <a:endParaRPr lang="ko-KR" altLang="en-US" sz="4400" b="0" dirty="0"/>
+          </a:p>
+        </p:txBody>
+      </p:sp>
+      <p:sp>
+        <p:nvSpPr>
+          <p:cNvPr id="12" name="Google Shape;164;g7c553259d1_0_81"/>
           <p:cNvSpPr/>
           <p:nvPr/>
         </p:nvSpPr>
         <p:spPr>
           <a:xfrm>
-            <a:off x="4534420" y="5718862"/>
+            <a:off x="3875393" y="5954997"/>
             <a:ext cx="2789963" cy="292800"/>
           </a:xfrm>
           <a:prstGeom prst="rect">
@@ -6821,13 +6045,13 @@
       </p:sp>
       <p:sp>
         <p:nvSpPr>
-          <p:cNvPr id="168" name="Google Shape;168;g7c553259d1_0_81"/>
+          <p:cNvPr id="13" name="Google Shape;168;g7c553259d1_0_81"/>
           <p:cNvSpPr/>
           <p:nvPr/>
         </p:nvSpPr>
         <p:spPr>
           <a:xfrm>
-            <a:off x="1271339" y="1271965"/>
+            <a:off x="612312" y="1508100"/>
             <a:ext cx="6526163" cy="5349900"/>
           </a:xfrm>
           <a:prstGeom prst="rect">
@@ -6869,15 +6093,15 @@
       </p:sp>
       <p:graphicFrame>
         <p:nvGraphicFramePr>
-          <p:cNvPr id="169" name="Google Shape;169;g7c553259d1_0_81"/>
+          <p:cNvPr id="14" name="Google Shape;169;g7c553259d1_0_81"/>
           <p:cNvGraphicFramePr/>
           <p:nvPr>
             <p:extLst/>
           </p:nvPr>
         </p:nvGraphicFramePr>
         <p:xfrm>
-          <a:off x="8057120" y="1289960"/>
-          <a:ext cx="2869750" cy="5657724"/>
+          <a:off x="8397333" y="2166695"/>
+          <a:ext cx="2869750" cy="4535797"/>
         </p:xfrm>
         <a:graphic>
           <a:graphicData uri="http://schemas.openxmlformats.org/drawingml/2006/table">
@@ -6901,7 +6125,7 @@
                   </a:extLst>
                 </a:gridCol>
               </a:tblGrid>
-              <a:tr h="356150">
+              <a:tr h="314364">
                 <a:tc>
                   <a:txBody>
                     <a:bodyPr/>
@@ -7058,7 +6282,7 @@
                   </a:ext>
                 </a:extLst>
               </a:tr>
-              <a:tr h="972399">
+              <a:tr h="858311">
                 <a:tc>
                   <a:txBody>
                     <a:bodyPr/>
@@ -7311,7 +6535,7 @@
                   </a:ext>
                 </a:extLst>
               </a:tr>
-              <a:tr h="781250">
+              <a:tr h="689589">
                 <a:tc>
                   <a:txBody>
                     <a:bodyPr/>
@@ -7532,7 +6756,7 @@
                   </a:ext>
                 </a:extLst>
               </a:tr>
-              <a:tr h="551475">
+              <a:tr h="887838">
                 <a:tc>
                   <a:txBody>
                     <a:bodyPr/>
@@ -7769,7 +6993,7 @@
                   </a:ext>
                 </a:extLst>
               </a:tr>
-              <a:tr h="644050">
+              <a:tr h="568486">
                 <a:tc>
                   <a:txBody>
                     <a:bodyPr/>
@@ -7990,7 +7214,7 @@
                   </a:ext>
                 </a:extLst>
               </a:tr>
-              <a:tr h="562225">
+              <a:tr h="887838">
                 <a:tc>
                   <a:txBody>
                     <a:bodyPr/>
@@ -8217,329 +7441,27 @@
                   </a:ext>
                 </a:extLst>
               </a:tr>
-              <a:tr h="892175">
-                <a:tc>
-                  <a:txBody>
-                    <a:bodyPr/>
-                    <a:lstStyle/>
-                    <a:p>
-                      <a:pPr marL="0" marR="0" lvl="0" indent="0" algn="ctr" rtl="0">
-                        <a:lnSpc>
-                          <a:spcPct val="100000"/>
-                        </a:lnSpc>
-                        <a:spcBef>
-                          <a:spcPts val="0"/>
-                        </a:spcBef>
-                        <a:spcAft>
-                          <a:spcPts val="0"/>
-                        </a:spcAft>
-                        <a:buNone/>
-                      </a:pPr>
-                      <a:endParaRPr sz="1500" dirty="0"/>
-                    </a:p>
-                  </a:txBody>
-                  <a:tcPr marL="74304" marR="74304" marT="45725" marB="45725" anchor="ctr">
-                    <a:lnL w="12700" cap="flat" cmpd="sng">
-                      <a:solidFill>
-                        <a:schemeClr val="dk1"/>
-                      </a:solidFill>
-                      <a:prstDash val="solid"/>
-                      <a:round/>
-                      <a:headEnd type="none" w="sm" len="sm"/>
-                      <a:tailEnd type="none" w="sm" len="sm"/>
-                    </a:lnL>
-                    <a:lnR w="12700" cap="flat" cmpd="sng">
-                      <a:solidFill>
-                        <a:schemeClr val="dk1"/>
-                      </a:solidFill>
-                      <a:prstDash val="solid"/>
-                      <a:round/>
-                      <a:headEnd type="none" w="sm" len="sm"/>
-                      <a:tailEnd type="none" w="sm" len="sm"/>
-                    </a:lnR>
-                    <a:lnT w="12700" cap="flat" cmpd="sng" algn="ctr">
-                      <a:solidFill>
-                        <a:schemeClr val="dk1"/>
-                      </a:solidFill>
-                      <a:prstDash val="solid"/>
-                      <a:round/>
-                      <a:headEnd type="none" w="sm" len="sm"/>
-                      <a:tailEnd type="none" w="sm" len="sm"/>
-                    </a:lnT>
-                    <a:lnB w="12700" cap="flat" cmpd="sng">
-                      <a:solidFill>
-                        <a:schemeClr val="dk1"/>
-                      </a:solidFill>
-                      <a:prstDash val="solid"/>
-                      <a:round/>
-                      <a:headEnd type="none" w="sm" len="sm"/>
-                      <a:tailEnd type="none" w="sm" len="sm"/>
-                    </a:lnB>
-                    <a:solidFill>
-                      <a:schemeClr val="lt1"/>
-                    </a:solidFill>
-                  </a:tcPr>
-                </a:tc>
-                <a:tc>
-                  <a:txBody>
-                    <a:bodyPr/>
-                    <a:lstStyle/>
-                    <a:p>
-                      <a:pPr marL="0" marR="0" lvl="0" indent="0" algn="l" rtl="0">
-                        <a:lnSpc>
-                          <a:spcPct val="100000"/>
-                        </a:lnSpc>
-                        <a:spcBef>
-                          <a:spcPts val="0"/>
-                        </a:spcBef>
-                        <a:spcAft>
-                          <a:spcPts val="0"/>
-                        </a:spcAft>
-                        <a:buNone/>
-                      </a:pPr>
-                      <a:endParaRPr sz="1500" dirty="0"/>
-                    </a:p>
-                  </a:txBody>
-                  <a:tcPr marL="74304" marR="74304" marT="45725" marB="45725">
-                    <a:lnL w="12700" cap="flat" cmpd="sng">
-                      <a:solidFill>
-                        <a:schemeClr val="dk1"/>
-                      </a:solidFill>
-                      <a:prstDash val="solid"/>
-                      <a:round/>
-                      <a:headEnd type="none" w="sm" len="sm"/>
-                      <a:tailEnd type="none" w="sm" len="sm"/>
-                    </a:lnL>
-                    <a:lnR w="12700" cap="flat" cmpd="sng">
-                      <a:solidFill>
-                        <a:schemeClr val="dk1"/>
-                      </a:solidFill>
-                      <a:prstDash val="solid"/>
-                      <a:round/>
-                      <a:headEnd type="none" w="sm" len="sm"/>
-                      <a:tailEnd type="none" w="sm" len="sm"/>
-                    </a:lnR>
-                    <a:lnT w="12700" cap="flat" cmpd="sng" algn="ctr">
-                      <a:solidFill>
-                        <a:schemeClr val="dk1"/>
-                      </a:solidFill>
-                      <a:prstDash val="solid"/>
-                      <a:round/>
-                      <a:headEnd type="none" w="sm" len="sm"/>
-                      <a:tailEnd type="none" w="sm" len="sm"/>
-                    </a:lnT>
-                    <a:lnB w="12700" cap="flat" cmpd="sng">
-                      <a:solidFill>
-                        <a:schemeClr val="dk1"/>
-                      </a:solidFill>
-                      <a:prstDash val="solid"/>
-                      <a:round/>
-                      <a:headEnd type="none" w="sm" len="sm"/>
-                      <a:tailEnd type="none" w="sm" len="sm"/>
-                    </a:lnB>
-                    <a:solidFill>
-                      <a:schemeClr val="lt1"/>
-                    </a:solidFill>
-                  </a:tcPr>
-                </a:tc>
-                <a:extLst>
-                  <a:ext uri="{0D108BD9-81ED-4DB2-BD59-A6C34878D82A}">
-                    <a16:rowId xmlns:a16="http://schemas.microsoft.com/office/drawing/2014/main" xmlns="" val="10006"/>
-                  </a:ext>
-                </a:extLst>
-              </a:tr>
             </a:tbl>
           </a:graphicData>
         </a:graphic>
       </p:graphicFrame>
-      <p:sp>
-        <p:nvSpPr>
-          <p:cNvPr id="204" name="Google Shape;204;g7c553259d1_0_81"/>
-          <p:cNvSpPr/>
-          <p:nvPr/>
-        </p:nvSpPr>
-        <p:spPr>
-          <a:xfrm>
-            <a:off x="6828821" y="783913"/>
-            <a:ext cx="245944" cy="324600"/>
-          </a:xfrm>
-          <a:prstGeom prst="rect">
-            <a:avLst/>
-          </a:prstGeom>
-          <a:solidFill>
-            <a:srgbClr val="FF0000"/>
-          </a:solidFill>
-          <a:ln>
-            <a:noFill/>
-          </a:ln>
-        </p:spPr>
-        <p:txBody>
-          <a:bodyPr spcFirstLastPara="1" wrap="square" lIns="91425" tIns="45700" rIns="91425" bIns="45700" anchor="ctr" anchorCtr="0">
-            <a:noAutofit/>
-          </a:bodyPr>
-          <a:lstStyle/>
-          <a:p>
-            <a:pPr algn="ctr">
-              <a:buClr>
-                <a:srgbClr val="000000"/>
-              </a:buClr>
-              <a:buSzPts val="1800"/>
-            </a:pPr>
-            <a:r>
-              <a:rPr lang="en-US" altLang="ko-KR" b="1">
-                <a:solidFill>
-                  <a:schemeClr val="dk1"/>
-                </a:solidFill>
-                <a:latin typeface="Malgun Gothic"/>
-                <a:ea typeface="Malgun Gothic"/>
-                <a:cs typeface="Malgun Gothic"/>
-                <a:sym typeface="Malgun Gothic"/>
-              </a:rPr>
-              <a:t>6</a:t>
-            </a:r>
-            <a:endParaRPr b="1">
-              <a:solidFill>
-                <a:schemeClr val="dk1"/>
-              </a:solidFill>
-              <a:latin typeface="Malgun Gothic"/>
-              <a:ea typeface="Malgun Gothic"/>
-              <a:cs typeface="Malgun Gothic"/>
-              <a:sym typeface="Malgun Gothic"/>
-            </a:endParaRPr>
-          </a:p>
-        </p:txBody>
-      </p:sp>
-      <p:sp>
-        <p:nvSpPr>
-          <p:cNvPr id="208" name="Google Shape;208;g7c553259d1_0_81"/>
-          <p:cNvSpPr/>
-          <p:nvPr/>
-        </p:nvSpPr>
-        <p:spPr>
-          <a:xfrm>
-            <a:off x="6458914" y="789578"/>
-            <a:ext cx="245944" cy="324600"/>
-          </a:xfrm>
-          <a:prstGeom prst="rect">
-            <a:avLst/>
-          </a:prstGeom>
-          <a:solidFill>
-            <a:srgbClr val="FF0000"/>
-          </a:solidFill>
-          <a:ln>
-            <a:noFill/>
-          </a:ln>
-        </p:spPr>
-        <p:txBody>
-          <a:bodyPr spcFirstLastPara="1" wrap="square" lIns="91425" tIns="45700" rIns="91425" bIns="45700" anchor="ctr" anchorCtr="0">
-            <a:noAutofit/>
-          </a:bodyPr>
-          <a:lstStyle/>
-          <a:p>
-            <a:pPr algn="ctr">
-              <a:buClr>
-                <a:srgbClr val="000000"/>
-              </a:buClr>
-              <a:buSzPts val="1800"/>
-            </a:pPr>
-            <a:r>
-              <a:rPr lang="en-US" altLang="ko-KR" b="1" dirty="0">
-                <a:solidFill>
-                  <a:schemeClr val="dk1"/>
-                </a:solidFill>
-                <a:latin typeface="Malgun Gothic"/>
-                <a:ea typeface="Malgun Gothic"/>
-                <a:cs typeface="Malgun Gothic"/>
-                <a:sym typeface="Malgun Gothic"/>
-              </a:rPr>
-              <a:t>5</a:t>
-            </a:r>
-            <a:endParaRPr b="1" dirty="0">
-              <a:solidFill>
-                <a:schemeClr val="dk1"/>
-              </a:solidFill>
-              <a:latin typeface="Malgun Gothic"/>
-              <a:ea typeface="Malgun Gothic"/>
-              <a:cs typeface="Malgun Gothic"/>
-              <a:sym typeface="Malgun Gothic"/>
-            </a:endParaRPr>
-          </a:p>
-        </p:txBody>
-      </p:sp>
-      <p:sp>
-        <p:nvSpPr>
-          <p:cNvPr id="173" name="Google Shape;173;g7c553259d1_0_81"/>
-          <p:cNvSpPr/>
-          <p:nvPr/>
-        </p:nvSpPr>
-        <p:spPr>
-          <a:xfrm>
-            <a:off x="5021748" y="783913"/>
-            <a:ext cx="245944" cy="324600"/>
-          </a:xfrm>
-          <a:prstGeom prst="rect">
-            <a:avLst/>
-          </a:prstGeom>
-          <a:solidFill>
-            <a:srgbClr val="FF0000"/>
-          </a:solidFill>
-          <a:ln>
-            <a:noFill/>
-          </a:ln>
-        </p:spPr>
-        <p:txBody>
-          <a:bodyPr spcFirstLastPara="1" wrap="square" lIns="91425" tIns="45700" rIns="91425" bIns="45700" anchor="ctr" anchorCtr="0">
-            <a:noAutofit/>
-          </a:bodyPr>
-          <a:lstStyle/>
-          <a:p>
-            <a:pPr algn="ctr">
-              <a:buClr>
-                <a:srgbClr val="000000"/>
-              </a:buClr>
-              <a:buSzPts val="1800"/>
-            </a:pPr>
-            <a:r>
-              <a:rPr lang="en-US" altLang="ko-KR" b="1" dirty="0">
-                <a:solidFill>
-                  <a:schemeClr val="dk1"/>
-                </a:solidFill>
-                <a:latin typeface="Malgun Gothic"/>
-                <a:ea typeface="Malgun Gothic"/>
-                <a:cs typeface="Malgun Gothic"/>
-                <a:sym typeface="Malgun Gothic"/>
-              </a:rPr>
-              <a:t>1</a:t>
-            </a:r>
-            <a:endParaRPr b="1" dirty="0">
-              <a:solidFill>
-                <a:schemeClr val="dk1"/>
-              </a:solidFill>
-              <a:latin typeface="Malgun Gothic"/>
-              <a:ea typeface="Malgun Gothic"/>
-              <a:cs typeface="Malgun Gothic"/>
-              <a:sym typeface="Malgun Gothic"/>
-            </a:endParaRPr>
-          </a:p>
-        </p:txBody>
-      </p:sp>
       <p:pic>
         <p:nvPicPr>
-          <p:cNvPr id="3" name="그림 2"/>
+          <p:cNvPr id="18" name="그림 17"/>
           <p:cNvPicPr>
             <a:picLocks noChangeAspect="1"/>
           </p:cNvPicPr>
           <p:nvPr/>
         </p:nvPicPr>
         <p:blipFill>
-          <a:blip r:embed="rId3"/>
+          <a:blip r:embed="rId2"/>
           <a:stretch>
             <a:fillRect/>
           </a:stretch>
         </p:blipFill>
         <p:spPr>
           <a:xfrm>
-            <a:off x="1331121" y="3464302"/>
+            <a:off x="672094" y="3700437"/>
             <a:ext cx="6466381" cy="1512598"/>
           </a:xfrm>
           <a:prstGeom prst="rect">
@@ -8549,13 +7471,13 @@
       </p:pic>
       <p:sp>
         <p:nvSpPr>
-          <p:cNvPr id="174" name="Google Shape;174;g7c553259d1_0_81"/>
+          <p:cNvPr id="19" name="Google Shape;174;g7c553259d1_0_81"/>
           <p:cNvSpPr/>
           <p:nvPr/>
         </p:nvSpPr>
         <p:spPr>
           <a:xfrm>
-            <a:off x="1476408" y="3794222"/>
+            <a:off x="817381" y="4030357"/>
             <a:ext cx="245944" cy="324600"/>
           </a:xfrm>
           <a:prstGeom prst="rect">
@@ -8606,21 +7528,21 @@
       </p:sp>
       <p:pic>
         <p:nvPicPr>
-          <p:cNvPr id="6" name="그림 5"/>
+          <p:cNvPr id="20" name="그림 19"/>
           <p:cNvPicPr>
             <a:picLocks noChangeAspect="1"/>
           </p:cNvPicPr>
           <p:nvPr/>
         </p:nvPicPr>
         <p:blipFill>
-          <a:blip r:embed="rId4"/>
+          <a:blip r:embed="rId3"/>
           <a:stretch>
             <a:fillRect/>
           </a:stretch>
         </p:blipFill>
         <p:spPr>
           <a:xfrm>
-            <a:off x="1367568" y="5121873"/>
+            <a:off x="708541" y="5358008"/>
             <a:ext cx="6466381" cy="1293624"/>
           </a:xfrm>
           <a:prstGeom prst="rect">
@@ -8630,13 +7552,13 @@
       </p:pic>
       <p:sp>
         <p:nvSpPr>
-          <p:cNvPr id="196" name="Google Shape;196;g7c553259d1_0_81"/>
+          <p:cNvPr id="21" name="Google Shape;196;g7c553259d1_0_81"/>
           <p:cNvSpPr/>
           <p:nvPr/>
         </p:nvSpPr>
         <p:spPr>
           <a:xfrm>
-            <a:off x="1527622" y="5312482"/>
+            <a:off x="868595" y="5548617"/>
             <a:ext cx="245944" cy="324600"/>
           </a:xfrm>
           <a:prstGeom prst="rect">
@@ -8687,13 +7609,13 @@
       </p:sp>
       <p:sp>
         <p:nvSpPr>
-          <p:cNvPr id="4" name="직사각형 3"/>
+          <p:cNvPr id="22" name="직사각형 21"/>
           <p:cNvSpPr/>
           <p:nvPr/>
         </p:nvSpPr>
         <p:spPr>
           <a:xfrm>
-            <a:off x="1527622" y="1700808"/>
+            <a:off x="868595" y="1936943"/>
             <a:ext cx="6008538" cy="1584176"/>
           </a:xfrm>
           <a:prstGeom prst="rect">
@@ -8745,13 +7667,13 @@
       </p:sp>
       <p:sp>
         <p:nvSpPr>
-          <p:cNvPr id="207" name="Google Shape;207;g7c553259d1_0_81"/>
+          <p:cNvPr id="23" name="Google Shape;207;g7c553259d1_0_81"/>
           <p:cNvSpPr/>
           <p:nvPr/>
         </p:nvSpPr>
         <p:spPr>
           <a:xfrm>
-            <a:off x="1661645" y="1801193"/>
+            <a:off x="1002618" y="2037328"/>
             <a:ext cx="245944" cy="324600"/>
           </a:xfrm>
           <a:prstGeom prst="rect">
@@ -8802,236 +7724,7 @@
       </p:sp>
       <p:graphicFrame>
         <p:nvGraphicFramePr>
-          <p:cNvPr id="18" name="Google Shape;165;g7c553259d1_0_81"/>
-          <p:cNvGraphicFramePr/>
-          <p:nvPr>
-            <p:extLst/>
-          </p:nvPr>
-        </p:nvGraphicFramePr>
-        <p:xfrm>
-          <a:off x="1507555" y="333028"/>
-          <a:ext cx="6048672" cy="864096"/>
-        </p:xfrm>
-        <a:graphic>
-          <a:graphicData uri="http://schemas.openxmlformats.org/drawingml/2006/table">
-            <a:tbl>
-              <a:tblPr firstRow="1" bandRow="1">
-                <a:noFill/>
-              </a:tblPr>
-              <a:tblGrid>
-                <a:gridCol w="1152128">
-                  <a:extLst>
-                    <a:ext uri="{9D8B030D-6E8A-4147-A177-3AD203B41FA5}">
-                      <a16:colId xmlns:a16="http://schemas.microsoft.com/office/drawing/2014/main" xmlns="" val="20000"/>
-                    </a:ext>
-                  </a:extLst>
-                </a:gridCol>
-                <a:gridCol w="4896544">
-                  <a:extLst>
-                    <a:ext uri="{9D8B030D-6E8A-4147-A177-3AD203B41FA5}">
-                      <a16:colId xmlns:a16="http://schemas.microsoft.com/office/drawing/2014/main" xmlns="" val="20001"/>
-                    </a:ext>
-                  </a:extLst>
-                </a:gridCol>
-              </a:tblGrid>
-              <a:tr h="864096">
-                <a:tc>
-                  <a:txBody>
-                    <a:bodyPr/>
-                    <a:lstStyle/>
-                    <a:p>
-                      <a:pPr marL="0" marR="0" lvl="0" indent="0" algn="ctr" rtl="0">
-                        <a:lnSpc>
-                          <a:spcPct val="100000"/>
-                        </a:lnSpc>
-                        <a:spcBef>
-                          <a:spcPts val="0"/>
-                        </a:spcBef>
-                        <a:spcAft>
-                          <a:spcPts val="0"/>
-                        </a:spcAft>
-                        <a:buClr>
-                          <a:srgbClr val="000000"/>
-                        </a:buClr>
-                        <a:buSzPts val="1500"/>
-                        <a:buFont typeface="Arial"/>
-                        <a:buNone/>
-                      </a:pPr>
-                      <a:r>
-                        <a:rPr lang="ko-KR" altLang="en-US" sz="1500" b="0" u="none" strike="noStrike" cap="none" dirty="0" err="1" smtClean="0">
-                          <a:solidFill>
-                            <a:schemeClr val="dk1"/>
-                          </a:solidFill>
-                        </a:rPr>
-                        <a:t>화면명</a:t>
-                      </a:r>
-                      <a:endParaRPr sz="1500" b="0" u="none" strike="noStrike" cap="none" dirty="0">
-                        <a:solidFill>
-                          <a:schemeClr val="dk1"/>
-                        </a:solidFill>
-                      </a:endParaRPr>
-                    </a:p>
-                  </a:txBody>
-                  <a:tcPr marL="74304" marR="74304" marT="45725" marB="45725" anchor="ctr">
-                    <a:lnL w="12700" cap="flat" cmpd="sng">
-                      <a:solidFill>
-                        <a:schemeClr val="dk1"/>
-                      </a:solidFill>
-                      <a:prstDash val="solid"/>
-                      <a:round/>
-                      <a:headEnd type="none" w="sm" len="sm"/>
-                      <a:tailEnd type="none" w="sm" len="sm"/>
-                    </a:lnL>
-                    <a:lnR w="12700" cap="flat" cmpd="sng">
-                      <a:solidFill>
-                        <a:schemeClr val="dk1"/>
-                      </a:solidFill>
-                      <a:prstDash val="solid"/>
-                      <a:round/>
-                      <a:headEnd type="none" w="sm" len="sm"/>
-                      <a:tailEnd type="none" w="sm" len="sm"/>
-                    </a:lnR>
-                    <a:lnT w="12700" cap="flat" cmpd="sng">
-                      <a:solidFill>
-                        <a:schemeClr val="dk1"/>
-                      </a:solidFill>
-                      <a:prstDash val="solid"/>
-                      <a:round/>
-                      <a:headEnd type="none" w="sm" len="sm"/>
-                      <a:tailEnd type="none" w="sm" len="sm"/>
-                    </a:lnT>
-                    <a:lnB w="12700" cap="flat" cmpd="sng">
-                      <a:solidFill>
-                        <a:schemeClr val="dk1"/>
-                      </a:solidFill>
-                      <a:prstDash val="solid"/>
-                      <a:round/>
-                      <a:headEnd type="none" w="sm" len="sm"/>
-                      <a:tailEnd type="none" w="sm" len="sm"/>
-                    </a:lnB>
-                    <a:solidFill>
-                      <a:srgbClr val="D8D8D8"/>
-                    </a:solidFill>
-                  </a:tcPr>
-                </a:tc>
-                <a:tc>
-                  <a:txBody>
-                    <a:bodyPr/>
-                    <a:lstStyle/>
-                    <a:p>
-                      <a:pPr marL="0" marR="0" lvl="0" indent="0" algn="ctr" defTabSz="914400" rtl="0" eaLnBrk="1" fontAlgn="auto" latinLnBrk="1" hangingPunct="1">
-                        <a:lnSpc>
-                          <a:spcPct val="100000"/>
-                        </a:lnSpc>
-                        <a:spcBef>
-                          <a:spcPts val="0"/>
-                        </a:spcBef>
-                        <a:spcAft>
-                          <a:spcPts val="0"/>
-                        </a:spcAft>
-                        <a:buClr>
-                          <a:srgbClr val="000000"/>
-                        </a:buClr>
-                        <a:buSzPts val="1500"/>
-                        <a:buFont typeface="Arial"/>
-                        <a:buNone/>
-                        <a:tabLst/>
-                        <a:defRPr/>
-                      </a:pPr>
-                      <a:r>
-                        <a:rPr lang="ko-KR" altLang="en-US" sz="2800" b="0" u="none" strike="noStrike" cap="none" dirty="0" err="1" smtClean="0">
-                          <a:solidFill>
-                            <a:schemeClr val="dk1"/>
-                          </a:solidFill>
-                        </a:rPr>
-                        <a:t>메인페이지</a:t>
-                      </a:r>
-                      <a:r>
-                        <a:rPr lang="ko-KR" altLang="en-US" sz="1500" b="0" u="none" strike="noStrike" cap="none" baseline="0" dirty="0">
-                          <a:solidFill>
-                            <a:schemeClr val="dk1"/>
-                          </a:solidFill>
-                        </a:rPr>
-                        <a:t> </a:t>
-                      </a:r>
-                      <a:r>
-                        <a:rPr lang="en-US" altLang="ko-KR" sz="1500" b="0" u="none" strike="noStrike" cap="none" baseline="0" smtClean="0">
-                          <a:solidFill>
-                            <a:schemeClr val="dk1"/>
-                          </a:solidFill>
-                        </a:rPr>
-                        <a:t>-  </a:t>
-                      </a:r>
-                      <a:r>
-                        <a:rPr lang="ko-KR" altLang="en-US" sz="1500" b="0" u="none" strike="noStrike" cap="none" baseline="0" smtClean="0">
-                          <a:solidFill>
-                            <a:schemeClr val="dk1"/>
-                          </a:solidFill>
-                        </a:rPr>
-                        <a:t>컨텐츠</a:t>
-                      </a:r>
-                      <a:endParaRPr lang="ko-KR" altLang="en-US" sz="1500" b="0" u="none" strike="noStrike" cap="none" dirty="0" smtClean="0">
-                        <a:solidFill>
-                          <a:schemeClr val="dk1"/>
-                        </a:solidFill>
-                      </a:endParaRPr>
-                    </a:p>
-                  </a:txBody>
-                  <a:tcPr marL="74304" marR="74304" marT="45725" marB="45725" anchor="ctr">
-                    <a:lnL w="12700" cap="flat" cmpd="sng">
-                      <a:solidFill>
-                        <a:schemeClr val="dk1"/>
-                      </a:solidFill>
-                      <a:prstDash val="solid"/>
-                      <a:round/>
-                      <a:headEnd type="none" w="sm" len="sm"/>
-                      <a:tailEnd type="none" w="sm" len="sm"/>
-                    </a:lnL>
-                    <a:lnR w="12700" cap="flat" cmpd="sng">
-                      <a:solidFill>
-                        <a:schemeClr val="dk1"/>
-                      </a:solidFill>
-                      <a:prstDash val="solid"/>
-                      <a:round/>
-                      <a:headEnd type="none" w="sm" len="sm"/>
-                      <a:tailEnd type="none" w="sm" len="sm"/>
-                    </a:lnR>
-                    <a:lnT w="12700" cap="flat" cmpd="sng">
-                      <a:solidFill>
-                        <a:schemeClr val="dk1"/>
-                      </a:solidFill>
-                      <a:prstDash val="solid"/>
-                      <a:round/>
-                      <a:headEnd type="none" w="sm" len="sm"/>
-                      <a:tailEnd type="none" w="sm" len="sm"/>
-                    </a:lnT>
-                    <a:lnB w="12700" cap="flat" cmpd="sng">
-                      <a:solidFill>
-                        <a:schemeClr val="dk1"/>
-                      </a:solidFill>
-                      <a:prstDash val="solid"/>
-                      <a:round/>
-                      <a:headEnd type="none" w="sm" len="sm"/>
-                      <a:tailEnd type="none" w="sm" len="sm"/>
-                    </a:lnB>
-                    <a:solidFill>
-                      <a:schemeClr val="lt1"/>
-                    </a:solidFill>
-                  </a:tcPr>
-                </a:tc>
-                <a:extLst>
-                  <a:ext uri="{0D108BD9-81ED-4DB2-BD59-A6C34878D82A}">
-                    <a16:rowId xmlns:a16="http://schemas.microsoft.com/office/drawing/2014/main" xmlns="" val="10000"/>
-                  </a:ext>
-                </a:extLst>
-              </a:tr>
-            </a:tbl>
-          </a:graphicData>
-        </a:graphic>
-      </p:graphicFrame>
-      <p:graphicFrame>
-        <p:nvGraphicFramePr>
-          <p:cNvPr id="19" name="표 18"/>
+          <p:cNvPr id="24" name="표 23"/>
           <p:cNvGraphicFramePr>
             <a:graphicFrameLocks noGrp="1"/>
           </p:cNvGraphicFramePr>
@@ -9040,7 +7733,7 @@
           </p:nvPr>
         </p:nvGraphicFramePr>
         <p:xfrm>
-          <a:off x="8145248" y="445026"/>
+          <a:off x="8397333" y="1397228"/>
           <a:ext cx="1944216" cy="640100"/>
         </p:xfrm>
         <a:graphic>
@@ -9223,7 +7916,7 @@
     </p:spTree>
     <p:extLst>
       <p:ext uri="{BB962C8B-B14F-4D97-AF65-F5344CB8AC3E}">
-        <p14:creationId xmlns:p14="http://schemas.microsoft.com/office/powerpoint/2010/main" val="1110015166"/>
+        <p14:creationId xmlns:p14="http://schemas.microsoft.com/office/powerpoint/2010/main" val="829290306"/>
       </p:ext>
     </p:extLst>
   </p:cSld>
@@ -9245,7 +7938,7 @@
   <p:cSld>
     <p:spTree>
       <p:nvGrpSpPr>
-        <p:cNvPr id="1" name="Shape 163"/>
+        <p:cNvPr id="1" name=""/>
         <p:cNvGrpSpPr/>
         <p:nvPr/>
       </p:nvGrpSpPr>
@@ -9259,64 +7952,63 @@
       </p:grpSpPr>
       <p:sp>
         <p:nvSpPr>
-          <p:cNvPr id="164" name="Google Shape;164;g7c553259d1_0_81"/>
+          <p:cNvPr id="2" name="제목 1"/>
+          <p:cNvSpPr>
+            <a:spLocks noGrp="1"/>
+          </p:cNvSpPr>
+          <p:nvPr>
+            <p:ph type="title"/>
+          </p:nvPr>
+        </p:nvSpPr>
+        <p:spPr/>
+        <p:txBody>
+          <a:bodyPr>
+            <a:normAutofit fontScale="90000"/>
+          </a:bodyPr>
+          <a:lstStyle/>
+          <a:p>
+            <a:pPr lvl="0">
+              <a:lnSpc>
+                <a:spcPct val="100000"/>
+              </a:lnSpc>
+              <a:spcBef>
+                <a:spcPts val="0"/>
+              </a:spcBef>
+              <a:buClr>
+                <a:srgbClr val="000000"/>
+              </a:buClr>
+              <a:buSzPts val="1500"/>
+              <a:defRPr/>
+            </a:pPr>
+            <a:r>
+              <a:rPr lang="ko-KR" altLang="en-US" sz="6600" b="0"/>
+              <a:t>메인페이지</a:t>
+            </a:r>
+            <a:r>
+              <a:rPr lang="ko-KR" altLang="en-US" sz="4400" b="0"/>
+              <a:t> </a:t>
+            </a:r>
+            <a:r>
+              <a:rPr lang="en-US" altLang="ko-KR" sz="4400" b="0"/>
+              <a:t>-  </a:t>
+            </a:r>
+            <a:r>
+              <a:rPr lang="en-US" altLang="ko-KR" sz="4400" b="0" smtClean="0"/>
+              <a:t>Footer</a:t>
+            </a:r>
+            <a:endParaRPr lang="ko-KR" altLang="en-US" sz="4400" b="0" dirty="0"/>
+          </a:p>
+        </p:txBody>
+      </p:sp>
+      <p:sp>
+        <p:nvSpPr>
+          <p:cNvPr id="15" name="Google Shape;168;g7c553259d1_0_81"/>
           <p:cNvSpPr/>
           <p:nvPr/>
         </p:nvSpPr>
         <p:spPr>
           <a:xfrm>
-            <a:off x="4534420" y="5718862"/>
-            <a:ext cx="2789963" cy="292800"/>
-          </a:xfrm>
-          <a:prstGeom prst="rect">
-            <a:avLst/>
-          </a:prstGeom>
-          <a:solidFill>
-            <a:schemeClr val="lt1"/>
-          </a:solidFill>
-          <a:ln w="12700" cap="flat" cmpd="sng">
-            <a:solidFill>
-              <a:schemeClr val="dk1"/>
-            </a:solidFill>
-            <a:prstDash val="solid"/>
-            <a:miter lim="800000"/>
-            <a:headEnd type="none" w="sm" len="sm"/>
-            <a:tailEnd type="none" w="sm" len="sm"/>
-          </a:ln>
-        </p:spPr>
-        <p:txBody>
-          <a:bodyPr spcFirstLastPara="1" wrap="square" lIns="91425" tIns="45700" rIns="91425" bIns="45700" anchor="ctr" anchorCtr="0">
-            <a:noAutofit/>
-          </a:bodyPr>
-          <a:lstStyle/>
-          <a:p>
-            <a:pPr algn="ctr">
-              <a:buClr>
-                <a:srgbClr val="000000"/>
-              </a:buClr>
-              <a:buSzPts val="1800"/>
-            </a:pPr>
-            <a:endParaRPr>
-              <a:solidFill>
-                <a:schemeClr val="dk1"/>
-              </a:solidFill>
-              <a:latin typeface="Malgun Gothic"/>
-              <a:ea typeface="Malgun Gothic"/>
-              <a:cs typeface="Malgun Gothic"/>
-              <a:sym typeface="Malgun Gothic"/>
-            </a:endParaRPr>
-          </a:p>
-        </p:txBody>
-      </p:sp>
-      <p:sp>
-        <p:nvSpPr>
-          <p:cNvPr id="168" name="Google Shape;168;g7c553259d1_0_81"/>
-          <p:cNvSpPr/>
-          <p:nvPr/>
-        </p:nvSpPr>
-        <p:spPr>
-          <a:xfrm>
-            <a:off x="1271339" y="1271965"/>
+            <a:off x="884161" y="1436721"/>
             <a:ext cx="6526163" cy="5349900"/>
           </a:xfrm>
           <a:prstGeom prst="rect">
@@ -9361,15 +8053,15 @@
       </p:sp>
       <p:graphicFrame>
         <p:nvGraphicFramePr>
-          <p:cNvPr id="169" name="Google Shape;169;g7c553259d1_0_81"/>
+          <p:cNvPr id="16" name="Google Shape;169;g7c553259d1_0_81"/>
           <p:cNvGraphicFramePr/>
           <p:nvPr>
             <p:extLst/>
           </p:nvPr>
         </p:nvGraphicFramePr>
         <p:xfrm>
-          <a:off x="8057120" y="1289963"/>
-          <a:ext cx="2869750" cy="5504325"/>
+          <a:off x="8452537" y="2161333"/>
+          <a:ext cx="2869750" cy="4612150"/>
         </p:xfrm>
         <a:graphic>
           <a:graphicData uri="http://schemas.openxmlformats.org/drawingml/2006/table">
@@ -10582,150 +9274,19 @@
                   </a:ext>
                 </a:extLst>
               </a:tr>
-              <a:tr h="892175">
-                <a:tc>
-                  <a:txBody>
-                    <a:bodyPr/>
-                    <a:lstStyle/>
-                    <a:p>
-                      <a:pPr marL="0" marR="0" lvl="0" indent="0" algn="ctr" rtl="0">
-                        <a:lnSpc>
-                          <a:spcPct val="100000"/>
-                        </a:lnSpc>
-                        <a:spcBef>
-                          <a:spcPts val="0"/>
-                        </a:spcBef>
-                        <a:spcAft>
-                          <a:spcPts val="0"/>
-                        </a:spcAft>
-                        <a:buNone/>
-                      </a:pPr>
-                      <a:endParaRPr sz="1500" dirty="0"/>
-                    </a:p>
-                  </a:txBody>
-                  <a:tcPr marL="74304" marR="74304" marT="45725" marB="45725" anchor="ctr">
-                    <a:lnL w="12700" cap="flat" cmpd="sng">
-                      <a:solidFill>
-                        <a:schemeClr val="dk1"/>
-                      </a:solidFill>
-                      <a:prstDash val="solid"/>
-                      <a:round/>
-                      <a:headEnd type="none" w="sm" len="sm"/>
-                      <a:tailEnd type="none" w="sm" len="sm"/>
-                    </a:lnL>
-                    <a:lnR w="12700" cap="flat" cmpd="sng">
-                      <a:solidFill>
-                        <a:schemeClr val="dk1"/>
-                      </a:solidFill>
-                      <a:prstDash val="solid"/>
-                      <a:round/>
-                      <a:headEnd type="none" w="sm" len="sm"/>
-                      <a:tailEnd type="none" w="sm" len="sm"/>
-                    </a:lnR>
-                    <a:lnT w="12700" cap="flat" cmpd="sng" algn="ctr">
-                      <a:solidFill>
-                        <a:schemeClr val="dk1"/>
-                      </a:solidFill>
-                      <a:prstDash val="solid"/>
-                      <a:round/>
-                      <a:headEnd type="none" w="sm" len="sm"/>
-                      <a:tailEnd type="none" w="sm" len="sm"/>
-                    </a:lnT>
-                    <a:lnB w="12700" cap="flat" cmpd="sng">
-                      <a:solidFill>
-                        <a:schemeClr val="dk1"/>
-                      </a:solidFill>
-                      <a:prstDash val="solid"/>
-                      <a:round/>
-                      <a:headEnd type="none" w="sm" len="sm"/>
-                      <a:tailEnd type="none" w="sm" len="sm"/>
-                    </a:lnB>
-                    <a:solidFill>
-                      <a:schemeClr val="lt1"/>
-                    </a:solidFill>
-                  </a:tcPr>
-                </a:tc>
-                <a:tc>
-                  <a:txBody>
-                    <a:bodyPr/>
-                    <a:lstStyle/>
-                    <a:p>
-                      <a:pPr marL="0" marR="0" lvl="0" indent="0" algn="l" rtl="0">
-                        <a:lnSpc>
-                          <a:spcPct val="100000"/>
-                        </a:lnSpc>
-                        <a:spcBef>
-                          <a:spcPts val="0"/>
-                        </a:spcBef>
-                        <a:spcAft>
-                          <a:spcPts val="0"/>
-                        </a:spcAft>
-                        <a:buNone/>
-                      </a:pPr>
-                      <a:endParaRPr sz="1500" dirty="0"/>
-                    </a:p>
-                  </a:txBody>
-                  <a:tcPr marL="74304" marR="74304" marT="45725" marB="45725">
-                    <a:lnL w="12700" cap="flat" cmpd="sng">
-                      <a:solidFill>
-                        <a:schemeClr val="dk1"/>
-                      </a:solidFill>
-                      <a:prstDash val="solid"/>
-                      <a:round/>
-                      <a:headEnd type="none" w="sm" len="sm"/>
-                      <a:tailEnd type="none" w="sm" len="sm"/>
-                    </a:lnL>
-                    <a:lnR w="12700" cap="flat" cmpd="sng">
-                      <a:solidFill>
-                        <a:schemeClr val="dk1"/>
-                      </a:solidFill>
-                      <a:prstDash val="solid"/>
-                      <a:round/>
-                      <a:headEnd type="none" w="sm" len="sm"/>
-                      <a:tailEnd type="none" w="sm" len="sm"/>
-                    </a:lnR>
-                    <a:lnT w="12700" cap="flat" cmpd="sng" algn="ctr">
-                      <a:solidFill>
-                        <a:schemeClr val="dk1"/>
-                      </a:solidFill>
-                      <a:prstDash val="solid"/>
-                      <a:round/>
-                      <a:headEnd type="none" w="sm" len="sm"/>
-                      <a:tailEnd type="none" w="sm" len="sm"/>
-                    </a:lnT>
-                    <a:lnB w="12700" cap="flat" cmpd="sng">
-                      <a:solidFill>
-                        <a:schemeClr val="dk1"/>
-                      </a:solidFill>
-                      <a:prstDash val="solid"/>
-                      <a:round/>
-                      <a:headEnd type="none" w="sm" len="sm"/>
-                      <a:tailEnd type="none" w="sm" len="sm"/>
-                    </a:lnB>
-                    <a:solidFill>
-                      <a:schemeClr val="lt1"/>
-                    </a:solidFill>
-                  </a:tcPr>
-                </a:tc>
-                <a:extLst>
-                  <a:ext uri="{0D108BD9-81ED-4DB2-BD59-A6C34878D82A}">
-                    <a16:rowId xmlns:a16="http://schemas.microsoft.com/office/drawing/2014/main" xmlns="" val="10005"/>
-                  </a:ext>
-                </a:extLst>
-              </a:tr>
             </a:tbl>
           </a:graphicData>
         </a:graphic>
       </p:graphicFrame>
       <p:sp>
         <p:nvSpPr>
-          <p:cNvPr id="204" name="Google Shape;204;g7c553259d1_0_81"/>
+          <p:cNvPr id="17" name="Google Shape;207;g7c553259d1_0_81"/>
           <p:cNvSpPr/>
           <p:nvPr/>
         </p:nvSpPr>
         <p:spPr>
           <a:xfrm>
-            <a:off x="6828821" y="783913"/>
+            <a:off x="1379955" y="1722368"/>
             <a:ext cx="245944" cy="324600"/>
           </a:xfrm>
           <a:prstGeom prst="rect">
@@ -10751,63 +9312,6 @@
               <a:buSzPts val="1800"/>
             </a:pPr>
             <a:r>
-              <a:rPr lang="en-US" altLang="ko-KR" b="1">
-                <a:solidFill>
-                  <a:schemeClr val="dk1"/>
-                </a:solidFill>
-                <a:latin typeface="Malgun Gothic"/>
-                <a:ea typeface="Malgun Gothic"/>
-                <a:cs typeface="Malgun Gothic"/>
-                <a:sym typeface="Malgun Gothic"/>
-              </a:rPr>
-              <a:t>6</a:t>
-            </a:r>
-            <a:endParaRPr b="1">
-              <a:solidFill>
-                <a:schemeClr val="dk1"/>
-              </a:solidFill>
-              <a:latin typeface="Malgun Gothic"/>
-              <a:ea typeface="Malgun Gothic"/>
-              <a:cs typeface="Malgun Gothic"/>
-              <a:sym typeface="Malgun Gothic"/>
-            </a:endParaRPr>
-          </a:p>
-        </p:txBody>
-      </p:sp>
-      <p:sp>
-        <p:nvSpPr>
-          <p:cNvPr id="207" name="Google Shape;207;g7c553259d1_0_81"/>
-          <p:cNvSpPr/>
-          <p:nvPr/>
-        </p:nvSpPr>
-        <p:spPr>
-          <a:xfrm>
-            <a:off x="1767133" y="1557612"/>
-            <a:ext cx="245944" cy="324600"/>
-          </a:xfrm>
-          <a:prstGeom prst="rect">
-            <a:avLst/>
-          </a:prstGeom>
-          <a:solidFill>
-            <a:srgbClr val="FF0000"/>
-          </a:solidFill>
-          <a:ln>
-            <a:noFill/>
-          </a:ln>
-        </p:spPr>
-        <p:txBody>
-          <a:bodyPr spcFirstLastPara="1" wrap="square" lIns="91425" tIns="45700" rIns="91425" bIns="45700" anchor="ctr" anchorCtr="0">
-            <a:noAutofit/>
-          </a:bodyPr>
-          <a:lstStyle/>
-          <a:p>
-            <a:pPr algn="ctr">
-              <a:buClr>
-                <a:srgbClr val="000000"/>
-              </a:buClr>
-              <a:buSzPts val="1800"/>
-            </a:pPr>
-            <a:r>
               <a:rPr lang="en-US" b="1" dirty="0">
                 <a:solidFill>
                   <a:schemeClr val="dk1"/>
@@ -10817,7 +9321,7 @@
                 <a:cs typeface="Malgun Gothic"/>
                 <a:sym typeface="Malgun Gothic"/>
               </a:rPr>
-              <a:t>1</a:t>
+              <a:t>4</a:t>
             </a:r>
             <a:endParaRPr b="1" dirty="0">
               <a:solidFill>
@@ -10831,25 +9335,325 @@
           </a:p>
         </p:txBody>
       </p:sp>
+      <p:pic>
+        <p:nvPicPr>
+          <p:cNvPr id="25" name="그림 24"/>
+          <p:cNvPicPr>
+            <a:picLocks noChangeAspect="1"/>
+          </p:cNvPicPr>
+          <p:nvPr/>
+        </p:nvPicPr>
+        <p:blipFill>
+          <a:blip r:embed="rId2"/>
+          <a:stretch>
+            <a:fillRect/>
+          </a:stretch>
+        </p:blipFill>
+        <p:spPr>
+          <a:xfrm>
+            <a:off x="1023820" y="2254423"/>
+            <a:ext cx="6246845" cy="1587572"/>
+          </a:xfrm>
+          <a:prstGeom prst="rect">
+            <a:avLst/>
+          </a:prstGeom>
+        </p:spPr>
+      </p:pic>
+      <p:graphicFrame>
+        <p:nvGraphicFramePr>
+          <p:cNvPr id="26" name="표 25"/>
+          <p:cNvGraphicFramePr>
+            <a:graphicFrameLocks noGrp="1"/>
+          </p:cNvGraphicFramePr>
+          <p:nvPr>
+            <p:extLst/>
+          </p:nvPr>
+        </p:nvGraphicFramePr>
+        <p:xfrm>
+          <a:off x="8452537" y="1436721"/>
+          <a:ext cx="1944216" cy="640100"/>
+        </p:xfrm>
+        <a:graphic>
+          <a:graphicData uri="http://schemas.openxmlformats.org/drawingml/2006/table">
+            <a:tbl>
+              <a:tblPr firstRow="1" bandRow="1">
+                <a:noFill/>
+              </a:tblPr>
+              <a:tblGrid>
+                <a:gridCol w="1944216"/>
+              </a:tblGrid>
+              <a:tr h="168164">
+                <a:tc>
+                  <a:txBody>
+                    <a:bodyPr/>
+                    <a:lstStyle/>
+                    <a:p>
+                      <a:pPr marL="0" marR="0" lvl="0" indent="0" algn="ctr" rtl="0">
+                        <a:lnSpc>
+                          <a:spcPct val="100000"/>
+                        </a:lnSpc>
+                        <a:spcBef>
+                          <a:spcPts val="0"/>
+                        </a:spcBef>
+                        <a:spcAft>
+                          <a:spcPts val="0"/>
+                        </a:spcAft>
+                        <a:buClr>
+                          <a:srgbClr val="000000"/>
+                        </a:buClr>
+                        <a:buSzPts val="1500"/>
+                        <a:buFont typeface="Arial"/>
+                        <a:buNone/>
+                      </a:pPr>
+                      <a:r>
+                        <a:rPr lang="ko-KR" altLang="en-US" sz="1500" b="0" u="none" strike="noStrike" cap="none" dirty="0" smtClean="0">
+                          <a:solidFill>
+                            <a:schemeClr val="dk1"/>
+                          </a:solidFill>
+                        </a:rPr>
+                        <a:t>화면코드</a:t>
+                      </a:r>
+                      <a:endParaRPr sz="1500" b="0" u="none" strike="noStrike" cap="none" dirty="0">
+                        <a:solidFill>
+                          <a:schemeClr val="dk1"/>
+                        </a:solidFill>
+                      </a:endParaRPr>
+                    </a:p>
+                  </a:txBody>
+                  <a:tcPr marL="74304" marR="74304" marT="45725" marB="45725" anchor="ctr">
+                    <a:lnL w="12700" cap="flat" cmpd="sng">
+                      <a:solidFill>
+                        <a:schemeClr val="dk1"/>
+                      </a:solidFill>
+                      <a:prstDash val="solid"/>
+                      <a:round/>
+                      <a:headEnd type="none" w="sm" len="sm"/>
+                      <a:tailEnd type="none" w="sm" len="sm"/>
+                    </a:lnL>
+                    <a:lnR w="12700" cap="flat" cmpd="sng">
+                      <a:solidFill>
+                        <a:schemeClr val="dk1"/>
+                      </a:solidFill>
+                      <a:prstDash val="solid"/>
+                      <a:round/>
+                      <a:headEnd type="none" w="sm" len="sm"/>
+                      <a:tailEnd type="none" w="sm" len="sm"/>
+                    </a:lnR>
+                    <a:lnT w="12700" cap="flat" cmpd="sng">
+                      <a:solidFill>
+                        <a:schemeClr val="dk1"/>
+                      </a:solidFill>
+                      <a:prstDash val="solid"/>
+                      <a:round/>
+                      <a:headEnd type="none" w="sm" len="sm"/>
+                      <a:tailEnd type="none" w="sm" len="sm"/>
+                    </a:lnT>
+                    <a:lnB w="12700" cap="flat" cmpd="sng" algn="ctr">
+                      <a:solidFill>
+                        <a:schemeClr val="dk1"/>
+                      </a:solidFill>
+                      <a:prstDash val="solid"/>
+                      <a:round/>
+                      <a:headEnd type="none" w="sm" len="sm"/>
+                      <a:tailEnd type="none" w="sm" len="sm"/>
+                    </a:lnB>
+                    <a:solidFill>
+                      <a:srgbClr val="D8D8D8"/>
+                    </a:solidFill>
+                  </a:tcPr>
+                </a:tc>
+              </a:tr>
+              <a:tr h="168164">
+                <a:tc>
+                  <a:txBody>
+                    <a:bodyPr/>
+                    <a:lstStyle/>
+                    <a:p>
+                      <a:pPr marL="0" marR="0" lvl="0" indent="0" algn="ctr" defTabSz="914400" rtl="0" eaLnBrk="1" fontAlgn="auto" latinLnBrk="1" hangingPunct="1">
+                        <a:lnSpc>
+                          <a:spcPct val="100000"/>
+                        </a:lnSpc>
+                        <a:spcBef>
+                          <a:spcPts val="0"/>
+                        </a:spcBef>
+                        <a:spcAft>
+                          <a:spcPts val="0"/>
+                        </a:spcAft>
+                        <a:buClr>
+                          <a:srgbClr val="000000"/>
+                        </a:buClr>
+                        <a:buSzPts val="1500"/>
+                        <a:buFont typeface="Arial"/>
+                        <a:buNone/>
+                        <a:tabLst/>
+                        <a:defRPr/>
+                      </a:pPr>
+                      <a:r>
+                        <a:rPr lang="en-US" altLang="ko-KR" sz="1500" b="0" u="none" strike="noStrike" cap="none" dirty="0" err="1" smtClean="0">
+                          <a:solidFill>
+                            <a:schemeClr val="dk1"/>
+                          </a:solidFill>
+                        </a:rPr>
+                        <a:t>kb_user_w_main</a:t>
+                      </a:r>
+                      <a:endParaRPr lang="en-US" altLang="ko-KR" sz="1500" b="0" u="none" strike="noStrike" cap="none" dirty="0" smtClean="0">
+                        <a:solidFill>
+                          <a:schemeClr val="dk1"/>
+                        </a:solidFill>
+                      </a:endParaRPr>
+                    </a:p>
+                  </a:txBody>
+                  <a:tcPr marL="74304" marR="74304" marT="45725" marB="45725" anchor="ctr">
+                    <a:lnL w="12700" cap="flat" cmpd="sng" algn="ctr">
+                      <a:solidFill>
+                        <a:schemeClr val="dk1"/>
+                      </a:solidFill>
+                      <a:prstDash val="solid"/>
+                      <a:round/>
+                      <a:headEnd type="none" w="sm" len="sm"/>
+                      <a:tailEnd type="none" w="sm" len="sm"/>
+                    </a:lnL>
+                    <a:lnR w="12700" cap="flat" cmpd="sng" algn="ctr">
+                      <a:solidFill>
+                        <a:schemeClr val="dk1"/>
+                      </a:solidFill>
+                      <a:prstDash val="solid"/>
+                      <a:round/>
+                      <a:headEnd type="none" w="sm" len="sm"/>
+                      <a:tailEnd type="none" w="sm" len="sm"/>
+                    </a:lnR>
+                    <a:lnT w="12700" cap="flat" cmpd="sng" algn="ctr">
+                      <a:solidFill>
+                        <a:schemeClr val="dk1"/>
+                      </a:solidFill>
+                      <a:prstDash val="solid"/>
+                      <a:round/>
+                      <a:headEnd type="none" w="sm" len="sm"/>
+                      <a:tailEnd type="none" w="sm" len="sm"/>
+                    </a:lnT>
+                    <a:lnB w="12700" cap="flat" cmpd="sng">
+                      <a:solidFill>
+                        <a:schemeClr val="dk1"/>
+                      </a:solidFill>
+                      <a:prstDash val="solid"/>
+                      <a:round/>
+                      <a:headEnd type="none" w="sm" len="sm"/>
+                      <a:tailEnd type="none" w="sm" len="sm"/>
+                    </a:lnB>
+                    <a:solidFill>
+                      <a:schemeClr val="bg1"/>
+                    </a:solidFill>
+                  </a:tcPr>
+                </a:tc>
+              </a:tr>
+            </a:tbl>
+          </a:graphicData>
+        </a:graphic>
+      </p:graphicFrame>
+    </p:spTree>
+    <p:extLst>
+      <p:ext uri="{BB962C8B-B14F-4D97-AF65-F5344CB8AC3E}">
+        <p14:creationId xmlns:p14="http://schemas.microsoft.com/office/powerpoint/2010/main" val="2001744271"/>
+      </p:ext>
+    </p:extLst>
+  </p:cSld>
+  <p:clrMapOvr>
+    <a:masterClrMapping/>
+  </p:clrMapOvr>
+  <p:timing>
+    <p:tnLst>
+      <p:par>
+        <p:cTn id="1" dur="indefinite" restart="never" nodeType="tmRoot"/>
+      </p:par>
+    </p:tnLst>
+  </p:timing>
+</p:sld>
+</file>
+
+<file path=ppt/slides/slide6.xml><?xml version="1.0" encoding="utf-8"?>
+<p:sld xmlns:a="http://schemas.openxmlformats.org/drawingml/2006/main" xmlns:r="http://schemas.openxmlformats.org/officeDocument/2006/relationships" xmlns:p="http://schemas.openxmlformats.org/presentationml/2006/main">
+  <p:cSld>
+    <p:spTree>
+      <p:nvGrpSpPr>
+        <p:cNvPr id="1" name=""/>
+        <p:cNvGrpSpPr/>
+        <p:nvPr/>
+      </p:nvGrpSpPr>
+      <p:grpSpPr>
+        <a:xfrm>
+          <a:off x="0" y="0"/>
+          <a:ext cx="0" cy="0"/>
+          <a:chOff x="0" y="0"/>
+          <a:chExt cx="0" cy="0"/>
+        </a:xfrm>
+      </p:grpSpPr>
       <p:sp>
         <p:nvSpPr>
-          <p:cNvPr id="208" name="Google Shape;208;g7c553259d1_0_81"/>
+          <p:cNvPr id="2" name="제목 1"/>
+          <p:cNvSpPr>
+            <a:spLocks noGrp="1"/>
+          </p:cNvSpPr>
+          <p:nvPr>
+            <p:ph type="title"/>
+          </p:nvPr>
+        </p:nvSpPr>
+        <p:spPr/>
+        <p:txBody>
+          <a:bodyPr>
+            <a:normAutofit fontScale="90000"/>
+          </a:bodyPr>
+          <a:lstStyle/>
+          <a:p>
+            <a:pPr lvl="0">
+              <a:lnSpc>
+                <a:spcPct val="100000"/>
+              </a:lnSpc>
+              <a:spcBef>
+                <a:spcPts val="0"/>
+              </a:spcBef>
+              <a:buClr>
+                <a:srgbClr val="000000"/>
+              </a:buClr>
+              <a:buSzPts val="1500"/>
+              <a:defRPr/>
+            </a:pPr>
+            <a:r>
+              <a:rPr lang="ko-KR" altLang="en-US" sz="6600" b="0"/>
+              <a:t>로그인 페이지</a:t>
+            </a:r>
+            <a:r>
+              <a:rPr lang="ko-KR" altLang="en-US" sz="4400" b="0"/>
+              <a:t> </a:t>
+            </a:r>
+            <a:endParaRPr lang="ko-KR" altLang="en-US" sz="4400" b="0" dirty="0"/>
+          </a:p>
+        </p:txBody>
+      </p:sp>
+      <p:sp>
+        <p:nvSpPr>
+          <p:cNvPr id="8" name="Google Shape;168;g7c553259d1_0_81"/>
           <p:cNvSpPr/>
           <p:nvPr/>
         </p:nvSpPr>
         <p:spPr>
           <a:xfrm>
-            <a:off x="6458914" y="789578"/>
-            <a:ext cx="245944" cy="324600"/>
+            <a:off x="834733" y="1556950"/>
+            <a:ext cx="6526163" cy="5015487"/>
           </a:xfrm>
           <a:prstGeom prst="rect">
             <a:avLst/>
           </a:prstGeom>
           <a:solidFill>
-            <a:srgbClr val="FF0000"/>
+            <a:schemeClr val="lt1"/>
           </a:solidFill>
-          <a:ln>
-            <a:noFill/>
+          <a:ln w="12700" cap="flat" cmpd="sng">
+            <a:solidFill>
+              <a:schemeClr val="dk1"/>
+            </a:solidFill>
+            <a:prstDash val="solid"/>
+            <a:miter lim="800000"/>
+            <a:headEnd type="none" w="sm" len="sm"/>
+            <a:tailEnd type="none" w="sm" len="sm"/>
           </a:ln>
         </p:spPr>
         <p:txBody>
@@ -10862,21 +9666,9 @@
               <a:buClr>
                 <a:srgbClr val="000000"/>
               </a:buClr>
-              <a:buSzPts val="1800"/>
+              <a:buSzPts val="1500"/>
             </a:pPr>
-            <a:r>
-              <a:rPr lang="en-US" altLang="ko-KR" b="1" dirty="0">
-                <a:solidFill>
-                  <a:schemeClr val="dk1"/>
-                </a:solidFill>
-                <a:latin typeface="Malgun Gothic"/>
-                <a:ea typeface="Malgun Gothic"/>
-                <a:cs typeface="Malgun Gothic"/>
-                <a:sym typeface="Malgun Gothic"/>
-              </a:rPr>
-              <a:t>5</a:t>
-            </a:r>
-            <a:endParaRPr b="1" dirty="0">
+            <a:endParaRPr sz="1500" dirty="0">
               <a:solidFill>
                 <a:schemeClr val="dk1"/>
               </a:solidFill>
@@ -10888,16 +9680,678 @@
           </a:p>
         </p:txBody>
       </p:sp>
+      <p:graphicFrame>
+        <p:nvGraphicFramePr>
+          <p:cNvPr id="9" name="Google Shape;169;g7c553259d1_0_81"/>
+          <p:cNvGraphicFramePr/>
+          <p:nvPr>
+            <p:extLst/>
+          </p:nvPr>
+        </p:nvGraphicFramePr>
+        <p:xfrm>
+          <a:off x="7738751" y="3328889"/>
+          <a:ext cx="2869750" cy="2633345"/>
+        </p:xfrm>
+        <a:graphic>
+          <a:graphicData uri="http://schemas.openxmlformats.org/drawingml/2006/table">
+            <a:tbl>
+              <a:tblPr firstRow="1" bandRow="1">
+                <a:noFill/>
+              </a:tblPr>
+              <a:tblGrid>
+                <a:gridCol w="311106">
+                  <a:extLst>
+                    <a:ext uri="{9D8B030D-6E8A-4147-A177-3AD203B41FA5}">
+                      <a16:colId xmlns:a16="http://schemas.microsoft.com/office/drawing/2014/main" xmlns="" val="20000"/>
+                    </a:ext>
+                  </a:extLst>
+                </a:gridCol>
+                <a:gridCol w="2558644">
+                  <a:extLst>
+                    <a:ext uri="{9D8B030D-6E8A-4147-A177-3AD203B41FA5}">
+                      <a16:colId xmlns:a16="http://schemas.microsoft.com/office/drawing/2014/main" xmlns="" val="20001"/>
+                    </a:ext>
+                  </a:extLst>
+                </a:gridCol>
+              </a:tblGrid>
+              <a:tr h="333888">
+                <a:tc>
+                  <a:txBody>
+                    <a:bodyPr/>
+                    <a:lstStyle/>
+                    <a:p>
+                      <a:pPr marL="0" marR="0" lvl="0" indent="0" algn="ctr" rtl="0">
+                        <a:lnSpc>
+                          <a:spcPct val="100000"/>
+                        </a:lnSpc>
+                        <a:spcBef>
+                          <a:spcPts val="0"/>
+                        </a:spcBef>
+                        <a:spcAft>
+                          <a:spcPts val="0"/>
+                        </a:spcAft>
+                        <a:buClr>
+                          <a:srgbClr val="000000"/>
+                        </a:buClr>
+                        <a:buSzPts val="1500"/>
+                        <a:buFont typeface="Arial"/>
+                        <a:buNone/>
+                      </a:pPr>
+                      <a:r>
+                        <a:rPr lang="ko-KR" sz="1500" u="none" strike="noStrike" cap="none" dirty="0">
+                          <a:solidFill>
+                            <a:schemeClr val="dk1"/>
+                          </a:solidFill>
+                        </a:rPr>
+                        <a:t>#</a:t>
+                      </a:r>
+                      <a:endParaRPr sz="1500" u="none" strike="noStrike" cap="none" dirty="0">
+                        <a:solidFill>
+                          <a:schemeClr val="dk1"/>
+                        </a:solidFill>
+                      </a:endParaRPr>
+                    </a:p>
+                  </a:txBody>
+                  <a:tcPr marL="74304" marR="74304" marT="45725" marB="45725" anchor="ctr">
+                    <a:lnL w="12700" cap="flat" cmpd="sng">
+                      <a:solidFill>
+                        <a:schemeClr val="dk1"/>
+                      </a:solidFill>
+                      <a:prstDash val="solid"/>
+                      <a:round/>
+                      <a:headEnd type="none" w="sm" len="sm"/>
+                      <a:tailEnd type="none" w="sm" len="sm"/>
+                    </a:lnL>
+                    <a:lnR w="12700" cap="flat" cmpd="sng">
+                      <a:solidFill>
+                        <a:schemeClr val="dk1"/>
+                      </a:solidFill>
+                      <a:prstDash val="solid"/>
+                      <a:round/>
+                      <a:headEnd type="none" w="sm" len="sm"/>
+                      <a:tailEnd type="none" w="sm" len="sm"/>
+                    </a:lnR>
+                    <a:lnT w="12700" cap="flat" cmpd="sng">
+                      <a:solidFill>
+                        <a:schemeClr val="dk1"/>
+                      </a:solidFill>
+                      <a:prstDash val="solid"/>
+                      <a:round/>
+                      <a:headEnd type="none" w="sm" len="sm"/>
+                      <a:tailEnd type="none" w="sm" len="sm"/>
+                    </a:lnT>
+                    <a:lnB w="12700" cap="flat" cmpd="sng">
+                      <a:solidFill>
+                        <a:schemeClr val="dk1"/>
+                      </a:solidFill>
+                      <a:prstDash val="solid"/>
+                      <a:round/>
+                      <a:headEnd type="none" w="sm" len="sm"/>
+                      <a:tailEnd type="none" w="sm" len="sm"/>
+                    </a:lnB>
+                    <a:solidFill>
+                      <a:srgbClr val="D8D8D8"/>
+                    </a:solidFill>
+                  </a:tcPr>
+                </a:tc>
+                <a:tc>
+                  <a:txBody>
+                    <a:bodyPr/>
+                    <a:lstStyle/>
+                    <a:p>
+                      <a:pPr marL="0" marR="0" lvl="0" indent="0" algn="ctr" rtl="0">
+                        <a:lnSpc>
+                          <a:spcPct val="100000"/>
+                        </a:lnSpc>
+                        <a:spcBef>
+                          <a:spcPts val="0"/>
+                        </a:spcBef>
+                        <a:spcAft>
+                          <a:spcPts val="0"/>
+                        </a:spcAft>
+                        <a:buClr>
+                          <a:srgbClr val="000000"/>
+                        </a:buClr>
+                        <a:buSzPts val="1500"/>
+                        <a:buFont typeface="Arial"/>
+                        <a:buNone/>
+                      </a:pPr>
+                      <a:endParaRPr sz="1500" u="none" strike="noStrike" cap="none" dirty="0">
+                        <a:solidFill>
+                          <a:schemeClr val="dk1"/>
+                        </a:solidFill>
+                      </a:endParaRPr>
+                    </a:p>
+                  </a:txBody>
+                  <a:tcPr marL="74304" marR="74304" marT="45725" marB="45725" anchor="ctr">
+                    <a:lnL w="12700" cap="flat" cmpd="sng">
+                      <a:solidFill>
+                        <a:schemeClr val="dk1"/>
+                      </a:solidFill>
+                      <a:prstDash val="solid"/>
+                      <a:round/>
+                      <a:headEnd type="none" w="sm" len="sm"/>
+                      <a:tailEnd type="none" w="sm" len="sm"/>
+                    </a:lnL>
+                    <a:lnR w="12700" cap="flat" cmpd="sng">
+                      <a:solidFill>
+                        <a:schemeClr val="dk1"/>
+                      </a:solidFill>
+                      <a:prstDash val="solid"/>
+                      <a:round/>
+                      <a:headEnd type="none" w="sm" len="sm"/>
+                      <a:tailEnd type="none" w="sm" len="sm"/>
+                    </a:lnR>
+                    <a:lnT w="12700" cap="flat" cmpd="sng">
+                      <a:solidFill>
+                        <a:schemeClr val="dk1"/>
+                      </a:solidFill>
+                      <a:prstDash val="solid"/>
+                      <a:round/>
+                      <a:headEnd type="none" w="sm" len="sm"/>
+                      <a:tailEnd type="none" w="sm" len="sm"/>
+                    </a:lnT>
+                    <a:lnB w="12700" cap="flat" cmpd="sng">
+                      <a:solidFill>
+                        <a:schemeClr val="dk1"/>
+                      </a:solidFill>
+                      <a:prstDash val="solid"/>
+                      <a:round/>
+                      <a:headEnd type="none" w="sm" len="sm"/>
+                      <a:tailEnd type="none" w="sm" len="sm"/>
+                    </a:lnB>
+                    <a:solidFill>
+                      <a:srgbClr val="D8D8D8"/>
+                    </a:solidFill>
+                  </a:tcPr>
+                </a:tc>
+                <a:extLst>
+                  <a:ext uri="{0D108BD9-81ED-4DB2-BD59-A6C34878D82A}">
+                    <a16:rowId xmlns:a16="http://schemas.microsoft.com/office/drawing/2014/main" xmlns="" val="10000"/>
+                  </a:ext>
+                </a:extLst>
+              </a:tr>
+              <a:tr h="1371597">
+                <a:tc>
+                  <a:txBody>
+                    <a:bodyPr/>
+                    <a:lstStyle/>
+                    <a:p>
+                      <a:pPr marL="0" marR="0" lvl="0" indent="0" algn="ctr" rtl="0">
+                        <a:lnSpc>
+                          <a:spcPct val="100000"/>
+                        </a:lnSpc>
+                        <a:spcBef>
+                          <a:spcPts val="0"/>
+                        </a:spcBef>
+                        <a:spcAft>
+                          <a:spcPts val="0"/>
+                        </a:spcAft>
+                        <a:buClr>
+                          <a:srgbClr val="000000"/>
+                        </a:buClr>
+                        <a:buSzPts val="1500"/>
+                        <a:buFont typeface="Arial"/>
+                        <a:buNone/>
+                      </a:pPr>
+                      <a:r>
+                        <a:rPr lang="en-US" sz="1500" dirty="0" smtClean="0"/>
+                        <a:t>1</a:t>
+                      </a:r>
+                      <a:endParaRPr sz="1500" dirty="0"/>
+                    </a:p>
+                  </a:txBody>
+                  <a:tcPr marL="74304" marR="74304" marT="45725" marB="45725" anchor="ctr">
+                    <a:lnL w="12700" cap="flat" cmpd="sng">
+                      <a:solidFill>
+                        <a:schemeClr val="dk1"/>
+                      </a:solidFill>
+                      <a:prstDash val="solid"/>
+                      <a:round/>
+                      <a:headEnd type="none" w="sm" len="sm"/>
+                      <a:tailEnd type="none" w="sm" len="sm"/>
+                    </a:lnL>
+                    <a:lnR w="12700" cap="flat" cmpd="sng">
+                      <a:solidFill>
+                        <a:schemeClr val="dk1"/>
+                      </a:solidFill>
+                      <a:prstDash val="solid"/>
+                      <a:round/>
+                      <a:headEnd type="none" w="sm" len="sm"/>
+                      <a:tailEnd type="none" w="sm" len="sm"/>
+                    </a:lnR>
+                    <a:lnT w="12700" cap="flat" cmpd="sng">
+                      <a:solidFill>
+                        <a:schemeClr val="dk1"/>
+                      </a:solidFill>
+                      <a:prstDash val="solid"/>
+                      <a:round/>
+                      <a:headEnd type="none" w="sm" len="sm"/>
+                      <a:tailEnd type="none" w="sm" len="sm"/>
+                    </a:lnT>
+                    <a:lnB w="12700" cap="flat" cmpd="sng">
+                      <a:solidFill>
+                        <a:schemeClr val="dk1"/>
+                      </a:solidFill>
+                      <a:prstDash val="solid"/>
+                      <a:round/>
+                      <a:headEnd type="none" w="sm" len="sm"/>
+                      <a:tailEnd type="none" w="sm" len="sm"/>
+                    </a:lnB>
+                    <a:solidFill>
+                      <a:schemeClr val="lt1"/>
+                    </a:solidFill>
+                  </a:tcPr>
+                </a:tc>
+                <a:tc>
+                  <a:txBody>
+                    <a:bodyPr/>
+                    <a:lstStyle/>
+                    <a:p>
+                      <a:pPr marL="0" marR="0" lvl="0" indent="0" algn="l" rtl="0">
+                        <a:lnSpc>
+                          <a:spcPct val="100000"/>
+                        </a:lnSpc>
+                        <a:spcBef>
+                          <a:spcPts val="0"/>
+                        </a:spcBef>
+                        <a:spcAft>
+                          <a:spcPts val="0"/>
+                        </a:spcAft>
+                        <a:buClr>
+                          <a:srgbClr val="000000"/>
+                        </a:buClr>
+                        <a:buSzPts val="1500"/>
+                        <a:buFont typeface="Arial"/>
+                        <a:buNone/>
+                      </a:pPr>
+                      <a:r>
+                        <a:rPr lang="ko-KR" altLang="en-US" sz="1500" b="0" u="none" strike="noStrike" cap="none" dirty="0" smtClean="0">
+                          <a:solidFill>
+                            <a:schemeClr val="dk1"/>
+                          </a:solidFill>
+                        </a:rPr>
+                        <a:t>아이디</a:t>
+                      </a:r>
+                      <a:r>
+                        <a:rPr lang="en-US" altLang="ko-KR" sz="1500" b="0" u="none" strike="noStrike" cap="none" dirty="0" smtClean="0">
+                          <a:solidFill>
+                            <a:schemeClr val="dk1"/>
+                          </a:solidFill>
+                        </a:rPr>
+                        <a:t>,</a:t>
+                      </a:r>
+                      <a:r>
+                        <a:rPr lang="en-US" altLang="ko-KR" sz="1500" b="0" u="none" strike="noStrike" cap="none" baseline="0" dirty="0" smtClean="0">
+                          <a:solidFill>
+                            <a:schemeClr val="dk1"/>
+                          </a:solidFill>
+                        </a:rPr>
+                        <a:t> </a:t>
+                      </a:r>
+                      <a:r>
+                        <a:rPr lang="ko-KR" altLang="en-US" sz="1500" b="0" u="none" strike="noStrike" cap="none" baseline="0" dirty="0" smtClean="0">
+                          <a:solidFill>
+                            <a:schemeClr val="dk1"/>
+                          </a:solidFill>
+                        </a:rPr>
+                        <a:t>비밀번호를 확인하여 로그인 여부를 정함</a:t>
+                      </a:r>
+                      <a:r>
+                        <a:rPr lang="en-US" altLang="ko-KR" sz="1500" b="0" u="none" strike="noStrike" cap="none" baseline="0" dirty="0" smtClean="0">
+                          <a:solidFill>
+                            <a:schemeClr val="dk1"/>
+                          </a:solidFill>
+                        </a:rPr>
+                        <a:t>. </a:t>
+                      </a:r>
+                      <a:r>
+                        <a:rPr lang="ko-KR" altLang="en-US" sz="1500" b="0" u="none" strike="noStrike" cap="none" baseline="0" dirty="0" smtClean="0">
+                          <a:solidFill>
+                            <a:schemeClr val="dk1"/>
+                          </a:solidFill>
+                        </a:rPr>
+                        <a:t>로그인 </a:t>
+                      </a:r>
+                      <a:r>
+                        <a:rPr lang="ko-KR" altLang="en-US" sz="1500" b="0" u="none" strike="noStrike" cap="none" baseline="0" dirty="0" err="1" smtClean="0">
+                          <a:solidFill>
+                            <a:schemeClr val="dk1"/>
+                          </a:solidFill>
+                        </a:rPr>
+                        <a:t>성송하면</a:t>
+                      </a:r>
+                      <a:r>
+                        <a:rPr lang="ko-KR" altLang="en-US" sz="1500" b="0" u="none" strike="noStrike" cap="none" baseline="0" dirty="0" smtClean="0">
+                          <a:solidFill>
+                            <a:schemeClr val="dk1"/>
+                          </a:solidFill>
+                        </a:rPr>
+                        <a:t> </a:t>
+                      </a:r>
+                      <a:r>
+                        <a:rPr lang="ko-KR" altLang="en-US" sz="1500" b="0" u="none" strike="noStrike" cap="none" baseline="0" dirty="0" err="1" smtClean="0">
+                          <a:solidFill>
+                            <a:schemeClr val="dk1"/>
+                          </a:solidFill>
+                        </a:rPr>
+                        <a:t>메인페이지로</a:t>
+                      </a:r>
+                      <a:r>
+                        <a:rPr lang="ko-KR" altLang="en-US" sz="1500" b="0" u="none" strike="noStrike" cap="none" baseline="0" dirty="0" smtClean="0">
+                          <a:solidFill>
+                            <a:schemeClr val="dk1"/>
+                          </a:solidFill>
+                        </a:rPr>
+                        <a:t> 이동</a:t>
+                      </a:r>
+                      <a:r>
+                        <a:rPr lang="ko-KR" altLang="en-US" sz="1500" b="0" u="none" strike="noStrike" cap="none" baseline="0" dirty="0">
+                          <a:solidFill>
+                            <a:schemeClr val="dk1"/>
+                          </a:solidFill>
+                        </a:rPr>
+                        <a:t> </a:t>
+                      </a:r>
+                      <a:r>
+                        <a:rPr lang="ko-KR" altLang="en-US" sz="1500" b="0" u="none" strike="noStrike" cap="none" baseline="0" dirty="0" smtClean="0">
+                          <a:solidFill>
+                            <a:schemeClr val="dk1"/>
+                          </a:solidFill>
+                        </a:rPr>
+                        <a:t>실패하면 실패 </a:t>
+                      </a:r>
+                      <a:r>
+                        <a:rPr lang="ko-KR" altLang="en-US" sz="1500" b="0" u="none" strike="noStrike" cap="none" baseline="0" dirty="0" err="1" smtClean="0">
+                          <a:solidFill>
+                            <a:schemeClr val="dk1"/>
+                          </a:solidFill>
+                        </a:rPr>
+                        <a:t>팝업창이</a:t>
+                      </a:r>
+                      <a:r>
+                        <a:rPr lang="ko-KR" altLang="en-US" sz="1500" b="0" u="none" strike="noStrike" cap="none" baseline="0" dirty="0" smtClean="0">
+                          <a:solidFill>
+                            <a:schemeClr val="dk1"/>
+                          </a:solidFill>
+                        </a:rPr>
+                        <a:t> 뜨게 함</a:t>
+                      </a:r>
+                      <a:r>
+                        <a:rPr lang="en-US" altLang="ko-KR" sz="1500" b="0" u="none" strike="noStrike" cap="none" baseline="0" dirty="0" smtClean="0">
+                          <a:solidFill>
+                            <a:schemeClr val="dk1"/>
+                          </a:solidFill>
+                        </a:rPr>
+                        <a:t>. </a:t>
+                      </a:r>
+                    </a:p>
+                    <a:p>
+                      <a:pPr marL="0" marR="0" lvl="0" indent="0" algn="l" rtl="0">
+                        <a:lnSpc>
+                          <a:spcPct val="100000"/>
+                        </a:lnSpc>
+                        <a:spcBef>
+                          <a:spcPts val="0"/>
+                        </a:spcBef>
+                        <a:spcAft>
+                          <a:spcPts val="0"/>
+                        </a:spcAft>
+                        <a:buClr>
+                          <a:srgbClr val="000000"/>
+                        </a:buClr>
+                        <a:buSzPts val="1500"/>
+                        <a:buFont typeface="Arial"/>
+                        <a:buNone/>
+                      </a:pPr>
+                      <a:r>
+                        <a:rPr lang="ko-KR" altLang="en-US" sz="1500" b="0" u="none" strike="noStrike" cap="none" baseline="0" dirty="0" err="1" smtClean="0">
+                          <a:solidFill>
+                            <a:schemeClr val="dk1"/>
+                          </a:solidFill>
+                        </a:rPr>
+                        <a:t>네이버</a:t>
+                      </a:r>
+                      <a:r>
+                        <a:rPr lang="en-US" altLang="ko-KR" sz="1500" b="0" u="none" strike="noStrike" cap="none" baseline="0" dirty="0" smtClean="0">
+                          <a:solidFill>
+                            <a:schemeClr val="dk1"/>
+                          </a:solidFill>
+                        </a:rPr>
+                        <a:t>, </a:t>
+                      </a:r>
+                      <a:r>
+                        <a:rPr lang="ko-KR" altLang="en-US" sz="1500" b="0" u="none" strike="noStrike" cap="none" baseline="0" dirty="0" smtClean="0">
+                          <a:solidFill>
+                            <a:schemeClr val="dk1"/>
+                          </a:solidFill>
+                        </a:rPr>
+                        <a:t>카카오로 따로</a:t>
+                      </a:r>
+                      <a:endParaRPr lang="en-US" altLang="ko-KR" sz="1500" b="0" u="none" strike="noStrike" cap="none" baseline="0" dirty="0" smtClean="0">
+                        <a:solidFill>
+                          <a:schemeClr val="dk1"/>
+                        </a:solidFill>
+                      </a:endParaRPr>
+                    </a:p>
+                  </a:txBody>
+                  <a:tcPr marL="74304" marR="74304" marT="45725" marB="45725">
+                    <a:lnL w="12700" cap="flat" cmpd="sng">
+                      <a:solidFill>
+                        <a:schemeClr val="dk1"/>
+                      </a:solidFill>
+                      <a:prstDash val="solid"/>
+                      <a:round/>
+                      <a:headEnd type="none" w="sm" len="sm"/>
+                      <a:tailEnd type="none" w="sm" len="sm"/>
+                    </a:lnL>
+                    <a:lnR w="12700" cap="flat" cmpd="sng">
+                      <a:solidFill>
+                        <a:schemeClr val="dk1"/>
+                      </a:solidFill>
+                      <a:prstDash val="solid"/>
+                      <a:round/>
+                      <a:headEnd type="none" w="sm" len="sm"/>
+                      <a:tailEnd type="none" w="sm" len="sm"/>
+                    </a:lnR>
+                    <a:lnT w="12700" cap="flat" cmpd="sng">
+                      <a:solidFill>
+                        <a:schemeClr val="dk1"/>
+                      </a:solidFill>
+                      <a:prstDash val="solid"/>
+                      <a:round/>
+                      <a:headEnd type="none" w="sm" len="sm"/>
+                      <a:tailEnd type="none" w="sm" len="sm"/>
+                    </a:lnT>
+                    <a:lnB w="12700" cap="flat" cmpd="sng">
+                      <a:solidFill>
+                        <a:schemeClr val="dk1"/>
+                      </a:solidFill>
+                      <a:prstDash val="solid"/>
+                      <a:round/>
+                      <a:headEnd type="none" w="sm" len="sm"/>
+                      <a:tailEnd type="none" w="sm" len="sm"/>
+                    </a:lnB>
+                    <a:solidFill>
+                      <a:schemeClr val="lt1"/>
+                    </a:solidFill>
+                  </a:tcPr>
+                </a:tc>
+                <a:extLst>
+                  <a:ext uri="{0D108BD9-81ED-4DB2-BD59-A6C34878D82A}">
+                    <a16:rowId xmlns:a16="http://schemas.microsoft.com/office/drawing/2014/main" xmlns="" val="10001"/>
+                  </a:ext>
+                </a:extLst>
+              </a:tr>
+              <a:tr h="836407">
+                <a:tc>
+                  <a:txBody>
+                    <a:bodyPr/>
+                    <a:lstStyle/>
+                    <a:p>
+                      <a:pPr marL="0" marR="0" lvl="0" indent="0" algn="ctr" rtl="0">
+                        <a:lnSpc>
+                          <a:spcPct val="100000"/>
+                        </a:lnSpc>
+                        <a:spcBef>
+                          <a:spcPts val="0"/>
+                        </a:spcBef>
+                        <a:spcAft>
+                          <a:spcPts val="0"/>
+                        </a:spcAft>
+                        <a:buNone/>
+                      </a:pPr>
+                      <a:endParaRPr sz="1500" dirty="0"/>
+                    </a:p>
+                  </a:txBody>
+                  <a:tcPr marL="74304" marR="74304" marT="45725" marB="45725" anchor="ctr">
+                    <a:lnL w="12700" cap="flat" cmpd="sng">
+                      <a:solidFill>
+                        <a:schemeClr val="dk1"/>
+                      </a:solidFill>
+                      <a:prstDash val="solid"/>
+                      <a:round/>
+                      <a:headEnd type="none" w="sm" len="sm"/>
+                      <a:tailEnd type="none" w="sm" len="sm"/>
+                    </a:lnL>
+                    <a:lnR w="12700" cap="flat" cmpd="sng" algn="ctr">
+                      <a:solidFill>
+                        <a:schemeClr val="dk1"/>
+                      </a:solidFill>
+                      <a:prstDash val="solid"/>
+                      <a:round/>
+                      <a:headEnd type="none" w="sm" len="sm"/>
+                      <a:tailEnd type="none" w="sm" len="sm"/>
+                    </a:lnR>
+                    <a:lnT w="12700" cap="flat" cmpd="sng" algn="ctr">
+                      <a:solidFill>
+                        <a:schemeClr val="dk1"/>
+                      </a:solidFill>
+                      <a:prstDash val="solid"/>
+                      <a:round/>
+                      <a:headEnd type="none" w="sm" len="sm"/>
+                      <a:tailEnd type="none" w="sm" len="sm"/>
+                    </a:lnT>
+                    <a:lnB w="12700" cap="flat" cmpd="sng">
+                      <a:solidFill>
+                        <a:schemeClr val="dk1"/>
+                      </a:solidFill>
+                      <a:prstDash val="solid"/>
+                      <a:round/>
+                      <a:headEnd type="none" w="sm" len="sm"/>
+                      <a:tailEnd type="none" w="sm" len="sm"/>
+                    </a:lnB>
+                    <a:solidFill>
+                      <a:schemeClr val="lt1"/>
+                    </a:solidFill>
+                  </a:tcPr>
+                </a:tc>
+                <a:tc>
+                  <a:txBody>
+                    <a:bodyPr/>
+                    <a:lstStyle/>
+                    <a:p>
+                      <a:pPr marL="0" marR="0" lvl="0" indent="0" algn="l" rtl="0">
+                        <a:lnSpc>
+                          <a:spcPct val="100000"/>
+                        </a:lnSpc>
+                        <a:spcBef>
+                          <a:spcPts val="0"/>
+                        </a:spcBef>
+                        <a:spcAft>
+                          <a:spcPts val="0"/>
+                        </a:spcAft>
+                        <a:buNone/>
+                      </a:pPr>
+                      <a:endParaRPr sz="1500" dirty="0"/>
+                    </a:p>
+                  </a:txBody>
+                  <a:tcPr marL="74304" marR="74304" marT="45725" marB="45725">
+                    <a:lnL w="12700" cap="flat" cmpd="sng" algn="ctr">
+                      <a:solidFill>
+                        <a:schemeClr val="dk1"/>
+                      </a:solidFill>
+                      <a:prstDash val="solid"/>
+                      <a:round/>
+                      <a:headEnd type="none" w="sm" len="sm"/>
+                      <a:tailEnd type="none" w="sm" len="sm"/>
+                    </a:lnL>
+                    <a:lnR w="12700" cap="flat" cmpd="sng">
+                      <a:solidFill>
+                        <a:schemeClr val="dk1"/>
+                      </a:solidFill>
+                      <a:prstDash val="solid"/>
+                      <a:round/>
+                      <a:headEnd type="none" w="sm" len="sm"/>
+                      <a:tailEnd type="none" w="sm" len="sm"/>
+                    </a:lnR>
+                    <a:lnT w="12700" cap="flat" cmpd="sng" algn="ctr">
+                      <a:solidFill>
+                        <a:schemeClr val="dk1"/>
+                      </a:solidFill>
+                      <a:prstDash val="solid"/>
+                      <a:round/>
+                      <a:headEnd type="none" w="sm" len="sm"/>
+                      <a:tailEnd type="none" w="sm" len="sm"/>
+                    </a:lnT>
+                    <a:lnB w="12700" cap="flat" cmpd="sng">
+                      <a:solidFill>
+                        <a:schemeClr val="dk1"/>
+                      </a:solidFill>
+                      <a:prstDash val="solid"/>
+                      <a:round/>
+                      <a:headEnd type="none" w="sm" len="sm"/>
+                      <a:tailEnd type="none" w="sm" len="sm"/>
+                    </a:lnB>
+                    <a:solidFill>
+                      <a:schemeClr val="lt1"/>
+                    </a:solidFill>
+                  </a:tcPr>
+                </a:tc>
+                <a:extLst>
+                  <a:ext uri="{0D108BD9-81ED-4DB2-BD59-A6C34878D82A}">
+                    <a16:rowId xmlns:a16="http://schemas.microsoft.com/office/drawing/2014/main" xmlns="" val="10002"/>
+                  </a:ext>
+                </a:extLst>
+              </a:tr>
+            </a:tbl>
+          </a:graphicData>
+        </a:graphic>
+      </p:graphicFrame>
+      <p:pic>
+        <p:nvPicPr>
+          <p:cNvPr id="10" name="그림 9"/>
+          <p:cNvPicPr>
+            <a:picLocks noChangeAspect="1"/>
+          </p:cNvPicPr>
+          <p:nvPr/>
+        </p:nvPicPr>
+        <p:blipFill>
+          <a:blip r:embed="rId2"/>
+          <a:stretch>
+            <a:fillRect/>
+          </a:stretch>
+        </p:blipFill>
+        <p:spPr>
+          <a:xfrm>
+            <a:off x="1046727" y="1727989"/>
+            <a:ext cx="6102172" cy="4234245"/>
+          </a:xfrm>
+          <a:prstGeom prst="rect">
+            <a:avLst/>
+          </a:prstGeom>
+        </p:spPr>
+      </p:pic>
       <p:sp>
         <p:nvSpPr>
-          <p:cNvPr id="173" name="Google Shape;173;g7c553259d1_0_81"/>
+          <p:cNvPr id="11" name="Google Shape;173;g7c553259d1_0_81"/>
           <p:cNvSpPr/>
           <p:nvPr/>
         </p:nvSpPr>
         <p:spPr>
           <a:xfrm>
-            <a:off x="5021748" y="783913"/>
-            <a:ext cx="245944" cy="324600"/>
+            <a:off x="1278877" y="1638984"/>
+            <a:ext cx="245944" cy="304310"/>
           </a:xfrm>
           <a:prstGeom prst="rect">
             <a:avLst/>
@@ -10945,368 +10399,9 @@
           </a:p>
         </p:txBody>
       </p:sp>
-      <p:sp>
-        <p:nvSpPr>
-          <p:cNvPr id="174" name="Google Shape;174;g7c553259d1_0_81"/>
-          <p:cNvSpPr/>
-          <p:nvPr/>
-        </p:nvSpPr>
-        <p:spPr>
-          <a:xfrm>
-            <a:off x="5354626" y="783913"/>
-            <a:ext cx="245944" cy="324600"/>
-          </a:xfrm>
-          <a:prstGeom prst="rect">
-            <a:avLst/>
-          </a:prstGeom>
-          <a:solidFill>
-            <a:srgbClr val="FF0000"/>
-          </a:solidFill>
-          <a:ln>
-            <a:noFill/>
-          </a:ln>
-        </p:spPr>
-        <p:txBody>
-          <a:bodyPr spcFirstLastPara="1" wrap="square" lIns="91425" tIns="45700" rIns="91425" bIns="45700" anchor="ctr" anchorCtr="0">
-            <a:noAutofit/>
-          </a:bodyPr>
-          <a:lstStyle/>
-          <a:p>
-            <a:pPr algn="ctr">
-              <a:buClr>
-                <a:srgbClr val="000000"/>
-              </a:buClr>
-              <a:buSzPts val="1800"/>
-            </a:pPr>
-            <a:r>
-              <a:rPr lang="en-US" altLang="ko-KR" b="1" dirty="0">
-                <a:solidFill>
-                  <a:schemeClr val="dk1"/>
-                </a:solidFill>
-                <a:latin typeface="Malgun Gothic"/>
-                <a:ea typeface="Malgun Gothic"/>
-                <a:cs typeface="Malgun Gothic"/>
-                <a:sym typeface="Malgun Gothic"/>
-              </a:rPr>
-              <a:t>2</a:t>
-            </a:r>
-            <a:endParaRPr b="1" dirty="0">
-              <a:solidFill>
-                <a:schemeClr val="dk1"/>
-              </a:solidFill>
-              <a:latin typeface="Malgun Gothic"/>
-              <a:ea typeface="Malgun Gothic"/>
-              <a:cs typeface="Malgun Gothic"/>
-              <a:sym typeface="Malgun Gothic"/>
-            </a:endParaRPr>
-          </a:p>
-        </p:txBody>
-      </p:sp>
-      <p:sp>
-        <p:nvSpPr>
-          <p:cNvPr id="196" name="Google Shape;196;g7c553259d1_0_81"/>
-          <p:cNvSpPr/>
-          <p:nvPr/>
-        </p:nvSpPr>
-        <p:spPr>
-          <a:xfrm>
-            <a:off x="5732432" y="783913"/>
-            <a:ext cx="245944" cy="324600"/>
-          </a:xfrm>
-          <a:prstGeom prst="rect">
-            <a:avLst/>
-          </a:prstGeom>
-          <a:solidFill>
-            <a:srgbClr val="FF0000"/>
-          </a:solidFill>
-          <a:ln>
-            <a:noFill/>
-          </a:ln>
-        </p:spPr>
-        <p:txBody>
-          <a:bodyPr spcFirstLastPara="1" wrap="square" lIns="91425" tIns="45700" rIns="91425" bIns="45700" anchor="ctr" anchorCtr="0">
-            <a:noAutofit/>
-          </a:bodyPr>
-          <a:lstStyle/>
-          <a:p>
-            <a:pPr algn="ctr">
-              <a:buClr>
-                <a:srgbClr val="000000"/>
-              </a:buClr>
-              <a:buSzPts val="1800"/>
-            </a:pPr>
-            <a:r>
-              <a:rPr lang="en-US" altLang="ko-KR" b="1" dirty="0">
-                <a:solidFill>
-                  <a:schemeClr val="dk1"/>
-                </a:solidFill>
-                <a:latin typeface="Malgun Gothic"/>
-                <a:ea typeface="Malgun Gothic"/>
-                <a:cs typeface="Malgun Gothic"/>
-                <a:sym typeface="Malgun Gothic"/>
-              </a:rPr>
-              <a:t>3</a:t>
-            </a:r>
-            <a:endParaRPr b="1" dirty="0">
-              <a:solidFill>
-                <a:schemeClr val="dk1"/>
-              </a:solidFill>
-              <a:latin typeface="Malgun Gothic"/>
-              <a:ea typeface="Malgun Gothic"/>
-              <a:cs typeface="Malgun Gothic"/>
-              <a:sym typeface="Malgun Gothic"/>
-            </a:endParaRPr>
-          </a:p>
-        </p:txBody>
-      </p:sp>
-      <p:pic>
-        <p:nvPicPr>
-          <p:cNvPr id="16" name="그림 15"/>
-          <p:cNvPicPr>
-            <a:picLocks noChangeAspect="1"/>
-          </p:cNvPicPr>
-          <p:nvPr/>
-        </p:nvPicPr>
-        <p:blipFill>
-          <a:blip r:embed="rId3"/>
-          <a:stretch>
-            <a:fillRect/>
-          </a:stretch>
-        </p:blipFill>
-        <p:spPr>
-          <a:xfrm>
-            <a:off x="1410998" y="2089667"/>
-            <a:ext cx="6246845" cy="1587572"/>
-          </a:xfrm>
-          <a:prstGeom prst="rect">
-            <a:avLst/>
-          </a:prstGeom>
-        </p:spPr>
-      </p:pic>
       <p:graphicFrame>
         <p:nvGraphicFramePr>
-          <p:cNvPr id="15" name="Google Shape;165;g7c553259d1_0_81"/>
-          <p:cNvGraphicFramePr/>
-          <p:nvPr>
-            <p:extLst/>
-          </p:nvPr>
-        </p:nvGraphicFramePr>
-        <p:xfrm>
-          <a:off x="1275710" y="244417"/>
-          <a:ext cx="6048672" cy="864096"/>
-        </p:xfrm>
-        <a:graphic>
-          <a:graphicData uri="http://schemas.openxmlformats.org/drawingml/2006/table">
-            <a:tbl>
-              <a:tblPr firstRow="1" bandRow="1">
-                <a:noFill/>
-              </a:tblPr>
-              <a:tblGrid>
-                <a:gridCol w="1152128">
-                  <a:extLst>
-                    <a:ext uri="{9D8B030D-6E8A-4147-A177-3AD203B41FA5}">
-                      <a16:colId xmlns:a16="http://schemas.microsoft.com/office/drawing/2014/main" xmlns="" val="20000"/>
-                    </a:ext>
-                  </a:extLst>
-                </a:gridCol>
-                <a:gridCol w="4896544">
-                  <a:extLst>
-                    <a:ext uri="{9D8B030D-6E8A-4147-A177-3AD203B41FA5}">
-                      <a16:colId xmlns:a16="http://schemas.microsoft.com/office/drawing/2014/main" xmlns="" val="20001"/>
-                    </a:ext>
-                  </a:extLst>
-                </a:gridCol>
-              </a:tblGrid>
-              <a:tr h="864096">
-                <a:tc>
-                  <a:txBody>
-                    <a:bodyPr/>
-                    <a:lstStyle/>
-                    <a:p>
-                      <a:pPr marL="0" marR="0" lvl="0" indent="0" algn="ctr" rtl="0">
-                        <a:lnSpc>
-                          <a:spcPct val="100000"/>
-                        </a:lnSpc>
-                        <a:spcBef>
-                          <a:spcPts val="0"/>
-                        </a:spcBef>
-                        <a:spcAft>
-                          <a:spcPts val="0"/>
-                        </a:spcAft>
-                        <a:buClr>
-                          <a:srgbClr val="000000"/>
-                        </a:buClr>
-                        <a:buSzPts val="1500"/>
-                        <a:buFont typeface="Arial"/>
-                        <a:buNone/>
-                      </a:pPr>
-                      <a:r>
-                        <a:rPr lang="ko-KR" altLang="en-US" sz="1500" b="0" u="none" strike="noStrike" cap="none" dirty="0" err="1" smtClean="0">
-                          <a:solidFill>
-                            <a:schemeClr val="dk1"/>
-                          </a:solidFill>
-                        </a:rPr>
-                        <a:t>화면명</a:t>
-                      </a:r>
-                      <a:endParaRPr sz="1500" b="0" u="none" strike="noStrike" cap="none" dirty="0">
-                        <a:solidFill>
-                          <a:schemeClr val="dk1"/>
-                        </a:solidFill>
-                      </a:endParaRPr>
-                    </a:p>
-                  </a:txBody>
-                  <a:tcPr marL="74304" marR="74304" marT="45725" marB="45725" anchor="ctr">
-                    <a:lnL w="12700" cap="flat" cmpd="sng">
-                      <a:solidFill>
-                        <a:schemeClr val="dk1"/>
-                      </a:solidFill>
-                      <a:prstDash val="solid"/>
-                      <a:round/>
-                      <a:headEnd type="none" w="sm" len="sm"/>
-                      <a:tailEnd type="none" w="sm" len="sm"/>
-                    </a:lnL>
-                    <a:lnR w="12700" cap="flat" cmpd="sng">
-                      <a:solidFill>
-                        <a:schemeClr val="dk1"/>
-                      </a:solidFill>
-                      <a:prstDash val="solid"/>
-                      <a:round/>
-                      <a:headEnd type="none" w="sm" len="sm"/>
-                      <a:tailEnd type="none" w="sm" len="sm"/>
-                    </a:lnR>
-                    <a:lnT w="12700" cap="flat" cmpd="sng">
-                      <a:solidFill>
-                        <a:schemeClr val="dk1"/>
-                      </a:solidFill>
-                      <a:prstDash val="solid"/>
-                      <a:round/>
-                      <a:headEnd type="none" w="sm" len="sm"/>
-                      <a:tailEnd type="none" w="sm" len="sm"/>
-                    </a:lnT>
-                    <a:lnB w="12700" cap="flat" cmpd="sng">
-                      <a:solidFill>
-                        <a:schemeClr val="dk1"/>
-                      </a:solidFill>
-                      <a:prstDash val="solid"/>
-                      <a:round/>
-                      <a:headEnd type="none" w="sm" len="sm"/>
-                      <a:tailEnd type="none" w="sm" len="sm"/>
-                    </a:lnB>
-                    <a:solidFill>
-                      <a:srgbClr val="D8D8D8"/>
-                    </a:solidFill>
-                  </a:tcPr>
-                </a:tc>
-                <a:tc>
-                  <a:txBody>
-                    <a:bodyPr/>
-                    <a:lstStyle/>
-                    <a:p>
-                      <a:pPr marL="0" marR="0" lvl="0" indent="0" algn="ctr" defTabSz="914400" rtl="0" eaLnBrk="1" fontAlgn="auto" latinLnBrk="1" hangingPunct="1">
-                        <a:lnSpc>
-                          <a:spcPct val="100000"/>
-                        </a:lnSpc>
-                        <a:spcBef>
-                          <a:spcPts val="0"/>
-                        </a:spcBef>
-                        <a:spcAft>
-                          <a:spcPts val="0"/>
-                        </a:spcAft>
-                        <a:buClr>
-                          <a:srgbClr val="000000"/>
-                        </a:buClr>
-                        <a:buSzPts val="1500"/>
-                        <a:buFont typeface="Arial"/>
-                        <a:buNone/>
-                        <a:tabLst/>
-                        <a:defRPr/>
-                      </a:pPr>
-                      <a:r>
-                        <a:rPr lang="ko-KR" altLang="en-US" sz="2800" b="0" u="none" strike="noStrike" cap="none" dirty="0" err="1" smtClean="0">
-                          <a:solidFill>
-                            <a:schemeClr val="dk1"/>
-                          </a:solidFill>
-                        </a:rPr>
-                        <a:t>메인페이지</a:t>
-                      </a:r>
-                      <a:r>
-                        <a:rPr lang="ko-KR" altLang="en-US" sz="1500" b="0" u="none" strike="noStrike" cap="none" baseline="0" dirty="0">
-                          <a:solidFill>
-                            <a:schemeClr val="dk1"/>
-                          </a:solidFill>
-                        </a:rPr>
-                        <a:t> </a:t>
-                      </a:r>
-                      <a:r>
-                        <a:rPr lang="en-US" altLang="ko-KR" sz="1500" b="0" u="none" strike="noStrike" cap="none" baseline="0" smtClean="0">
-                          <a:solidFill>
-                            <a:schemeClr val="dk1"/>
-                          </a:solidFill>
-                        </a:rPr>
-                        <a:t>-  FOOTER</a:t>
-                      </a:r>
-                      <a:endParaRPr lang="ko-KR" altLang="en-US" sz="1500" b="0" u="none" strike="noStrike" cap="none" dirty="0" smtClean="0">
-                        <a:solidFill>
-                          <a:schemeClr val="dk1"/>
-                        </a:solidFill>
-                      </a:endParaRPr>
-                    </a:p>
-                  </a:txBody>
-                  <a:tcPr marL="74304" marR="74304" marT="45725" marB="45725" anchor="ctr">
-                    <a:lnL w="12700" cap="flat" cmpd="sng">
-                      <a:solidFill>
-                        <a:schemeClr val="dk1"/>
-                      </a:solidFill>
-                      <a:prstDash val="solid"/>
-                      <a:round/>
-                      <a:headEnd type="none" w="sm" len="sm"/>
-                      <a:tailEnd type="none" w="sm" len="sm"/>
-                    </a:lnL>
-                    <a:lnR w="12700" cap="flat" cmpd="sng">
-                      <a:solidFill>
-                        <a:schemeClr val="dk1"/>
-                      </a:solidFill>
-                      <a:prstDash val="solid"/>
-                      <a:round/>
-                      <a:headEnd type="none" w="sm" len="sm"/>
-                      <a:tailEnd type="none" w="sm" len="sm"/>
-                    </a:lnR>
-                    <a:lnT w="12700" cap="flat" cmpd="sng">
-                      <a:solidFill>
-                        <a:schemeClr val="dk1"/>
-                      </a:solidFill>
-                      <a:prstDash val="solid"/>
-                      <a:round/>
-                      <a:headEnd type="none" w="sm" len="sm"/>
-                      <a:tailEnd type="none" w="sm" len="sm"/>
-                    </a:lnT>
-                    <a:lnB w="12700" cap="flat" cmpd="sng">
-                      <a:solidFill>
-                        <a:schemeClr val="dk1"/>
-                      </a:solidFill>
-                      <a:prstDash val="solid"/>
-                      <a:round/>
-                      <a:headEnd type="none" w="sm" len="sm"/>
-                      <a:tailEnd type="none" w="sm" len="sm"/>
-                    </a:lnB>
-                    <a:solidFill>
-                      <a:schemeClr val="lt1"/>
-                    </a:solidFill>
-                  </a:tcPr>
-                </a:tc>
-                <a:extLst>
-                  <a:ext uri="{0D108BD9-81ED-4DB2-BD59-A6C34878D82A}">
-                    <a16:rowId xmlns:a16="http://schemas.microsoft.com/office/drawing/2014/main" xmlns="" val="10000"/>
-                  </a:ext>
-                </a:extLst>
-              </a:tr>
-            </a:tbl>
-          </a:graphicData>
-        </a:graphic>
-      </p:graphicFrame>
-      <p:graphicFrame>
-        <p:nvGraphicFramePr>
-          <p:cNvPr id="17" name="표 16"/>
+          <p:cNvPr id="12" name="표 11"/>
           <p:cNvGraphicFramePr>
             <a:graphicFrameLocks noGrp="1"/>
           </p:cNvGraphicFramePr>
@@ -11315,7 +10410,7 @@
           </p:nvPr>
         </p:nvGraphicFramePr>
         <p:xfrm>
-          <a:off x="8041622" y="356415"/>
+          <a:off x="7802724" y="2415875"/>
           <a:ext cx="1944216" cy="640100"/>
         </p:xfrm>
         <a:graphic>
@@ -11327,7 +10422,7 @@
               <a:tblGrid>
                 <a:gridCol w="1944216"/>
               </a:tblGrid>
-              <a:tr h="168164">
+              <a:tr h="300044">
                 <a:tc>
                   <a:txBody>
                     <a:bodyPr/>
@@ -11408,7 +10503,7 @@
                   </a:tcPr>
                 </a:tc>
               </a:tr>
-              <a:tr h="168164">
+              <a:tr h="300044">
                 <a:tc>
                   <a:txBody>
                     <a:bodyPr/>
@@ -11434,12 +10529,12 @@
                         <a:defRPr/>
                       </a:pPr>
                       <a:r>
-                        <a:rPr lang="en-US" altLang="ko-KR" sz="1500" b="0" u="none" strike="noStrike" cap="none" dirty="0" err="1" smtClean="0">
-                          <a:solidFill>
-                            <a:schemeClr val="dk1"/>
-                          </a:solidFill>
-                        </a:rPr>
-                        <a:t>kb_user_w_main</a:t>
+                        <a:rPr lang="en-US" altLang="ko-KR" sz="1500" b="0" u="none" strike="noStrike" cap="none" smtClean="0">
+                          <a:solidFill>
+                            <a:schemeClr val="dk1"/>
+                          </a:solidFill>
+                        </a:rPr>
+                        <a:t>kb_user_w_login</a:t>
                       </a:r>
                       <a:endParaRPr lang="en-US" altLang="ko-KR" sz="1500" b="0" u="none" strike="noStrike" cap="none" dirty="0" smtClean="0">
                         <a:solidFill>
@@ -11498,7 +10593,7 @@
     </p:spTree>
     <p:extLst>
       <p:ext uri="{BB962C8B-B14F-4D97-AF65-F5344CB8AC3E}">
-        <p14:creationId xmlns:p14="http://schemas.microsoft.com/office/powerpoint/2010/main" val="2021515159"/>
+        <p14:creationId xmlns:p14="http://schemas.microsoft.com/office/powerpoint/2010/main" val="1725559098"/>
       </p:ext>
     </p:extLst>
   </p:cSld>
@@ -11515,12 +10610,12 @@
 </p:sld>
 </file>
 
-<file path=ppt/slides/slide6.xml><?xml version="1.0" encoding="utf-8"?>
+<file path=ppt/slides/slide7.xml><?xml version="1.0" encoding="utf-8"?>
 <p:sld xmlns:a="http://schemas.openxmlformats.org/drawingml/2006/main" xmlns:r="http://schemas.openxmlformats.org/officeDocument/2006/relationships" xmlns:p="http://schemas.openxmlformats.org/presentationml/2006/main">
   <p:cSld>
     <p:spTree>
       <p:nvGrpSpPr>
-        <p:cNvPr id="1" name="Shape 163"/>
+        <p:cNvPr id="1" name=""/>
         <p:cNvGrpSpPr/>
         <p:nvPr/>
       </p:nvGrpSpPr>
@@ -11534,7 +10629,49 @@
       </p:grpSpPr>
       <p:sp>
         <p:nvSpPr>
-          <p:cNvPr id="164" name="Google Shape;164;g7c553259d1_0_81"/>
+          <p:cNvPr id="2" name="제목 1"/>
+          <p:cNvSpPr>
+            <a:spLocks noGrp="1"/>
+          </p:cNvSpPr>
+          <p:nvPr>
+            <p:ph type="title"/>
+          </p:nvPr>
+        </p:nvSpPr>
+        <p:spPr/>
+        <p:txBody>
+          <a:bodyPr>
+            <a:noAutofit/>
+          </a:bodyPr>
+          <a:lstStyle/>
+          <a:p>
+            <a:pPr>
+              <a:lnSpc>
+                <a:spcPct val="100000"/>
+              </a:lnSpc>
+              <a:spcBef>
+                <a:spcPts val="0"/>
+              </a:spcBef>
+              <a:buClr>
+                <a:srgbClr val="000000"/>
+              </a:buClr>
+              <a:buSzPts val="1500"/>
+              <a:defRPr/>
+            </a:pPr>
+            <a:r>
+              <a:rPr lang="ko-KR" altLang="en-US" sz="4400" b="0"/>
+              <a:t>세미나존 </a:t>
+            </a:r>
+            <a:r>
+              <a:rPr lang="ko-KR" altLang="en-US" sz="4400" b="0" smtClean="0"/>
+              <a:t>정보</a:t>
+            </a:r>
+            <a:endParaRPr lang="ko-KR" altLang="en-US" sz="4400" b="0" dirty="0"/>
+          </a:p>
+        </p:txBody>
+      </p:sp>
+      <p:sp>
+        <p:nvSpPr>
+          <p:cNvPr id="8" name="Google Shape;164;g7c553259d1_0_81"/>
           <p:cNvSpPr/>
           <p:nvPr/>
         </p:nvSpPr>
@@ -11585,7 +10722,7 @@
       </p:sp>
       <p:sp>
         <p:nvSpPr>
-          <p:cNvPr id="168" name="Google Shape;168;g7c553259d1_0_81"/>
+          <p:cNvPr id="9" name="Google Shape;168;g7c553259d1_0_81"/>
           <p:cNvSpPr/>
           <p:nvPr/>
         </p:nvSpPr>
@@ -11636,14 +10773,14 @@
       </p:sp>
       <p:graphicFrame>
         <p:nvGraphicFramePr>
-          <p:cNvPr id="169" name="Google Shape;169;g7c553259d1_0_81"/>
+          <p:cNvPr id="10" name="Google Shape;169;g7c553259d1_0_81"/>
           <p:cNvGraphicFramePr/>
           <p:nvPr>
             <p:extLst/>
           </p:nvPr>
         </p:nvGraphicFramePr>
         <p:xfrm>
-          <a:off x="8057120" y="1289960"/>
+          <a:off x="8213589" y="4016684"/>
           <a:ext cx="2869750" cy="2220724"/>
         </p:xfrm>
         <a:graphic>
@@ -12144,301 +11281,16 @@
           </a:graphicData>
         </a:graphic>
       </p:graphicFrame>
-      <p:sp>
-        <p:nvSpPr>
-          <p:cNvPr id="204" name="Google Shape;204;g7c553259d1_0_81"/>
-          <p:cNvSpPr/>
-          <p:nvPr/>
-        </p:nvSpPr>
-        <p:spPr>
-          <a:xfrm>
-            <a:off x="6828821" y="783913"/>
-            <a:ext cx="245944" cy="324600"/>
-          </a:xfrm>
-          <a:prstGeom prst="rect">
-            <a:avLst/>
-          </a:prstGeom>
-          <a:solidFill>
-            <a:srgbClr val="FF0000"/>
-          </a:solidFill>
-          <a:ln>
-            <a:noFill/>
-          </a:ln>
-        </p:spPr>
-        <p:txBody>
-          <a:bodyPr spcFirstLastPara="1" wrap="square" lIns="91425" tIns="45700" rIns="91425" bIns="45700" anchor="ctr" anchorCtr="0">
-            <a:noAutofit/>
-          </a:bodyPr>
-          <a:lstStyle/>
-          <a:p>
-            <a:pPr algn="ctr">
-              <a:buClr>
-                <a:srgbClr val="000000"/>
-              </a:buClr>
-              <a:buSzPts val="1800"/>
-            </a:pPr>
-            <a:r>
-              <a:rPr lang="en-US" altLang="ko-KR" b="1">
-                <a:solidFill>
-                  <a:schemeClr val="dk1"/>
-                </a:solidFill>
-                <a:latin typeface="Malgun Gothic"/>
-                <a:ea typeface="Malgun Gothic"/>
-                <a:cs typeface="Malgun Gothic"/>
-                <a:sym typeface="Malgun Gothic"/>
-              </a:rPr>
-              <a:t>6</a:t>
-            </a:r>
-            <a:endParaRPr b="1">
-              <a:solidFill>
-                <a:schemeClr val="dk1"/>
-              </a:solidFill>
-              <a:latin typeface="Malgun Gothic"/>
-              <a:ea typeface="Malgun Gothic"/>
-              <a:cs typeface="Malgun Gothic"/>
-              <a:sym typeface="Malgun Gothic"/>
-            </a:endParaRPr>
-          </a:p>
-        </p:txBody>
-      </p:sp>
-      <p:sp>
-        <p:nvSpPr>
-          <p:cNvPr id="207" name="Google Shape;207;g7c553259d1_0_81"/>
-          <p:cNvSpPr/>
-          <p:nvPr/>
-        </p:nvSpPr>
-        <p:spPr>
-          <a:xfrm>
-            <a:off x="6081108" y="783913"/>
-            <a:ext cx="245944" cy="324600"/>
-          </a:xfrm>
-          <a:prstGeom prst="rect">
-            <a:avLst/>
-          </a:prstGeom>
-          <a:solidFill>
-            <a:srgbClr val="FF0000"/>
-          </a:solidFill>
-          <a:ln>
-            <a:noFill/>
-          </a:ln>
-        </p:spPr>
-        <p:txBody>
-          <a:bodyPr spcFirstLastPara="1" wrap="square" lIns="91425" tIns="45700" rIns="91425" bIns="45700" anchor="ctr" anchorCtr="0">
-            <a:noAutofit/>
-          </a:bodyPr>
-          <a:lstStyle/>
-          <a:p>
-            <a:pPr algn="ctr">
-              <a:buClr>
-                <a:srgbClr val="000000"/>
-              </a:buClr>
-              <a:buSzPts val="1800"/>
-            </a:pPr>
-            <a:r>
-              <a:rPr lang="en-US" altLang="ko-KR" b="1" dirty="0">
-                <a:solidFill>
-                  <a:schemeClr val="dk1"/>
-                </a:solidFill>
-                <a:latin typeface="Malgun Gothic"/>
-                <a:ea typeface="Malgun Gothic"/>
-                <a:cs typeface="Malgun Gothic"/>
-                <a:sym typeface="Malgun Gothic"/>
-              </a:rPr>
-              <a:t>4</a:t>
-            </a:r>
-            <a:endParaRPr b="1" dirty="0">
-              <a:solidFill>
-                <a:schemeClr val="dk1"/>
-              </a:solidFill>
-              <a:latin typeface="Malgun Gothic"/>
-              <a:ea typeface="Malgun Gothic"/>
-              <a:cs typeface="Malgun Gothic"/>
-              <a:sym typeface="Malgun Gothic"/>
-            </a:endParaRPr>
-          </a:p>
-        </p:txBody>
-      </p:sp>
-      <p:sp>
-        <p:nvSpPr>
-          <p:cNvPr id="208" name="Google Shape;208;g7c553259d1_0_81"/>
-          <p:cNvSpPr/>
-          <p:nvPr/>
-        </p:nvSpPr>
-        <p:spPr>
-          <a:xfrm>
-            <a:off x="6458914" y="789578"/>
-            <a:ext cx="245944" cy="324600"/>
-          </a:xfrm>
-          <a:prstGeom prst="rect">
-            <a:avLst/>
-          </a:prstGeom>
-          <a:solidFill>
-            <a:srgbClr val="FF0000"/>
-          </a:solidFill>
-          <a:ln>
-            <a:noFill/>
-          </a:ln>
-        </p:spPr>
-        <p:txBody>
-          <a:bodyPr spcFirstLastPara="1" wrap="square" lIns="91425" tIns="45700" rIns="91425" bIns="45700" anchor="ctr" anchorCtr="0">
-            <a:noAutofit/>
-          </a:bodyPr>
-          <a:lstStyle/>
-          <a:p>
-            <a:pPr algn="ctr">
-              <a:buClr>
-                <a:srgbClr val="000000"/>
-              </a:buClr>
-              <a:buSzPts val="1800"/>
-            </a:pPr>
-            <a:r>
-              <a:rPr lang="en-US" altLang="ko-KR" b="1" dirty="0">
-                <a:solidFill>
-                  <a:schemeClr val="dk1"/>
-                </a:solidFill>
-                <a:latin typeface="Malgun Gothic"/>
-                <a:ea typeface="Malgun Gothic"/>
-                <a:cs typeface="Malgun Gothic"/>
-                <a:sym typeface="Malgun Gothic"/>
-              </a:rPr>
-              <a:t>5</a:t>
-            </a:r>
-            <a:endParaRPr b="1" dirty="0">
-              <a:solidFill>
-                <a:schemeClr val="dk1"/>
-              </a:solidFill>
-              <a:latin typeface="Malgun Gothic"/>
-              <a:ea typeface="Malgun Gothic"/>
-              <a:cs typeface="Malgun Gothic"/>
-              <a:sym typeface="Malgun Gothic"/>
-            </a:endParaRPr>
-          </a:p>
-        </p:txBody>
-      </p:sp>
-      <p:sp>
-        <p:nvSpPr>
-          <p:cNvPr id="174" name="Google Shape;174;g7c553259d1_0_81"/>
-          <p:cNvSpPr/>
-          <p:nvPr/>
-        </p:nvSpPr>
-        <p:spPr>
-          <a:xfrm>
-            <a:off x="5354626" y="783913"/>
-            <a:ext cx="245944" cy="324600"/>
-          </a:xfrm>
-          <a:prstGeom prst="rect">
-            <a:avLst/>
-          </a:prstGeom>
-          <a:solidFill>
-            <a:srgbClr val="FF0000"/>
-          </a:solidFill>
-          <a:ln>
-            <a:noFill/>
-          </a:ln>
-        </p:spPr>
-        <p:txBody>
-          <a:bodyPr spcFirstLastPara="1" wrap="square" lIns="91425" tIns="45700" rIns="91425" bIns="45700" anchor="ctr" anchorCtr="0">
-            <a:noAutofit/>
-          </a:bodyPr>
-          <a:lstStyle/>
-          <a:p>
-            <a:pPr algn="ctr">
-              <a:buClr>
-                <a:srgbClr val="000000"/>
-              </a:buClr>
-              <a:buSzPts val="1800"/>
-            </a:pPr>
-            <a:r>
-              <a:rPr lang="en-US" altLang="ko-KR" b="1" dirty="0">
-                <a:solidFill>
-                  <a:schemeClr val="dk1"/>
-                </a:solidFill>
-                <a:latin typeface="Malgun Gothic"/>
-                <a:ea typeface="Malgun Gothic"/>
-                <a:cs typeface="Malgun Gothic"/>
-                <a:sym typeface="Malgun Gothic"/>
-              </a:rPr>
-              <a:t>2</a:t>
-            </a:r>
-            <a:endParaRPr b="1" dirty="0">
-              <a:solidFill>
-                <a:schemeClr val="dk1"/>
-              </a:solidFill>
-              <a:latin typeface="Malgun Gothic"/>
-              <a:ea typeface="Malgun Gothic"/>
-              <a:cs typeface="Malgun Gothic"/>
-              <a:sym typeface="Malgun Gothic"/>
-            </a:endParaRPr>
-          </a:p>
-        </p:txBody>
-      </p:sp>
-      <p:sp>
-        <p:nvSpPr>
-          <p:cNvPr id="196" name="Google Shape;196;g7c553259d1_0_81"/>
-          <p:cNvSpPr/>
-          <p:nvPr/>
-        </p:nvSpPr>
-        <p:spPr>
-          <a:xfrm>
-            <a:off x="5732432" y="783913"/>
-            <a:ext cx="245944" cy="324600"/>
-          </a:xfrm>
-          <a:prstGeom prst="rect">
-            <a:avLst/>
-          </a:prstGeom>
-          <a:solidFill>
-            <a:srgbClr val="FF0000"/>
-          </a:solidFill>
-          <a:ln>
-            <a:noFill/>
-          </a:ln>
-        </p:spPr>
-        <p:txBody>
-          <a:bodyPr spcFirstLastPara="1" wrap="square" lIns="91425" tIns="45700" rIns="91425" bIns="45700" anchor="ctr" anchorCtr="0">
-            <a:noAutofit/>
-          </a:bodyPr>
-          <a:lstStyle/>
-          <a:p>
-            <a:pPr algn="ctr">
-              <a:buClr>
-                <a:srgbClr val="000000"/>
-              </a:buClr>
-              <a:buSzPts val="1800"/>
-            </a:pPr>
-            <a:r>
-              <a:rPr lang="en-US" altLang="ko-KR" b="1" dirty="0">
-                <a:solidFill>
-                  <a:schemeClr val="dk1"/>
-                </a:solidFill>
-                <a:latin typeface="Malgun Gothic"/>
-                <a:ea typeface="Malgun Gothic"/>
-                <a:cs typeface="Malgun Gothic"/>
-                <a:sym typeface="Malgun Gothic"/>
-              </a:rPr>
-              <a:t>3</a:t>
-            </a:r>
-            <a:endParaRPr b="1" dirty="0">
-              <a:solidFill>
-                <a:schemeClr val="dk1"/>
-              </a:solidFill>
-              <a:latin typeface="Malgun Gothic"/>
-              <a:ea typeface="Malgun Gothic"/>
-              <a:cs typeface="Malgun Gothic"/>
-              <a:sym typeface="Malgun Gothic"/>
-            </a:endParaRPr>
-          </a:p>
-        </p:txBody>
-      </p:sp>
       <p:pic>
         <p:nvPicPr>
-          <p:cNvPr id="4" name="그림 3"/>
+          <p:cNvPr id="11" name="그림 10"/>
           <p:cNvPicPr>
             <a:picLocks noChangeAspect="1"/>
           </p:cNvPicPr>
           <p:nvPr/>
         </p:nvPicPr>
         <p:blipFill>
-          <a:blip r:embed="rId3"/>
+          <a:blip r:embed="rId2"/>
           <a:stretch>
             <a:fillRect/>
           </a:stretch>
@@ -12455,7 +11307,7 @@
       </p:pic>
       <p:sp>
         <p:nvSpPr>
-          <p:cNvPr id="173" name="Google Shape;173;g7c553259d1_0_81"/>
+          <p:cNvPr id="12" name="Google Shape;173;g7c553259d1_0_81"/>
           <p:cNvSpPr/>
           <p:nvPr/>
         </p:nvSpPr>
@@ -12512,212 +11364,7 @@
       </p:sp>
       <p:graphicFrame>
         <p:nvGraphicFramePr>
-          <p:cNvPr id="15" name="Google Shape;165;g7c553259d1_0_81"/>
-          <p:cNvGraphicFramePr/>
-          <p:nvPr>
-            <p:extLst/>
-          </p:nvPr>
-        </p:nvGraphicFramePr>
-        <p:xfrm>
-          <a:off x="1275710" y="244417"/>
-          <a:ext cx="6048672" cy="864096"/>
-        </p:xfrm>
-        <a:graphic>
-          <a:graphicData uri="http://schemas.openxmlformats.org/drawingml/2006/table">
-            <a:tbl>
-              <a:tblPr firstRow="1" bandRow="1">
-                <a:noFill/>
-              </a:tblPr>
-              <a:tblGrid>
-                <a:gridCol w="1152128">
-                  <a:extLst>
-                    <a:ext uri="{9D8B030D-6E8A-4147-A177-3AD203B41FA5}">
-                      <a16:colId xmlns:a16="http://schemas.microsoft.com/office/drawing/2014/main" xmlns="" val="20000"/>
-                    </a:ext>
-                  </a:extLst>
-                </a:gridCol>
-                <a:gridCol w="4896544">
-                  <a:extLst>
-                    <a:ext uri="{9D8B030D-6E8A-4147-A177-3AD203B41FA5}">
-                      <a16:colId xmlns:a16="http://schemas.microsoft.com/office/drawing/2014/main" xmlns="" val="20001"/>
-                    </a:ext>
-                  </a:extLst>
-                </a:gridCol>
-              </a:tblGrid>
-              <a:tr h="864096">
-                <a:tc>
-                  <a:txBody>
-                    <a:bodyPr/>
-                    <a:lstStyle/>
-                    <a:p>
-                      <a:pPr marL="0" marR="0" lvl="0" indent="0" algn="ctr" rtl="0">
-                        <a:lnSpc>
-                          <a:spcPct val="100000"/>
-                        </a:lnSpc>
-                        <a:spcBef>
-                          <a:spcPts val="0"/>
-                        </a:spcBef>
-                        <a:spcAft>
-                          <a:spcPts val="0"/>
-                        </a:spcAft>
-                        <a:buClr>
-                          <a:srgbClr val="000000"/>
-                        </a:buClr>
-                        <a:buSzPts val="1500"/>
-                        <a:buFont typeface="Arial"/>
-                        <a:buNone/>
-                      </a:pPr>
-                      <a:r>
-                        <a:rPr lang="ko-KR" altLang="en-US" sz="1500" b="0" u="none" strike="noStrike" cap="none" dirty="0" err="1" smtClean="0">
-                          <a:solidFill>
-                            <a:schemeClr val="dk1"/>
-                          </a:solidFill>
-                        </a:rPr>
-                        <a:t>화면명</a:t>
-                      </a:r>
-                      <a:endParaRPr sz="1500" b="0" u="none" strike="noStrike" cap="none" dirty="0">
-                        <a:solidFill>
-                          <a:schemeClr val="dk1"/>
-                        </a:solidFill>
-                      </a:endParaRPr>
-                    </a:p>
-                  </a:txBody>
-                  <a:tcPr marL="74304" marR="74304" marT="45725" marB="45725" anchor="ctr">
-                    <a:lnL w="12700" cap="flat" cmpd="sng">
-                      <a:solidFill>
-                        <a:schemeClr val="dk1"/>
-                      </a:solidFill>
-                      <a:prstDash val="solid"/>
-                      <a:round/>
-                      <a:headEnd type="none" w="sm" len="sm"/>
-                      <a:tailEnd type="none" w="sm" len="sm"/>
-                    </a:lnL>
-                    <a:lnR w="12700" cap="flat" cmpd="sng">
-                      <a:solidFill>
-                        <a:schemeClr val="dk1"/>
-                      </a:solidFill>
-                      <a:prstDash val="solid"/>
-                      <a:round/>
-                      <a:headEnd type="none" w="sm" len="sm"/>
-                      <a:tailEnd type="none" w="sm" len="sm"/>
-                    </a:lnR>
-                    <a:lnT w="12700" cap="flat" cmpd="sng">
-                      <a:solidFill>
-                        <a:schemeClr val="dk1"/>
-                      </a:solidFill>
-                      <a:prstDash val="solid"/>
-                      <a:round/>
-                      <a:headEnd type="none" w="sm" len="sm"/>
-                      <a:tailEnd type="none" w="sm" len="sm"/>
-                    </a:lnT>
-                    <a:lnB w="12700" cap="flat" cmpd="sng">
-                      <a:solidFill>
-                        <a:schemeClr val="dk1"/>
-                      </a:solidFill>
-                      <a:prstDash val="solid"/>
-                      <a:round/>
-                      <a:headEnd type="none" w="sm" len="sm"/>
-                      <a:tailEnd type="none" w="sm" len="sm"/>
-                    </a:lnB>
-                    <a:solidFill>
-                      <a:srgbClr val="D8D8D8"/>
-                    </a:solidFill>
-                  </a:tcPr>
-                </a:tc>
-                <a:tc>
-                  <a:txBody>
-                    <a:bodyPr/>
-                    <a:lstStyle/>
-                    <a:p>
-                      <a:pPr marL="0" marR="0" lvl="0" indent="0" algn="ctr" defTabSz="914400" rtl="0" eaLnBrk="1" fontAlgn="auto" latinLnBrk="1" hangingPunct="1">
-                        <a:lnSpc>
-                          <a:spcPct val="100000"/>
-                        </a:lnSpc>
-                        <a:spcBef>
-                          <a:spcPts val="0"/>
-                        </a:spcBef>
-                        <a:spcAft>
-                          <a:spcPts val="0"/>
-                        </a:spcAft>
-                        <a:buClr>
-                          <a:srgbClr val="000000"/>
-                        </a:buClr>
-                        <a:buSzPts val="1500"/>
-                        <a:buFont typeface="Arial"/>
-                        <a:buNone/>
-                        <a:tabLst/>
-                        <a:defRPr/>
-                      </a:pPr>
-                      <a:r>
-                        <a:rPr lang="ko-KR" altLang="en-US" sz="2800" b="0" u="none" strike="noStrike" cap="none" baseline="0" smtClean="0">
-                          <a:solidFill>
-                            <a:schemeClr val="dk1"/>
-                          </a:solidFill>
-                        </a:rPr>
-                        <a:t>세미나존 정보</a:t>
-                      </a:r>
-                      <a:endParaRPr lang="ko-KR" altLang="en-US" sz="1500" b="0" u="none" strike="noStrike" cap="none" dirty="0" smtClean="0">
-                        <a:solidFill>
-                          <a:schemeClr val="dk1"/>
-                        </a:solidFill>
-                      </a:endParaRPr>
-                    </a:p>
-                  </a:txBody>
-                  <a:tcPr marL="74304" marR="74304" marT="45725" marB="45725" anchor="ctr">
-                    <a:lnL w="12700" cap="flat" cmpd="sng">
-                      <a:solidFill>
-                        <a:schemeClr val="dk1"/>
-                      </a:solidFill>
-                      <a:prstDash val="solid"/>
-                      <a:round/>
-                      <a:headEnd type="none" w="sm" len="sm"/>
-                      <a:tailEnd type="none" w="sm" len="sm"/>
-                    </a:lnL>
-                    <a:lnR w="12700" cap="flat" cmpd="sng">
-                      <a:solidFill>
-                        <a:schemeClr val="dk1"/>
-                      </a:solidFill>
-                      <a:prstDash val="solid"/>
-                      <a:round/>
-                      <a:headEnd type="none" w="sm" len="sm"/>
-                      <a:tailEnd type="none" w="sm" len="sm"/>
-                    </a:lnR>
-                    <a:lnT w="12700" cap="flat" cmpd="sng">
-                      <a:solidFill>
-                        <a:schemeClr val="dk1"/>
-                      </a:solidFill>
-                      <a:prstDash val="solid"/>
-                      <a:round/>
-                      <a:headEnd type="none" w="sm" len="sm"/>
-                      <a:tailEnd type="none" w="sm" len="sm"/>
-                    </a:lnT>
-                    <a:lnB w="12700" cap="flat" cmpd="sng">
-                      <a:solidFill>
-                        <a:schemeClr val="dk1"/>
-                      </a:solidFill>
-                      <a:prstDash val="solid"/>
-                      <a:round/>
-                      <a:headEnd type="none" w="sm" len="sm"/>
-                      <a:tailEnd type="none" w="sm" len="sm"/>
-                    </a:lnB>
-                    <a:solidFill>
-                      <a:schemeClr val="lt1"/>
-                    </a:solidFill>
-                  </a:tcPr>
-                </a:tc>
-                <a:extLst>
-                  <a:ext uri="{0D108BD9-81ED-4DB2-BD59-A6C34878D82A}">
-                    <a16:rowId xmlns:a16="http://schemas.microsoft.com/office/drawing/2014/main" xmlns="" val="10000"/>
-                  </a:ext>
-                </a:extLst>
-              </a:tr>
-            </a:tbl>
-          </a:graphicData>
-        </a:graphic>
-      </p:graphicFrame>
-      <p:graphicFrame>
-        <p:nvGraphicFramePr>
-          <p:cNvPr id="16" name="표 15"/>
+          <p:cNvPr id="13" name="표 12"/>
           <p:cNvGraphicFramePr>
             <a:graphicFrameLocks noGrp="1"/>
           </p:cNvGraphicFramePr>
@@ -12726,7 +11373,7 @@
           </p:nvPr>
         </p:nvGraphicFramePr>
         <p:xfrm>
-          <a:off x="8213589" y="356415"/>
+          <a:off x="8213589" y="2811291"/>
           <a:ext cx="2666077" cy="640100"/>
         </p:xfrm>
         <a:graphic>
@@ -12907,7 +11554,7 @@
     </p:spTree>
     <p:extLst>
       <p:ext uri="{BB962C8B-B14F-4D97-AF65-F5344CB8AC3E}">
-        <p14:creationId xmlns:p14="http://schemas.microsoft.com/office/powerpoint/2010/main" val="3785939130"/>
+        <p14:creationId xmlns:p14="http://schemas.microsoft.com/office/powerpoint/2010/main" val="3266938366"/>
       </p:ext>
     </p:extLst>
   </p:cSld>
@@ -12924,12 +11571,12 @@
 </p:sld>
 </file>
 
-<file path=ppt/slides/slide7.xml><?xml version="1.0" encoding="utf-8"?>
+<file path=ppt/slides/slide8.xml><?xml version="1.0" encoding="utf-8"?>
 <p:sld xmlns:a="http://schemas.openxmlformats.org/drawingml/2006/main" xmlns:r="http://schemas.openxmlformats.org/officeDocument/2006/relationships" xmlns:p="http://schemas.openxmlformats.org/presentationml/2006/main">
   <p:cSld>
     <p:spTree>
       <p:nvGrpSpPr>
-        <p:cNvPr id="1" name="Shape 163"/>
+        <p:cNvPr id="1" name=""/>
         <p:cNvGrpSpPr/>
         <p:nvPr/>
       </p:nvGrpSpPr>
@@ -12943,58 +11590,40 @@
       </p:grpSpPr>
       <p:sp>
         <p:nvSpPr>
-          <p:cNvPr id="164" name="Google Shape;164;g7c553259d1_0_81"/>
-          <p:cNvSpPr/>
-          <p:nvPr/>
+          <p:cNvPr id="2" name="제목 1"/>
+          <p:cNvSpPr>
+            <a:spLocks noGrp="1"/>
+          </p:cNvSpPr>
+          <p:nvPr>
+            <p:ph type="title"/>
+          </p:nvPr>
         </p:nvSpPr>
-        <p:spPr>
-          <a:xfrm>
-            <a:off x="4534420" y="5718862"/>
-            <a:ext cx="2789963" cy="292800"/>
-          </a:xfrm>
-          <a:prstGeom prst="rect">
-            <a:avLst/>
-          </a:prstGeom>
-          <a:solidFill>
-            <a:schemeClr val="lt1"/>
-          </a:solidFill>
-          <a:ln w="12700" cap="flat" cmpd="sng">
-            <a:solidFill>
-              <a:schemeClr val="dk1"/>
-            </a:solidFill>
-            <a:prstDash val="solid"/>
-            <a:miter lim="800000"/>
-            <a:headEnd type="none" w="sm" len="sm"/>
-            <a:tailEnd type="none" w="sm" len="sm"/>
-          </a:ln>
-        </p:spPr>
+        <p:spPr/>
         <p:txBody>
-          <a:bodyPr spcFirstLastPara="1" wrap="square" lIns="91425" tIns="45700" rIns="91425" bIns="45700" anchor="ctr" anchorCtr="0">
+          <a:bodyPr>
             <a:noAutofit/>
           </a:bodyPr>
           <a:lstStyle/>
           <a:p>
-            <a:pPr algn="ctr">
-              <a:buClr>
-                <a:srgbClr val="000000"/>
-              </a:buClr>
-              <a:buSzPts val="1800"/>
+            <a:pPr lvl="0">
+              <a:lnSpc>
+                <a:spcPct val="100000"/>
+              </a:lnSpc>
+              <a:spcBef>
+                <a:spcPts val="0"/>
+              </a:spcBef>
+              <a:defRPr/>
             </a:pPr>
-            <a:endParaRPr>
-              <a:solidFill>
-                <a:schemeClr val="dk1"/>
-              </a:solidFill>
-              <a:latin typeface="Malgun Gothic"/>
-              <a:ea typeface="Malgun Gothic"/>
-              <a:cs typeface="Malgun Gothic"/>
-              <a:sym typeface="Malgun Gothic"/>
-            </a:endParaRPr>
+            <a:r>
+              <a:rPr lang="ko-KR" altLang="en-US" sz="4400" b="0"/>
+              <a:t>세미나존 후기 목록</a:t>
+            </a:r>
           </a:p>
         </p:txBody>
       </p:sp>
       <p:sp>
         <p:nvSpPr>
-          <p:cNvPr id="168" name="Google Shape;168;g7c553259d1_0_81"/>
+          <p:cNvPr id="8" name="Google Shape;168;g7c553259d1_0_81"/>
           <p:cNvSpPr/>
           <p:nvPr/>
         </p:nvSpPr>
@@ -13045,14 +11674,14 @@
       </p:sp>
       <p:graphicFrame>
         <p:nvGraphicFramePr>
-          <p:cNvPr id="169" name="Google Shape;169;g7c553259d1_0_81"/>
+          <p:cNvPr id="9" name="Google Shape;169;g7c553259d1_0_81"/>
           <p:cNvGraphicFramePr/>
           <p:nvPr>
             <p:extLst/>
           </p:nvPr>
         </p:nvGraphicFramePr>
         <p:xfrm>
-          <a:off x="8057120" y="1289963"/>
+          <a:off x="8065185" y="3382374"/>
           <a:ext cx="2869750" cy="2711375"/>
         </p:xfrm>
         <a:graphic>
@@ -13593,301 +12222,16 @@
           </a:graphicData>
         </a:graphic>
       </p:graphicFrame>
-      <p:sp>
-        <p:nvSpPr>
-          <p:cNvPr id="204" name="Google Shape;204;g7c553259d1_0_81"/>
-          <p:cNvSpPr/>
-          <p:nvPr/>
-        </p:nvSpPr>
-        <p:spPr>
-          <a:xfrm>
-            <a:off x="6828821" y="783913"/>
-            <a:ext cx="245944" cy="324600"/>
-          </a:xfrm>
-          <a:prstGeom prst="rect">
-            <a:avLst/>
-          </a:prstGeom>
-          <a:solidFill>
-            <a:srgbClr val="FF0000"/>
-          </a:solidFill>
-          <a:ln>
-            <a:noFill/>
-          </a:ln>
-        </p:spPr>
-        <p:txBody>
-          <a:bodyPr spcFirstLastPara="1" wrap="square" lIns="91425" tIns="45700" rIns="91425" bIns="45700" anchor="ctr" anchorCtr="0">
-            <a:noAutofit/>
-          </a:bodyPr>
-          <a:lstStyle/>
-          <a:p>
-            <a:pPr algn="ctr">
-              <a:buClr>
-                <a:srgbClr val="000000"/>
-              </a:buClr>
-              <a:buSzPts val="1800"/>
-            </a:pPr>
-            <a:r>
-              <a:rPr lang="en-US" altLang="ko-KR" b="1">
-                <a:solidFill>
-                  <a:schemeClr val="dk1"/>
-                </a:solidFill>
-                <a:latin typeface="Malgun Gothic"/>
-                <a:ea typeface="Malgun Gothic"/>
-                <a:cs typeface="Malgun Gothic"/>
-                <a:sym typeface="Malgun Gothic"/>
-              </a:rPr>
-              <a:t>6</a:t>
-            </a:r>
-            <a:endParaRPr b="1">
-              <a:solidFill>
-                <a:schemeClr val="dk1"/>
-              </a:solidFill>
-              <a:latin typeface="Malgun Gothic"/>
-              <a:ea typeface="Malgun Gothic"/>
-              <a:cs typeface="Malgun Gothic"/>
-              <a:sym typeface="Malgun Gothic"/>
-            </a:endParaRPr>
-          </a:p>
-        </p:txBody>
-      </p:sp>
-      <p:sp>
-        <p:nvSpPr>
-          <p:cNvPr id="207" name="Google Shape;207;g7c553259d1_0_81"/>
-          <p:cNvSpPr/>
-          <p:nvPr/>
-        </p:nvSpPr>
-        <p:spPr>
-          <a:xfrm>
-            <a:off x="6081108" y="783913"/>
-            <a:ext cx="245944" cy="324600"/>
-          </a:xfrm>
-          <a:prstGeom prst="rect">
-            <a:avLst/>
-          </a:prstGeom>
-          <a:solidFill>
-            <a:srgbClr val="FF0000"/>
-          </a:solidFill>
-          <a:ln>
-            <a:noFill/>
-          </a:ln>
-        </p:spPr>
-        <p:txBody>
-          <a:bodyPr spcFirstLastPara="1" wrap="square" lIns="91425" tIns="45700" rIns="91425" bIns="45700" anchor="ctr" anchorCtr="0">
-            <a:noAutofit/>
-          </a:bodyPr>
-          <a:lstStyle/>
-          <a:p>
-            <a:pPr algn="ctr">
-              <a:buClr>
-                <a:srgbClr val="000000"/>
-              </a:buClr>
-              <a:buSzPts val="1800"/>
-            </a:pPr>
-            <a:r>
-              <a:rPr lang="en-US" altLang="ko-KR" b="1" dirty="0">
-                <a:solidFill>
-                  <a:schemeClr val="dk1"/>
-                </a:solidFill>
-                <a:latin typeface="Malgun Gothic"/>
-                <a:ea typeface="Malgun Gothic"/>
-                <a:cs typeface="Malgun Gothic"/>
-                <a:sym typeface="Malgun Gothic"/>
-              </a:rPr>
-              <a:t>4</a:t>
-            </a:r>
-            <a:endParaRPr b="1" dirty="0">
-              <a:solidFill>
-                <a:schemeClr val="dk1"/>
-              </a:solidFill>
-              <a:latin typeface="Malgun Gothic"/>
-              <a:ea typeface="Malgun Gothic"/>
-              <a:cs typeface="Malgun Gothic"/>
-              <a:sym typeface="Malgun Gothic"/>
-            </a:endParaRPr>
-          </a:p>
-        </p:txBody>
-      </p:sp>
-      <p:sp>
-        <p:nvSpPr>
-          <p:cNvPr id="208" name="Google Shape;208;g7c553259d1_0_81"/>
-          <p:cNvSpPr/>
-          <p:nvPr/>
-        </p:nvSpPr>
-        <p:spPr>
-          <a:xfrm>
-            <a:off x="6458914" y="789578"/>
-            <a:ext cx="245944" cy="324600"/>
-          </a:xfrm>
-          <a:prstGeom prst="rect">
-            <a:avLst/>
-          </a:prstGeom>
-          <a:solidFill>
-            <a:srgbClr val="FF0000"/>
-          </a:solidFill>
-          <a:ln>
-            <a:noFill/>
-          </a:ln>
-        </p:spPr>
-        <p:txBody>
-          <a:bodyPr spcFirstLastPara="1" wrap="square" lIns="91425" tIns="45700" rIns="91425" bIns="45700" anchor="ctr" anchorCtr="0">
-            <a:noAutofit/>
-          </a:bodyPr>
-          <a:lstStyle/>
-          <a:p>
-            <a:pPr algn="ctr">
-              <a:buClr>
-                <a:srgbClr val="000000"/>
-              </a:buClr>
-              <a:buSzPts val="1800"/>
-            </a:pPr>
-            <a:r>
-              <a:rPr lang="en-US" altLang="ko-KR" b="1" dirty="0">
-                <a:solidFill>
-                  <a:schemeClr val="dk1"/>
-                </a:solidFill>
-                <a:latin typeface="Malgun Gothic"/>
-                <a:ea typeface="Malgun Gothic"/>
-                <a:cs typeface="Malgun Gothic"/>
-                <a:sym typeface="Malgun Gothic"/>
-              </a:rPr>
-              <a:t>5</a:t>
-            </a:r>
-            <a:endParaRPr b="1" dirty="0">
-              <a:solidFill>
-                <a:schemeClr val="dk1"/>
-              </a:solidFill>
-              <a:latin typeface="Malgun Gothic"/>
-              <a:ea typeface="Malgun Gothic"/>
-              <a:cs typeface="Malgun Gothic"/>
-              <a:sym typeface="Malgun Gothic"/>
-            </a:endParaRPr>
-          </a:p>
-        </p:txBody>
-      </p:sp>
-      <p:sp>
-        <p:nvSpPr>
-          <p:cNvPr id="174" name="Google Shape;174;g7c553259d1_0_81"/>
-          <p:cNvSpPr/>
-          <p:nvPr/>
-        </p:nvSpPr>
-        <p:spPr>
-          <a:xfrm>
-            <a:off x="5354626" y="783913"/>
-            <a:ext cx="245944" cy="324600"/>
-          </a:xfrm>
-          <a:prstGeom prst="rect">
-            <a:avLst/>
-          </a:prstGeom>
-          <a:solidFill>
-            <a:srgbClr val="FF0000"/>
-          </a:solidFill>
-          <a:ln>
-            <a:noFill/>
-          </a:ln>
-        </p:spPr>
-        <p:txBody>
-          <a:bodyPr spcFirstLastPara="1" wrap="square" lIns="91425" tIns="45700" rIns="91425" bIns="45700" anchor="ctr" anchorCtr="0">
-            <a:noAutofit/>
-          </a:bodyPr>
-          <a:lstStyle/>
-          <a:p>
-            <a:pPr algn="ctr">
-              <a:buClr>
-                <a:srgbClr val="000000"/>
-              </a:buClr>
-              <a:buSzPts val="1800"/>
-            </a:pPr>
-            <a:r>
-              <a:rPr lang="en-US" altLang="ko-KR" b="1" dirty="0">
-                <a:solidFill>
-                  <a:schemeClr val="dk1"/>
-                </a:solidFill>
-                <a:latin typeface="Malgun Gothic"/>
-                <a:ea typeface="Malgun Gothic"/>
-                <a:cs typeface="Malgun Gothic"/>
-                <a:sym typeface="Malgun Gothic"/>
-              </a:rPr>
-              <a:t>2</a:t>
-            </a:r>
-            <a:endParaRPr b="1" dirty="0">
-              <a:solidFill>
-                <a:schemeClr val="dk1"/>
-              </a:solidFill>
-              <a:latin typeface="Malgun Gothic"/>
-              <a:ea typeface="Malgun Gothic"/>
-              <a:cs typeface="Malgun Gothic"/>
-              <a:sym typeface="Malgun Gothic"/>
-            </a:endParaRPr>
-          </a:p>
-        </p:txBody>
-      </p:sp>
-      <p:sp>
-        <p:nvSpPr>
-          <p:cNvPr id="196" name="Google Shape;196;g7c553259d1_0_81"/>
-          <p:cNvSpPr/>
-          <p:nvPr/>
-        </p:nvSpPr>
-        <p:spPr>
-          <a:xfrm>
-            <a:off x="5732432" y="783913"/>
-            <a:ext cx="245944" cy="324600"/>
-          </a:xfrm>
-          <a:prstGeom prst="rect">
-            <a:avLst/>
-          </a:prstGeom>
-          <a:solidFill>
-            <a:srgbClr val="FF0000"/>
-          </a:solidFill>
-          <a:ln>
-            <a:noFill/>
-          </a:ln>
-        </p:spPr>
-        <p:txBody>
-          <a:bodyPr spcFirstLastPara="1" wrap="square" lIns="91425" tIns="45700" rIns="91425" bIns="45700" anchor="ctr" anchorCtr="0">
-            <a:noAutofit/>
-          </a:bodyPr>
-          <a:lstStyle/>
-          <a:p>
-            <a:pPr algn="ctr">
-              <a:buClr>
-                <a:srgbClr val="000000"/>
-              </a:buClr>
-              <a:buSzPts val="1800"/>
-            </a:pPr>
-            <a:r>
-              <a:rPr lang="en-US" altLang="ko-KR" b="1" dirty="0">
-                <a:solidFill>
-                  <a:schemeClr val="dk1"/>
-                </a:solidFill>
-                <a:latin typeface="Malgun Gothic"/>
-                <a:ea typeface="Malgun Gothic"/>
-                <a:cs typeface="Malgun Gothic"/>
-                <a:sym typeface="Malgun Gothic"/>
-              </a:rPr>
-              <a:t>3</a:t>
-            </a:r>
-            <a:endParaRPr b="1" dirty="0">
-              <a:solidFill>
-                <a:schemeClr val="dk1"/>
-              </a:solidFill>
-              <a:latin typeface="Malgun Gothic"/>
-              <a:ea typeface="Malgun Gothic"/>
-              <a:cs typeface="Malgun Gothic"/>
-              <a:sym typeface="Malgun Gothic"/>
-            </a:endParaRPr>
-          </a:p>
-        </p:txBody>
-      </p:sp>
       <p:pic>
         <p:nvPicPr>
-          <p:cNvPr id="5" name="그림 4"/>
+          <p:cNvPr id="10" name="그림 9"/>
           <p:cNvPicPr>
             <a:picLocks noChangeAspect="1"/>
           </p:cNvPicPr>
           <p:nvPr/>
         </p:nvPicPr>
         <p:blipFill>
-          <a:blip r:embed="rId3"/>
+          <a:blip r:embed="rId2"/>
           <a:stretch>
             <a:fillRect/>
           </a:stretch>
@@ -13902,264 +12246,9 @@
           </a:prstGeom>
         </p:spPr>
       </p:pic>
-      <p:sp>
-        <p:nvSpPr>
-          <p:cNvPr id="173" name="Google Shape;173;g7c553259d1_0_81"/>
-          <p:cNvSpPr/>
-          <p:nvPr/>
-        </p:nvSpPr>
-        <p:spPr>
-          <a:xfrm>
-            <a:off x="1963881" y="2442789"/>
-            <a:ext cx="245944" cy="324600"/>
-          </a:xfrm>
-          <a:prstGeom prst="rect">
-            <a:avLst/>
-          </a:prstGeom>
-          <a:solidFill>
-            <a:srgbClr val="FF0000"/>
-          </a:solidFill>
-          <a:ln>
-            <a:noFill/>
-          </a:ln>
-        </p:spPr>
-        <p:txBody>
-          <a:bodyPr spcFirstLastPara="1" wrap="square" lIns="91425" tIns="45700" rIns="91425" bIns="45700" anchor="ctr" anchorCtr="0">
-            <a:noAutofit/>
-          </a:bodyPr>
-          <a:lstStyle/>
-          <a:p>
-            <a:pPr algn="ctr">
-              <a:buClr>
-                <a:srgbClr val="000000"/>
-              </a:buClr>
-              <a:buSzPts val="1800"/>
-            </a:pPr>
-            <a:r>
-              <a:rPr lang="en-US" altLang="ko-KR" b="1" dirty="0">
-                <a:solidFill>
-                  <a:schemeClr val="dk1"/>
-                </a:solidFill>
-                <a:latin typeface="Malgun Gothic"/>
-                <a:ea typeface="Malgun Gothic"/>
-                <a:cs typeface="Malgun Gothic"/>
-                <a:sym typeface="Malgun Gothic"/>
-              </a:rPr>
-              <a:t>1</a:t>
-            </a:r>
-            <a:endParaRPr b="1" dirty="0">
-              <a:solidFill>
-                <a:schemeClr val="dk1"/>
-              </a:solidFill>
-              <a:latin typeface="Malgun Gothic"/>
-              <a:ea typeface="Malgun Gothic"/>
-              <a:cs typeface="Malgun Gothic"/>
-              <a:sym typeface="Malgun Gothic"/>
-            </a:endParaRPr>
-          </a:p>
-        </p:txBody>
-      </p:sp>
       <p:graphicFrame>
         <p:nvGraphicFramePr>
-          <p:cNvPr id="15" name="Google Shape;165;g7c553259d1_0_81"/>
-          <p:cNvGraphicFramePr/>
-          <p:nvPr>
-            <p:extLst/>
-          </p:nvPr>
-        </p:nvGraphicFramePr>
-        <p:xfrm>
-          <a:off x="1275710" y="244417"/>
-          <a:ext cx="6048672" cy="864096"/>
-        </p:xfrm>
-        <a:graphic>
-          <a:graphicData uri="http://schemas.openxmlformats.org/drawingml/2006/table">
-            <a:tbl>
-              <a:tblPr firstRow="1" bandRow="1">
-                <a:noFill/>
-              </a:tblPr>
-              <a:tblGrid>
-                <a:gridCol w="1152128">
-                  <a:extLst>
-                    <a:ext uri="{9D8B030D-6E8A-4147-A177-3AD203B41FA5}">
-                      <a16:colId xmlns:a16="http://schemas.microsoft.com/office/drawing/2014/main" xmlns="" val="20000"/>
-                    </a:ext>
-                  </a:extLst>
-                </a:gridCol>
-                <a:gridCol w="4896544">
-                  <a:extLst>
-                    <a:ext uri="{9D8B030D-6E8A-4147-A177-3AD203B41FA5}">
-                      <a16:colId xmlns:a16="http://schemas.microsoft.com/office/drawing/2014/main" xmlns="" val="20001"/>
-                    </a:ext>
-                  </a:extLst>
-                </a:gridCol>
-              </a:tblGrid>
-              <a:tr h="864096">
-                <a:tc>
-                  <a:txBody>
-                    <a:bodyPr/>
-                    <a:lstStyle/>
-                    <a:p>
-                      <a:pPr marL="0" marR="0" lvl="0" indent="0" algn="ctr" rtl="0">
-                        <a:lnSpc>
-                          <a:spcPct val="100000"/>
-                        </a:lnSpc>
-                        <a:spcBef>
-                          <a:spcPts val="0"/>
-                        </a:spcBef>
-                        <a:spcAft>
-                          <a:spcPts val="0"/>
-                        </a:spcAft>
-                        <a:buClr>
-                          <a:srgbClr val="000000"/>
-                        </a:buClr>
-                        <a:buSzPts val="1500"/>
-                        <a:buFont typeface="Arial"/>
-                        <a:buNone/>
-                      </a:pPr>
-                      <a:r>
-                        <a:rPr lang="ko-KR" altLang="en-US" sz="1500" b="0" u="none" strike="noStrike" cap="none" dirty="0" err="1" smtClean="0">
-                          <a:solidFill>
-                            <a:schemeClr val="dk1"/>
-                          </a:solidFill>
-                        </a:rPr>
-                        <a:t>화면명</a:t>
-                      </a:r>
-                      <a:endParaRPr sz="1500" b="0" u="none" strike="noStrike" cap="none" dirty="0">
-                        <a:solidFill>
-                          <a:schemeClr val="dk1"/>
-                        </a:solidFill>
-                      </a:endParaRPr>
-                    </a:p>
-                  </a:txBody>
-                  <a:tcPr marL="74304" marR="74304" marT="45725" marB="45725" anchor="ctr">
-                    <a:lnL w="12700" cap="flat" cmpd="sng">
-                      <a:solidFill>
-                        <a:schemeClr val="dk1"/>
-                      </a:solidFill>
-                      <a:prstDash val="solid"/>
-                      <a:round/>
-                      <a:headEnd type="none" w="sm" len="sm"/>
-                      <a:tailEnd type="none" w="sm" len="sm"/>
-                    </a:lnL>
-                    <a:lnR w="12700" cap="flat" cmpd="sng">
-                      <a:solidFill>
-                        <a:schemeClr val="dk1"/>
-                      </a:solidFill>
-                      <a:prstDash val="solid"/>
-                      <a:round/>
-                      <a:headEnd type="none" w="sm" len="sm"/>
-                      <a:tailEnd type="none" w="sm" len="sm"/>
-                    </a:lnR>
-                    <a:lnT w="12700" cap="flat" cmpd="sng">
-                      <a:solidFill>
-                        <a:schemeClr val="dk1"/>
-                      </a:solidFill>
-                      <a:prstDash val="solid"/>
-                      <a:round/>
-                      <a:headEnd type="none" w="sm" len="sm"/>
-                      <a:tailEnd type="none" w="sm" len="sm"/>
-                    </a:lnT>
-                    <a:lnB w="12700" cap="flat" cmpd="sng">
-                      <a:solidFill>
-                        <a:schemeClr val="dk1"/>
-                      </a:solidFill>
-                      <a:prstDash val="solid"/>
-                      <a:round/>
-                      <a:headEnd type="none" w="sm" len="sm"/>
-                      <a:tailEnd type="none" w="sm" len="sm"/>
-                    </a:lnB>
-                    <a:solidFill>
-                      <a:srgbClr val="D8D8D8"/>
-                    </a:solidFill>
-                  </a:tcPr>
-                </a:tc>
-                <a:tc>
-                  <a:txBody>
-                    <a:bodyPr/>
-                    <a:lstStyle/>
-                    <a:p>
-                      <a:pPr marL="0" marR="0" lvl="0" indent="0" algn="ctr" defTabSz="914400" rtl="0" eaLnBrk="1" fontAlgn="auto" latinLnBrk="1" hangingPunct="1">
-                        <a:lnSpc>
-                          <a:spcPct val="100000"/>
-                        </a:lnSpc>
-                        <a:spcBef>
-                          <a:spcPts val="0"/>
-                        </a:spcBef>
-                        <a:spcAft>
-                          <a:spcPts val="0"/>
-                        </a:spcAft>
-                        <a:buClrTx/>
-                        <a:buSzTx/>
-                        <a:buFontTx/>
-                        <a:buNone/>
-                        <a:tabLst/>
-                        <a:defRPr/>
-                      </a:pPr>
-                      <a:r>
-                        <a:rPr lang="ko-KR" altLang="en-US" sz="2800" b="0" u="none" strike="noStrike" cap="none" smtClean="0">
-                          <a:solidFill>
-                            <a:schemeClr val="dk1"/>
-                          </a:solidFill>
-                        </a:rPr>
-                        <a:t>세미나존 후기 목록</a:t>
-                      </a:r>
-                    </a:p>
-                  </a:txBody>
-                  <a:tcPr marL="74304" marR="74304" marT="45725" marB="45725" anchor="ctr">
-                    <a:lnL w="12700" cap="flat" cmpd="sng">
-                      <a:solidFill>
-                        <a:schemeClr val="dk1"/>
-                      </a:solidFill>
-                      <a:prstDash val="solid"/>
-                      <a:round/>
-                      <a:headEnd type="none" w="sm" len="sm"/>
-                      <a:tailEnd type="none" w="sm" len="sm"/>
-                    </a:lnL>
-                    <a:lnR w="12700" cap="flat" cmpd="sng">
-                      <a:solidFill>
-                        <a:schemeClr val="dk1"/>
-                      </a:solidFill>
-                      <a:prstDash val="solid"/>
-                      <a:round/>
-                      <a:headEnd type="none" w="sm" len="sm"/>
-                      <a:tailEnd type="none" w="sm" len="sm"/>
-                    </a:lnR>
-                    <a:lnT w="12700" cap="flat" cmpd="sng">
-                      <a:solidFill>
-                        <a:schemeClr val="dk1"/>
-                      </a:solidFill>
-                      <a:prstDash val="solid"/>
-                      <a:round/>
-                      <a:headEnd type="none" w="sm" len="sm"/>
-                      <a:tailEnd type="none" w="sm" len="sm"/>
-                    </a:lnT>
-                    <a:lnB w="12700" cap="flat" cmpd="sng">
-                      <a:solidFill>
-                        <a:schemeClr val="dk1"/>
-                      </a:solidFill>
-                      <a:prstDash val="solid"/>
-                      <a:round/>
-                      <a:headEnd type="none" w="sm" len="sm"/>
-                      <a:tailEnd type="none" w="sm" len="sm"/>
-                    </a:lnB>
-                    <a:solidFill>
-                      <a:schemeClr val="lt1"/>
-                    </a:solidFill>
-                  </a:tcPr>
-                </a:tc>
-                <a:extLst>
-                  <a:ext uri="{0D108BD9-81ED-4DB2-BD59-A6C34878D82A}">
-                    <a16:rowId xmlns:a16="http://schemas.microsoft.com/office/drawing/2014/main" xmlns="" val="10000"/>
-                  </a:ext>
-                </a:extLst>
-              </a:tr>
-            </a:tbl>
-          </a:graphicData>
-        </a:graphic>
-      </p:graphicFrame>
-      <p:graphicFrame>
-        <p:nvGraphicFramePr>
-          <p:cNvPr id="16" name="표 15"/>
+          <p:cNvPr id="11" name="표 10"/>
           <p:cNvGraphicFramePr>
             <a:graphicFrameLocks noGrp="1"/>
           </p:cNvGraphicFramePr>
@@ -14168,7 +12257,7 @@
           </p:nvPr>
         </p:nvGraphicFramePr>
         <p:xfrm>
-          <a:off x="8213589" y="356415"/>
+          <a:off x="8065185" y="2221470"/>
           <a:ext cx="2572943" cy="624860"/>
         </p:xfrm>
         <a:graphic>
@@ -14180,7 +12269,7 @@
               <a:tblGrid>
                 <a:gridCol w="2572943"/>
               </a:tblGrid>
-              <a:tr h="168164">
+              <a:tr h="0">
                 <a:tc>
                   <a:txBody>
                     <a:bodyPr/>
@@ -14349,7 +12438,7 @@
     </p:spTree>
     <p:extLst>
       <p:ext uri="{BB962C8B-B14F-4D97-AF65-F5344CB8AC3E}">
-        <p14:creationId xmlns:p14="http://schemas.microsoft.com/office/powerpoint/2010/main" val="2650542399"/>
+        <p14:creationId xmlns:p14="http://schemas.microsoft.com/office/powerpoint/2010/main" val="1531548449"/>
       </p:ext>
     </p:extLst>
   </p:cSld>
@@ -14366,12 +12455,12 @@
 </p:sld>
 </file>
 
-<file path=ppt/slides/slide8.xml><?xml version="1.0" encoding="utf-8"?>
+<file path=ppt/slides/slide9.xml><?xml version="1.0" encoding="utf-8"?>
 <p:sld xmlns:a="http://schemas.openxmlformats.org/drawingml/2006/main" xmlns:r="http://schemas.openxmlformats.org/officeDocument/2006/relationships" xmlns:p="http://schemas.openxmlformats.org/presentationml/2006/main">
   <p:cSld>
     <p:spTree>
       <p:nvGrpSpPr>
-        <p:cNvPr id="1" name="Shape 163"/>
+        <p:cNvPr id="1" name=""/>
         <p:cNvGrpSpPr/>
         <p:nvPr/>
       </p:nvGrpSpPr>
@@ -14385,58 +12474,57 @@
       </p:grpSpPr>
       <p:sp>
         <p:nvSpPr>
-          <p:cNvPr id="164" name="Google Shape;164;g7c553259d1_0_81"/>
-          <p:cNvSpPr/>
-          <p:nvPr/>
+          <p:cNvPr id="2" name="제목 1"/>
+          <p:cNvSpPr>
+            <a:spLocks noGrp="1"/>
+          </p:cNvSpPr>
+          <p:nvPr>
+            <p:ph type="title"/>
+          </p:nvPr>
         </p:nvSpPr>
-        <p:spPr>
-          <a:xfrm>
-            <a:off x="4534420" y="5718862"/>
-            <a:ext cx="2789963" cy="292800"/>
-          </a:xfrm>
-          <a:prstGeom prst="rect">
-            <a:avLst/>
-          </a:prstGeom>
-          <a:solidFill>
-            <a:schemeClr val="lt1"/>
-          </a:solidFill>
-          <a:ln w="12700" cap="flat" cmpd="sng">
-            <a:solidFill>
-              <a:schemeClr val="dk1"/>
-            </a:solidFill>
-            <a:prstDash val="solid"/>
-            <a:miter lim="800000"/>
-            <a:headEnd type="none" w="sm" len="sm"/>
-            <a:tailEnd type="none" w="sm" len="sm"/>
-          </a:ln>
-        </p:spPr>
+        <p:spPr/>
         <p:txBody>
-          <a:bodyPr spcFirstLastPara="1" wrap="square" lIns="91425" tIns="45700" rIns="91425" bIns="45700" anchor="ctr" anchorCtr="0">
+          <a:bodyPr>
             <a:noAutofit/>
           </a:bodyPr>
           <a:lstStyle/>
           <a:p>
-            <a:pPr algn="ctr">
-              <a:buClr>
-                <a:srgbClr val="000000"/>
-              </a:buClr>
-              <a:buSzPts val="1800"/>
+            <a:pPr lvl="0">
+              <a:lnSpc>
+                <a:spcPct val="100000"/>
+              </a:lnSpc>
+              <a:spcBef>
+                <a:spcPts val="0"/>
+              </a:spcBef>
+              <a:defRPr/>
             </a:pPr>
-            <a:endParaRPr>
-              <a:solidFill>
-                <a:schemeClr val="dk1"/>
-              </a:solidFill>
-              <a:latin typeface="Malgun Gothic"/>
-              <a:ea typeface="Malgun Gothic"/>
-              <a:cs typeface="Malgun Gothic"/>
-              <a:sym typeface="Malgun Gothic"/>
-            </a:endParaRPr>
+            <a:r>
+              <a:rPr lang="ko-KR" altLang="en-US" sz="4400" b="0"/>
+              <a:t>세미나존 </a:t>
+            </a:r>
+            <a:r>
+              <a:rPr lang="ko-KR" altLang="en-US" sz="4400" b="0"/>
+              <a:t>후기 </a:t>
+            </a:r>
+            <a:r>
+              <a:rPr lang="ko-KR" altLang="en-US" sz="4400" b="0" smtClean="0"/>
+              <a:t>목록 </a:t>
+            </a:r>
+            <a:r>
+              <a:rPr lang="en-US" altLang="ko-KR" sz="4400" b="0" smtClean="0"/>
+              <a:t>-</a:t>
+            </a:r>
+            <a:r>
+              <a:rPr lang="ko-KR" altLang="en-US" sz="4400" b="0" smtClean="0"/>
+              <a:t>상세내용</a:t>
+            </a:r>
+            <a:endParaRPr lang="ko-KR" altLang="en-US" sz="4400" b="0"/>
           </a:p>
         </p:txBody>
       </p:sp>
       <p:sp>
         <p:nvSpPr>
-          <p:cNvPr id="168" name="Google Shape;168;g7c553259d1_0_81"/>
+          <p:cNvPr id="7" name="Google Shape;168;g7c553259d1_0_81"/>
           <p:cNvSpPr/>
           <p:nvPr/>
         </p:nvSpPr>
@@ -14487,15 +12575,15 @@
       </p:sp>
       <p:graphicFrame>
         <p:nvGraphicFramePr>
-          <p:cNvPr id="169" name="Google Shape;169;g7c553259d1_0_81"/>
+          <p:cNvPr id="12" name="Google Shape;169;g7c553259d1_0_81"/>
           <p:cNvGraphicFramePr/>
           <p:nvPr>
             <p:extLst/>
           </p:nvPr>
         </p:nvGraphicFramePr>
         <p:xfrm>
-          <a:off x="8057120" y="1289960"/>
-          <a:ext cx="2869750" cy="2220724"/>
+          <a:off x="8214412" y="3728360"/>
+          <a:ext cx="2869750" cy="1328549"/>
         </p:xfrm>
         <a:graphic>
           <a:graphicData uri="http://schemas.openxmlformats.org/drawingml/2006/table">
@@ -14833,436 +12921,20 @@
                   </a:ext>
                 </a:extLst>
               </a:tr>
-              <a:tr h="892175">
-                <a:tc>
-                  <a:txBody>
-                    <a:bodyPr/>
-                    <a:lstStyle/>
-                    <a:p>
-                      <a:pPr marL="0" marR="0" lvl="0" indent="0" algn="ctr" rtl="0">
-                        <a:lnSpc>
-                          <a:spcPct val="100000"/>
-                        </a:lnSpc>
-                        <a:spcBef>
-                          <a:spcPts val="0"/>
-                        </a:spcBef>
-                        <a:spcAft>
-                          <a:spcPts val="0"/>
-                        </a:spcAft>
-                        <a:buNone/>
-                      </a:pPr>
-                      <a:endParaRPr sz="1500" dirty="0"/>
-                    </a:p>
-                  </a:txBody>
-                  <a:tcPr marL="74304" marR="74304" marT="45725" marB="45725" anchor="ctr">
-                    <a:lnL w="12700" cap="flat" cmpd="sng">
-                      <a:solidFill>
-                        <a:schemeClr val="dk1"/>
-                      </a:solidFill>
-                      <a:prstDash val="solid"/>
-                      <a:round/>
-                      <a:headEnd type="none" w="sm" len="sm"/>
-                      <a:tailEnd type="none" w="sm" len="sm"/>
-                    </a:lnL>
-                    <a:lnR w="12700" cap="flat" cmpd="sng" algn="ctr">
-                      <a:solidFill>
-                        <a:schemeClr val="dk1"/>
-                      </a:solidFill>
-                      <a:prstDash val="solid"/>
-                      <a:round/>
-                      <a:headEnd type="none" w="sm" len="sm"/>
-                      <a:tailEnd type="none" w="sm" len="sm"/>
-                    </a:lnR>
-                    <a:lnT w="12700" cap="flat" cmpd="sng" algn="ctr">
-                      <a:solidFill>
-                        <a:schemeClr val="dk1"/>
-                      </a:solidFill>
-                      <a:prstDash val="solid"/>
-                      <a:round/>
-                      <a:headEnd type="none" w="sm" len="sm"/>
-                      <a:tailEnd type="none" w="sm" len="sm"/>
-                    </a:lnT>
-                    <a:lnB w="12700" cap="flat" cmpd="sng">
-                      <a:solidFill>
-                        <a:schemeClr val="dk1"/>
-                      </a:solidFill>
-                      <a:prstDash val="solid"/>
-                      <a:round/>
-                      <a:headEnd type="none" w="sm" len="sm"/>
-                      <a:tailEnd type="none" w="sm" len="sm"/>
-                    </a:lnB>
-                    <a:solidFill>
-                      <a:schemeClr val="lt1"/>
-                    </a:solidFill>
-                  </a:tcPr>
-                </a:tc>
-                <a:tc>
-                  <a:txBody>
-                    <a:bodyPr/>
-                    <a:lstStyle/>
-                    <a:p>
-                      <a:pPr marL="0" marR="0" lvl="0" indent="0" algn="l" rtl="0">
-                        <a:lnSpc>
-                          <a:spcPct val="100000"/>
-                        </a:lnSpc>
-                        <a:spcBef>
-                          <a:spcPts val="0"/>
-                        </a:spcBef>
-                        <a:spcAft>
-                          <a:spcPts val="0"/>
-                        </a:spcAft>
-                        <a:buNone/>
-                      </a:pPr>
-                      <a:endParaRPr sz="1500" dirty="0"/>
-                    </a:p>
-                  </a:txBody>
-                  <a:tcPr marL="74304" marR="74304" marT="45725" marB="45725">
-                    <a:lnL w="12700" cap="flat" cmpd="sng" algn="ctr">
-                      <a:solidFill>
-                        <a:schemeClr val="dk1"/>
-                      </a:solidFill>
-                      <a:prstDash val="solid"/>
-                      <a:round/>
-                      <a:headEnd type="none" w="sm" len="sm"/>
-                      <a:tailEnd type="none" w="sm" len="sm"/>
-                    </a:lnL>
-                    <a:lnR w="12700" cap="flat" cmpd="sng">
-                      <a:solidFill>
-                        <a:schemeClr val="dk1"/>
-                      </a:solidFill>
-                      <a:prstDash val="solid"/>
-                      <a:round/>
-                      <a:headEnd type="none" w="sm" len="sm"/>
-                      <a:tailEnd type="none" w="sm" len="sm"/>
-                    </a:lnR>
-                    <a:lnT w="12700" cap="flat" cmpd="sng" algn="ctr">
-                      <a:solidFill>
-                        <a:schemeClr val="dk1"/>
-                      </a:solidFill>
-                      <a:prstDash val="solid"/>
-                      <a:round/>
-                      <a:headEnd type="none" w="sm" len="sm"/>
-                      <a:tailEnd type="none" w="sm" len="sm"/>
-                    </a:lnT>
-                    <a:lnB w="12700" cap="flat" cmpd="sng">
-                      <a:solidFill>
-                        <a:schemeClr val="dk1"/>
-                      </a:solidFill>
-                      <a:prstDash val="solid"/>
-                      <a:round/>
-                      <a:headEnd type="none" w="sm" len="sm"/>
-                      <a:tailEnd type="none" w="sm" len="sm"/>
-                    </a:lnB>
-                    <a:solidFill>
-                      <a:schemeClr val="lt1"/>
-                    </a:solidFill>
-                  </a:tcPr>
-                </a:tc>
-                <a:extLst>
-                  <a:ext uri="{0D108BD9-81ED-4DB2-BD59-A6C34878D82A}">
-                    <a16:rowId xmlns:a16="http://schemas.microsoft.com/office/drawing/2014/main" xmlns="" val="10002"/>
-                  </a:ext>
-                </a:extLst>
-              </a:tr>
             </a:tbl>
           </a:graphicData>
         </a:graphic>
       </p:graphicFrame>
-      <p:sp>
-        <p:nvSpPr>
-          <p:cNvPr id="204" name="Google Shape;204;g7c553259d1_0_81"/>
-          <p:cNvSpPr/>
-          <p:nvPr/>
-        </p:nvSpPr>
-        <p:spPr>
-          <a:xfrm>
-            <a:off x="6828821" y="783913"/>
-            <a:ext cx="245944" cy="324600"/>
-          </a:xfrm>
-          <a:prstGeom prst="rect">
-            <a:avLst/>
-          </a:prstGeom>
-          <a:solidFill>
-            <a:srgbClr val="FF0000"/>
-          </a:solidFill>
-          <a:ln>
-            <a:noFill/>
-          </a:ln>
-        </p:spPr>
-        <p:txBody>
-          <a:bodyPr spcFirstLastPara="1" wrap="square" lIns="91425" tIns="45700" rIns="91425" bIns="45700" anchor="ctr" anchorCtr="0">
-            <a:noAutofit/>
-          </a:bodyPr>
-          <a:lstStyle/>
-          <a:p>
-            <a:pPr algn="ctr">
-              <a:buClr>
-                <a:srgbClr val="000000"/>
-              </a:buClr>
-              <a:buSzPts val="1800"/>
-            </a:pPr>
-            <a:r>
-              <a:rPr lang="en-US" altLang="ko-KR" b="1">
-                <a:solidFill>
-                  <a:schemeClr val="dk1"/>
-                </a:solidFill>
-                <a:latin typeface="Malgun Gothic"/>
-                <a:ea typeface="Malgun Gothic"/>
-                <a:cs typeface="Malgun Gothic"/>
-                <a:sym typeface="Malgun Gothic"/>
-              </a:rPr>
-              <a:t>6</a:t>
-            </a:r>
-            <a:endParaRPr b="1">
-              <a:solidFill>
-                <a:schemeClr val="dk1"/>
-              </a:solidFill>
-              <a:latin typeface="Malgun Gothic"/>
-              <a:ea typeface="Malgun Gothic"/>
-              <a:cs typeface="Malgun Gothic"/>
-              <a:sym typeface="Malgun Gothic"/>
-            </a:endParaRPr>
-          </a:p>
-        </p:txBody>
-      </p:sp>
-      <p:sp>
-        <p:nvSpPr>
-          <p:cNvPr id="207" name="Google Shape;207;g7c553259d1_0_81"/>
-          <p:cNvSpPr/>
-          <p:nvPr/>
-        </p:nvSpPr>
-        <p:spPr>
-          <a:xfrm>
-            <a:off x="6081108" y="783913"/>
-            <a:ext cx="245944" cy="324600"/>
-          </a:xfrm>
-          <a:prstGeom prst="rect">
-            <a:avLst/>
-          </a:prstGeom>
-          <a:solidFill>
-            <a:srgbClr val="FF0000"/>
-          </a:solidFill>
-          <a:ln>
-            <a:noFill/>
-          </a:ln>
-        </p:spPr>
-        <p:txBody>
-          <a:bodyPr spcFirstLastPara="1" wrap="square" lIns="91425" tIns="45700" rIns="91425" bIns="45700" anchor="ctr" anchorCtr="0">
-            <a:noAutofit/>
-          </a:bodyPr>
-          <a:lstStyle/>
-          <a:p>
-            <a:pPr algn="ctr">
-              <a:buClr>
-                <a:srgbClr val="000000"/>
-              </a:buClr>
-              <a:buSzPts val="1800"/>
-            </a:pPr>
-            <a:r>
-              <a:rPr lang="en-US" altLang="ko-KR" b="1" dirty="0">
-                <a:solidFill>
-                  <a:schemeClr val="dk1"/>
-                </a:solidFill>
-                <a:latin typeface="Malgun Gothic"/>
-                <a:ea typeface="Malgun Gothic"/>
-                <a:cs typeface="Malgun Gothic"/>
-                <a:sym typeface="Malgun Gothic"/>
-              </a:rPr>
-              <a:t>4</a:t>
-            </a:r>
-            <a:endParaRPr b="1" dirty="0">
-              <a:solidFill>
-                <a:schemeClr val="dk1"/>
-              </a:solidFill>
-              <a:latin typeface="Malgun Gothic"/>
-              <a:ea typeface="Malgun Gothic"/>
-              <a:cs typeface="Malgun Gothic"/>
-              <a:sym typeface="Malgun Gothic"/>
-            </a:endParaRPr>
-          </a:p>
-        </p:txBody>
-      </p:sp>
-      <p:sp>
-        <p:nvSpPr>
-          <p:cNvPr id="208" name="Google Shape;208;g7c553259d1_0_81"/>
-          <p:cNvSpPr/>
-          <p:nvPr/>
-        </p:nvSpPr>
-        <p:spPr>
-          <a:xfrm>
-            <a:off x="6458914" y="789578"/>
-            <a:ext cx="245944" cy="324600"/>
-          </a:xfrm>
-          <a:prstGeom prst="rect">
-            <a:avLst/>
-          </a:prstGeom>
-          <a:solidFill>
-            <a:srgbClr val="FF0000"/>
-          </a:solidFill>
-          <a:ln>
-            <a:noFill/>
-          </a:ln>
-        </p:spPr>
-        <p:txBody>
-          <a:bodyPr spcFirstLastPara="1" wrap="square" lIns="91425" tIns="45700" rIns="91425" bIns="45700" anchor="ctr" anchorCtr="0">
-            <a:noAutofit/>
-          </a:bodyPr>
-          <a:lstStyle/>
-          <a:p>
-            <a:pPr algn="ctr">
-              <a:buClr>
-                <a:srgbClr val="000000"/>
-              </a:buClr>
-              <a:buSzPts val="1800"/>
-            </a:pPr>
-            <a:r>
-              <a:rPr lang="en-US" altLang="ko-KR" b="1" dirty="0">
-                <a:solidFill>
-                  <a:schemeClr val="dk1"/>
-                </a:solidFill>
-                <a:latin typeface="Malgun Gothic"/>
-                <a:ea typeface="Malgun Gothic"/>
-                <a:cs typeface="Malgun Gothic"/>
-                <a:sym typeface="Malgun Gothic"/>
-              </a:rPr>
-              <a:t>5</a:t>
-            </a:r>
-            <a:endParaRPr b="1" dirty="0">
-              <a:solidFill>
-                <a:schemeClr val="dk1"/>
-              </a:solidFill>
-              <a:latin typeface="Malgun Gothic"/>
-              <a:ea typeface="Malgun Gothic"/>
-              <a:cs typeface="Malgun Gothic"/>
-              <a:sym typeface="Malgun Gothic"/>
-            </a:endParaRPr>
-          </a:p>
-        </p:txBody>
-      </p:sp>
-      <p:sp>
-        <p:nvSpPr>
-          <p:cNvPr id="174" name="Google Shape;174;g7c553259d1_0_81"/>
-          <p:cNvSpPr/>
-          <p:nvPr/>
-        </p:nvSpPr>
-        <p:spPr>
-          <a:xfrm>
-            <a:off x="5354626" y="783913"/>
-            <a:ext cx="245944" cy="324600"/>
-          </a:xfrm>
-          <a:prstGeom prst="rect">
-            <a:avLst/>
-          </a:prstGeom>
-          <a:solidFill>
-            <a:srgbClr val="FF0000"/>
-          </a:solidFill>
-          <a:ln>
-            <a:noFill/>
-          </a:ln>
-        </p:spPr>
-        <p:txBody>
-          <a:bodyPr spcFirstLastPara="1" wrap="square" lIns="91425" tIns="45700" rIns="91425" bIns="45700" anchor="ctr" anchorCtr="0">
-            <a:noAutofit/>
-          </a:bodyPr>
-          <a:lstStyle/>
-          <a:p>
-            <a:pPr algn="ctr">
-              <a:buClr>
-                <a:srgbClr val="000000"/>
-              </a:buClr>
-              <a:buSzPts val="1800"/>
-            </a:pPr>
-            <a:r>
-              <a:rPr lang="en-US" altLang="ko-KR" b="1" dirty="0">
-                <a:solidFill>
-                  <a:schemeClr val="dk1"/>
-                </a:solidFill>
-                <a:latin typeface="Malgun Gothic"/>
-                <a:ea typeface="Malgun Gothic"/>
-                <a:cs typeface="Malgun Gothic"/>
-                <a:sym typeface="Malgun Gothic"/>
-              </a:rPr>
-              <a:t>2</a:t>
-            </a:r>
-            <a:endParaRPr b="1" dirty="0">
-              <a:solidFill>
-                <a:schemeClr val="dk1"/>
-              </a:solidFill>
-              <a:latin typeface="Malgun Gothic"/>
-              <a:ea typeface="Malgun Gothic"/>
-              <a:cs typeface="Malgun Gothic"/>
-              <a:sym typeface="Malgun Gothic"/>
-            </a:endParaRPr>
-          </a:p>
-        </p:txBody>
-      </p:sp>
-      <p:sp>
-        <p:nvSpPr>
-          <p:cNvPr id="196" name="Google Shape;196;g7c553259d1_0_81"/>
-          <p:cNvSpPr/>
-          <p:nvPr/>
-        </p:nvSpPr>
-        <p:spPr>
-          <a:xfrm>
-            <a:off x="5732432" y="783913"/>
-            <a:ext cx="245944" cy="324600"/>
-          </a:xfrm>
-          <a:prstGeom prst="rect">
-            <a:avLst/>
-          </a:prstGeom>
-          <a:solidFill>
-            <a:srgbClr val="FF0000"/>
-          </a:solidFill>
-          <a:ln>
-            <a:noFill/>
-          </a:ln>
-        </p:spPr>
-        <p:txBody>
-          <a:bodyPr spcFirstLastPara="1" wrap="square" lIns="91425" tIns="45700" rIns="91425" bIns="45700" anchor="ctr" anchorCtr="0">
-            <a:noAutofit/>
-          </a:bodyPr>
-          <a:lstStyle/>
-          <a:p>
-            <a:pPr algn="ctr">
-              <a:buClr>
-                <a:srgbClr val="000000"/>
-              </a:buClr>
-              <a:buSzPts val="1800"/>
-            </a:pPr>
-            <a:r>
-              <a:rPr lang="en-US" altLang="ko-KR" b="1" dirty="0">
-                <a:solidFill>
-                  <a:schemeClr val="dk1"/>
-                </a:solidFill>
-                <a:latin typeface="Malgun Gothic"/>
-                <a:ea typeface="Malgun Gothic"/>
-                <a:cs typeface="Malgun Gothic"/>
-                <a:sym typeface="Malgun Gothic"/>
-              </a:rPr>
-              <a:t>3</a:t>
-            </a:r>
-            <a:endParaRPr b="1" dirty="0">
-              <a:solidFill>
-                <a:schemeClr val="dk1"/>
-              </a:solidFill>
-              <a:latin typeface="Malgun Gothic"/>
-              <a:ea typeface="Malgun Gothic"/>
-              <a:cs typeface="Malgun Gothic"/>
-              <a:sym typeface="Malgun Gothic"/>
-            </a:endParaRPr>
-          </a:p>
-        </p:txBody>
-      </p:sp>
       <p:pic>
         <p:nvPicPr>
-          <p:cNvPr id="2" name="그림 1"/>
+          <p:cNvPr id="13" name="그림 12"/>
           <p:cNvPicPr>
             <a:picLocks noChangeAspect="1"/>
           </p:cNvPicPr>
           <p:nvPr/>
         </p:nvPicPr>
         <p:blipFill>
-          <a:blip r:embed="rId3"/>
+          <a:blip r:embed="rId2"/>
           <a:stretch>
             <a:fillRect/>
           </a:stretch>
@@ -15277,264 +12949,9 @@
           </a:prstGeom>
         </p:spPr>
       </p:pic>
-      <p:sp>
-        <p:nvSpPr>
-          <p:cNvPr id="173" name="Google Shape;173;g7c553259d1_0_81"/>
-          <p:cNvSpPr/>
-          <p:nvPr/>
-        </p:nvSpPr>
-        <p:spPr>
-          <a:xfrm>
-            <a:off x="1902893" y="2647727"/>
-            <a:ext cx="245944" cy="324600"/>
-          </a:xfrm>
-          <a:prstGeom prst="rect">
-            <a:avLst/>
-          </a:prstGeom>
-          <a:solidFill>
-            <a:srgbClr val="FF0000"/>
-          </a:solidFill>
-          <a:ln>
-            <a:noFill/>
-          </a:ln>
-        </p:spPr>
-        <p:txBody>
-          <a:bodyPr spcFirstLastPara="1" wrap="square" lIns="91425" tIns="45700" rIns="91425" bIns="45700" anchor="ctr" anchorCtr="0">
-            <a:noAutofit/>
-          </a:bodyPr>
-          <a:lstStyle/>
-          <a:p>
-            <a:pPr algn="ctr">
-              <a:buClr>
-                <a:srgbClr val="000000"/>
-              </a:buClr>
-              <a:buSzPts val="1800"/>
-            </a:pPr>
-            <a:r>
-              <a:rPr lang="en-US" altLang="ko-KR" b="1" dirty="0">
-                <a:solidFill>
-                  <a:schemeClr val="dk1"/>
-                </a:solidFill>
-                <a:latin typeface="Malgun Gothic"/>
-                <a:ea typeface="Malgun Gothic"/>
-                <a:cs typeface="Malgun Gothic"/>
-                <a:sym typeface="Malgun Gothic"/>
-              </a:rPr>
-              <a:t>1</a:t>
-            </a:r>
-            <a:endParaRPr b="1" dirty="0">
-              <a:solidFill>
-                <a:schemeClr val="dk1"/>
-              </a:solidFill>
-              <a:latin typeface="Malgun Gothic"/>
-              <a:ea typeface="Malgun Gothic"/>
-              <a:cs typeface="Malgun Gothic"/>
-              <a:sym typeface="Malgun Gothic"/>
-            </a:endParaRPr>
-          </a:p>
-        </p:txBody>
-      </p:sp>
       <p:graphicFrame>
         <p:nvGraphicFramePr>
-          <p:cNvPr id="16" name="Google Shape;165;g7c553259d1_0_81"/>
-          <p:cNvGraphicFramePr/>
-          <p:nvPr>
-            <p:extLst/>
-          </p:nvPr>
-        </p:nvGraphicFramePr>
-        <p:xfrm>
-          <a:off x="1275710" y="244417"/>
-          <a:ext cx="6048672" cy="864096"/>
-        </p:xfrm>
-        <a:graphic>
-          <a:graphicData uri="http://schemas.openxmlformats.org/drawingml/2006/table">
-            <a:tbl>
-              <a:tblPr firstRow="1" bandRow="1">
-                <a:noFill/>
-              </a:tblPr>
-              <a:tblGrid>
-                <a:gridCol w="1152128">
-                  <a:extLst>
-                    <a:ext uri="{9D8B030D-6E8A-4147-A177-3AD203B41FA5}">
-                      <a16:colId xmlns:a16="http://schemas.microsoft.com/office/drawing/2014/main" xmlns="" val="20000"/>
-                    </a:ext>
-                  </a:extLst>
-                </a:gridCol>
-                <a:gridCol w="4896544">
-                  <a:extLst>
-                    <a:ext uri="{9D8B030D-6E8A-4147-A177-3AD203B41FA5}">
-                      <a16:colId xmlns:a16="http://schemas.microsoft.com/office/drawing/2014/main" xmlns="" val="20001"/>
-                    </a:ext>
-                  </a:extLst>
-                </a:gridCol>
-              </a:tblGrid>
-              <a:tr h="864096">
-                <a:tc>
-                  <a:txBody>
-                    <a:bodyPr/>
-                    <a:lstStyle/>
-                    <a:p>
-                      <a:pPr marL="0" marR="0" lvl="0" indent="0" algn="ctr" rtl="0">
-                        <a:lnSpc>
-                          <a:spcPct val="100000"/>
-                        </a:lnSpc>
-                        <a:spcBef>
-                          <a:spcPts val="0"/>
-                        </a:spcBef>
-                        <a:spcAft>
-                          <a:spcPts val="0"/>
-                        </a:spcAft>
-                        <a:buClr>
-                          <a:srgbClr val="000000"/>
-                        </a:buClr>
-                        <a:buSzPts val="1500"/>
-                        <a:buFont typeface="Arial"/>
-                        <a:buNone/>
-                      </a:pPr>
-                      <a:r>
-                        <a:rPr lang="ko-KR" altLang="en-US" sz="1500" b="0" u="none" strike="noStrike" cap="none" dirty="0" err="1" smtClean="0">
-                          <a:solidFill>
-                            <a:schemeClr val="dk1"/>
-                          </a:solidFill>
-                        </a:rPr>
-                        <a:t>화면명</a:t>
-                      </a:r>
-                      <a:endParaRPr sz="1500" b="0" u="none" strike="noStrike" cap="none" dirty="0">
-                        <a:solidFill>
-                          <a:schemeClr val="dk1"/>
-                        </a:solidFill>
-                      </a:endParaRPr>
-                    </a:p>
-                  </a:txBody>
-                  <a:tcPr marL="74304" marR="74304" marT="45725" marB="45725" anchor="ctr">
-                    <a:lnL w="12700" cap="flat" cmpd="sng">
-                      <a:solidFill>
-                        <a:schemeClr val="dk1"/>
-                      </a:solidFill>
-                      <a:prstDash val="solid"/>
-                      <a:round/>
-                      <a:headEnd type="none" w="sm" len="sm"/>
-                      <a:tailEnd type="none" w="sm" len="sm"/>
-                    </a:lnL>
-                    <a:lnR w="12700" cap="flat" cmpd="sng">
-                      <a:solidFill>
-                        <a:schemeClr val="dk1"/>
-                      </a:solidFill>
-                      <a:prstDash val="solid"/>
-                      <a:round/>
-                      <a:headEnd type="none" w="sm" len="sm"/>
-                      <a:tailEnd type="none" w="sm" len="sm"/>
-                    </a:lnR>
-                    <a:lnT w="12700" cap="flat" cmpd="sng">
-                      <a:solidFill>
-                        <a:schemeClr val="dk1"/>
-                      </a:solidFill>
-                      <a:prstDash val="solid"/>
-                      <a:round/>
-                      <a:headEnd type="none" w="sm" len="sm"/>
-                      <a:tailEnd type="none" w="sm" len="sm"/>
-                    </a:lnT>
-                    <a:lnB w="12700" cap="flat" cmpd="sng">
-                      <a:solidFill>
-                        <a:schemeClr val="dk1"/>
-                      </a:solidFill>
-                      <a:prstDash val="solid"/>
-                      <a:round/>
-                      <a:headEnd type="none" w="sm" len="sm"/>
-                      <a:tailEnd type="none" w="sm" len="sm"/>
-                    </a:lnB>
-                    <a:solidFill>
-                      <a:srgbClr val="D8D8D8"/>
-                    </a:solidFill>
-                  </a:tcPr>
-                </a:tc>
-                <a:tc>
-                  <a:txBody>
-                    <a:bodyPr/>
-                    <a:lstStyle/>
-                    <a:p>
-                      <a:pPr marL="0" marR="0" lvl="0" indent="0" algn="ctr" defTabSz="914400" rtl="0" eaLnBrk="1" fontAlgn="auto" latinLnBrk="1" hangingPunct="1">
-                        <a:lnSpc>
-                          <a:spcPct val="100000"/>
-                        </a:lnSpc>
-                        <a:spcBef>
-                          <a:spcPts val="0"/>
-                        </a:spcBef>
-                        <a:spcAft>
-                          <a:spcPts val="0"/>
-                        </a:spcAft>
-                        <a:buClrTx/>
-                        <a:buSzTx/>
-                        <a:buFontTx/>
-                        <a:buNone/>
-                        <a:tabLst/>
-                        <a:defRPr/>
-                      </a:pPr>
-                      <a:r>
-                        <a:rPr lang="ko-KR" altLang="en-US" sz="2800" b="0" u="none" strike="noStrike" cap="none" smtClean="0">
-                          <a:solidFill>
-                            <a:schemeClr val="dk1"/>
-                          </a:solidFill>
-                        </a:rPr>
-                        <a:t>세미나존 후기 목록</a:t>
-                      </a:r>
-                    </a:p>
-                  </a:txBody>
-                  <a:tcPr marL="74304" marR="74304" marT="45725" marB="45725" anchor="ctr">
-                    <a:lnL w="12700" cap="flat" cmpd="sng">
-                      <a:solidFill>
-                        <a:schemeClr val="dk1"/>
-                      </a:solidFill>
-                      <a:prstDash val="solid"/>
-                      <a:round/>
-                      <a:headEnd type="none" w="sm" len="sm"/>
-                      <a:tailEnd type="none" w="sm" len="sm"/>
-                    </a:lnL>
-                    <a:lnR w="12700" cap="flat" cmpd="sng">
-                      <a:solidFill>
-                        <a:schemeClr val="dk1"/>
-                      </a:solidFill>
-                      <a:prstDash val="solid"/>
-                      <a:round/>
-                      <a:headEnd type="none" w="sm" len="sm"/>
-                      <a:tailEnd type="none" w="sm" len="sm"/>
-                    </a:lnR>
-                    <a:lnT w="12700" cap="flat" cmpd="sng">
-                      <a:solidFill>
-                        <a:schemeClr val="dk1"/>
-                      </a:solidFill>
-                      <a:prstDash val="solid"/>
-                      <a:round/>
-                      <a:headEnd type="none" w="sm" len="sm"/>
-                      <a:tailEnd type="none" w="sm" len="sm"/>
-                    </a:lnT>
-                    <a:lnB w="12700" cap="flat" cmpd="sng">
-                      <a:solidFill>
-                        <a:schemeClr val="dk1"/>
-                      </a:solidFill>
-                      <a:prstDash val="solid"/>
-                      <a:round/>
-                      <a:headEnd type="none" w="sm" len="sm"/>
-                      <a:tailEnd type="none" w="sm" len="sm"/>
-                    </a:lnB>
-                    <a:solidFill>
-                      <a:schemeClr val="lt1"/>
-                    </a:solidFill>
-                  </a:tcPr>
-                </a:tc>
-                <a:extLst>
-                  <a:ext uri="{0D108BD9-81ED-4DB2-BD59-A6C34878D82A}">
-                    <a16:rowId xmlns:a16="http://schemas.microsoft.com/office/drawing/2014/main" xmlns="" val="10000"/>
-                  </a:ext>
-                </a:extLst>
-              </a:tr>
-            </a:tbl>
-          </a:graphicData>
-        </a:graphic>
-      </p:graphicFrame>
-      <p:graphicFrame>
-        <p:nvGraphicFramePr>
-          <p:cNvPr id="17" name="표 16"/>
+          <p:cNvPr id="14" name="표 13"/>
           <p:cNvGraphicFramePr>
             <a:graphicFrameLocks noGrp="1"/>
           </p:cNvGraphicFramePr>
@@ -15543,7 +12960,7 @@
           </p:nvPr>
         </p:nvGraphicFramePr>
         <p:xfrm>
-          <a:off x="8376574" y="244417"/>
+          <a:off x="8214412" y="2682817"/>
           <a:ext cx="2545426" cy="594380"/>
         </p:xfrm>
         <a:graphic>
@@ -15724,7 +13141,7 @@
     </p:spTree>
     <p:extLst>
       <p:ext uri="{BB962C8B-B14F-4D97-AF65-F5344CB8AC3E}">
-        <p14:creationId xmlns:p14="http://schemas.microsoft.com/office/powerpoint/2010/main" val="2576082002"/>
+        <p14:creationId xmlns:p14="http://schemas.microsoft.com/office/powerpoint/2010/main" val="4188341198"/>
       </p:ext>
     </p:extLst>
   </p:cSld>
